--- a/Stasyev Denis/homework8/presentation/presentation.pptx
+++ b/Stasyev Denis/homework8/presentation/presentation.pptx
@@ -14,10 +14,10 @@
     <p:sldId id="259" r:id="rId5"/>
     <p:sldId id="260" r:id="rId6"/>
     <p:sldId id="261" r:id="rId7"/>
-    <p:sldId id="262" r:id="rId8"/>
-    <p:sldId id="266" r:id="rId9"/>
-    <p:sldId id="267" r:id="rId10"/>
-    <p:sldId id="263" r:id="rId11"/>
+    <p:sldId id="266" r:id="rId8"/>
+    <p:sldId id="267" r:id="rId9"/>
+    <p:sldId id="263" r:id="rId10"/>
+    <p:sldId id="271" r:id="rId11"/>
     <p:sldId id="265" r:id="rId12"/>
     <p:sldId id="269" r:id="rId13"/>
     <p:sldId id="268" r:id="rId14"/>
@@ -167,714 +167,2766 @@
           </c:marker>
           <c:cat>
             <c:numRef>
-              <c:f>Лист1!$A$1:$A$116</c:f>
+              <c:f>Лист1!$A$1:$A$458</c:f>
               <c:numCache>
                 <c:formatCode>m/d/yyyy</c:formatCode>
-                <c:ptCount val="116"/>
+                <c:ptCount val="458"/>
                 <c:pt idx="0">
+                  <c:v>43098</c:v>
+                </c:pt>
+                <c:pt idx="1">
+                  <c:v>43099</c:v>
+                </c:pt>
+                <c:pt idx="2">
+                  <c:v>43100</c:v>
+                </c:pt>
+                <c:pt idx="3">
+                  <c:v>43101</c:v>
+                </c:pt>
+                <c:pt idx="4">
+                  <c:v>43102</c:v>
+                </c:pt>
+                <c:pt idx="5">
+                  <c:v>43103</c:v>
+                </c:pt>
+                <c:pt idx="6">
+                  <c:v>43104</c:v>
+                </c:pt>
+                <c:pt idx="7">
+                  <c:v>43105</c:v>
+                </c:pt>
+                <c:pt idx="8">
+                  <c:v>43106</c:v>
+                </c:pt>
+                <c:pt idx="9">
+                  <c:v>43107</c:v>
+                </c:pt>
+                <c:pt idx="10">
+                  <c:v>43108</c:v>
+                </c:pt>
+                <c:pt idx="11">
+                  <c:v>43109</c:v>
+                </c:pt>
+                <c:pt idx="12">
+                  <c:v>43110</c:v>
+                </c:pt>
+                <c:pt idx="13">
+                  <c:v>43111</c:v>
+                </c:pt>
+                <c:pt idx="14">
+                  <c:v>43112</c:v>
+                </c:pt>
+                <c:pt idx="15">
+                  <c:v>43113</c:v>
+                </c:pt>
+                <c:pt idx="16">
+                  <c:v>43114</c:v>
+                </c:pt>
+                <c:pt idx="17">
+                  <c:v>43115</c:v>
+                </c:pt>
+                <c:pt idx="18">
+                  <c:v>43116</c:v>
+                </c:pt>
+                <c:pt idx="19">
+                  <c:v>43117</c:v>
+                </c:pt>
+                <c:pt idx="20">
+                  <c:v>43118</c:v>
+                </c:pt>
+                <c:pt idx="21">
+                  <c:v>43119</c:v>
+                </c:pt>
+                <c:pt idx="22">
+                  <c:v>43120</c:v>
+                </c:pt>
+                <c:pt idx="23">
+                  <c:v>43121</c:v>
+                </c:pt>
+                <c:pt idx="24">
+                  <c:v>43122</c:v>
+                </c:pt>
+                <c:pt idx="25">
+                  <c:v>43123</c:v>
+                </c:pt>
+                <c:pt idx="26">
+                  <c:v>43124</c:v>
+                </c:pt>
+                <c:pt idx="27">
+                  <c:v>43125</c:v>
+                </c:pt>
+                <c:pt idx="28">
+                  <c:v>43126</c:v>
+                </c:pt>
+                <c:pt idx="29">
+                  <c:v>43127</c:v>
+                </c:pt>
+                <c:pt idx="30">
+                  <c:v>43128</c:v>
+                </c:pt>
+                <c:pt idx="31">
+                  <c:v>43129</c:v>
+                </c:pt>
+                <c:pt idx="32">
+                  <c:v>43130</c:v>
+                </c:pt>
+                <c:pt idx="33">
+                  <c:v>43131</c:v>
+                </c:pt>
+                <c:pt idx="34">
                   <c:v>43132</c:v>
                 </c:pt>
-                <c:pt idx="1">
+                <c:pt idx="35">
                   <c:v>43133</c:v>
                 </c:pt>
-                <c:pt idx="2">
+                <c:pt idx="36">
                   <c:v>43134</c:v>
                 </c:pt>
-                <c:pt idx="3">
+                <c:pt idx="37">
                   <c:v>43135</c:v>
                 </c:pt>
-                <c:pt idx="4">
+                <c:pt idx="38">
                   <c:v>43136</c:v>
                 </c:pt>
-                <c:pt idx="5">
+                <c:pt idx="39">
                   <c:v>43137</c:v>
                 </c:pt>
-                <c:pt idx="6">
+                <c:pt idx="40">
                   <c:v>43138</c:v>
                 </c:pt>
-                <c:pt idx="7">
+                <c:pt idx="41">
                   <c:v>43139</c:v>
                 </c:pt>
-                <c:pt idx="8">
+                <c:pt idx="42">
                   <c:v>43140</c:v>
                 </c:pt>
-                <c:pt idx="9">
+                <c:pt idx="43">
                   <c:v>43141</c:v>
                 </c:pt>
-                <c:pt idx="10">
+                <c:pt idx="44">
                   <c:v>43142</c:v>
                 </c:pt>
-                <c:pt idx="11">
+                <c:pt idx="45">
                   <c:v>43143</c:v>
                 </c:pt>
-                <c:pt idx="12">
+                <c:pt idx="46">
                   <c:v>43144</c:v>
                 </c:pt>
-                <c:pt idx="13">
+                <c:pt idx="47">
                   <c:v>43145</c:v>
                 </c:pt>
-                <c:pt idx="14">
+                <c:pt idx="48">
                   <c:v>43146</c:v>
                 </c:pt>
-                <c:pt idx="15">
+                <c:pt idx="49">
                   <c:v>43147</c:v>
                 </c:pt>
-                <c:pt idx="16">
+                <c:pt idx="50">
                   <c:v>43148</c:v>
                 </c:pt>
-                <c:pt idx="17">
+                <c:pt idx="51">
                   <c:v>43149</c:v>
                 </c:pt>
-                <c:pt idx="18">
+                <c:pt idx="52">
                   <c:v>43150</c:v>
                 </c:pt>
-                <c:pt idx="19">
+                <c:pt idx="53">
                   <c:v>43151</c:v>
                 </c:pt>
-                <c:pt idx="20">
+                <c:pt idx="54">
                   <c:v>43152</c:v>
                 </c:pt>
-                <c:pt idx="21">
+                <c:pt idx="55">
                   <c:v>43153</c:v>
                 </c:pt>
-                <c:pt idx="22">
+                <c:pt idx="56">
                   <c:v>43154</c:v>
                 </c:pt>
-                <c:pt idx="23">
+                <c:pt idx="57">
                   <c:v>43155</c:v>
                 </c:pt>
-                <c:pt idx="24">
+                <c:pt idx="58">
                   <c:v>43156</c:v>
                 </c:pt>
-                <c:pt idx="25">
+                <c:pt idx="59">
                   <c:v>43157</c:v>
                 </c:pt>
-                <c:pt idx="26">
+                <c:pt idx="60">
                   <c:v>43158</c:v>
                 </c:pt>
-                <c:pt idx="27">
+                <c:pt idx="61">
                   <c:v>43159</c:v>
                 </c:pt>
-                <c:pt idx="28">
+                <c:pt idx="62">
                   <c:v>43160</c:v>
                 </c:pt>
-                <c:pt idx="29">
+                <c:pt idx="63">
                   <c:v>43161</c:v>
                 </c:pt>
-                <c:pt idx="30">
+                <c:pt idx="64">
                   <c:v>43162</c:v>
                 </c:pt>
-                <c:pt idx="31">
+                <c:pt idx="65">
                   <c:v>43163</c:v>
                 </c:pt>
-                <c:pt idx="32">
+                <c:pt idx="66">
                   <c:v>43164</c:v>
                 </c:pt>
-                <c:pt idx="33">
+                <c:pt idx="67">
                   <c:v>43165</c:v>
                 </c:pt>
-                <c:pt idx="34">
+                <c:pt idx="68">
                   <c:v>43166</c:v>
                 </c:pt>
-                <c:pt idx="35">
+                <c:pt idx="69">
                   <c:v>43167</c:v>
                 </c:pt>
-                <c:pt idx="36">
+                <c:pt idx="70">
                   <c:v>43168</c:v>
                 </c:pt>
-                <c:pt idx="37">
+                <c:pt idx="71">
                   <c:v>43169</c:v>
                 </c:pt>
-                <c:pt idx="38">
+                <c:pt idx="72">
                   <c:v>43170</c:v>
                 </c:pt>
-                <c:pt idx="39">
+                <c:pt idx="73">
                   <c:v>43171</c:v>
                 </c:pt>
-                <c:pt idx="40">
+                <c:pt idx="74">
                   <c:v>43172</c:v>
                 </c:pt>
-                <c:pt idx="41">
+                <c:pt idx="75">
                   <c:v>43173</c:v>
                 </c:pt>
-                <c:pt idx="42">
+                <c:pt idx="76">
                   <c:v>43174</c:v>
                 </c:pt>
-                <c:pt idx="43">
+                <c:pt idx="77">
                   <c:v>43175</c:v>
                 </c:pt>
-                <c:pt idx="44">
+                <c:pt idx="78">
                   <c:v>43176</c:v>
                 </c:pt>
-                <c:pt idx="45">
+                <c:pt idx="79">
                   <c:v>43177</c:v>
                 </c:pt>
-                <c:pt idx="46">
+                <c:pt idx="80">
                   <c:v>43178</c:v>
                 </c:pt>
-                <c:pt idx="47">
+                <c:pt idx="81">
                   <c:v>43179</c:v>
                 </c:pt>
-                <c:pt idx="48">
+                <c:pt idx="82">
                   <c:v>43180</c:v>
                 </c:pt>
-                <c:pt idx="49">
+                <c:pt idx="83">
                   <c:v>43181</c:v>
                 </c:pt>
-                <c:pt idx="50">
+                <c:pt idx="84">
                   <c:v>43182</c:v>
                 </c:pt>
-                <c:pt idx="51">
+                <c:pt idx="85">
                   <c:v>43183</c:v>
                 </c:pt>
-                <c:pt idx="52">
+                <c:pt idx="86">
                   <c:v>43184</c:v>
                 </c:pt>
-                <c:pt idx="53">
+                <c:pt idx="87">
                   <c:v>43185</c:v>
                 </c:pt>
-                <c:pt idx="54">
+                <c:pt idx="88">
                   <c:v>43186</c:v>
                 </c:pt>
-                <c:pt idx="55">
+                <c:pt idx="89">
                   <c:v>43187</c:v>
                 </c:pt>
-                <c:pt idx="56">
+                <c:pt idx="90">
                   <c:v>43188</c:v>
                 </c:pt>
-                <c:pt idx="57">
+                <c:pt idx="91">
                   <c:v>43189</c:v>
                 </c:pt>
-                <c:pt idx="58">
+                <c:pt idx="92">
+                  <c:v>43190</c:v>
+                </c:pt>
+                <c:pt idx="93">
+                  <c:v>43191</c:v>
+                </c:pt>
+                <c:pt idx="94">
+                  <c:v>43192</c:v>
+                </c:pt>
+                <c:pt idx="95">
+                  <c:v>43193</c:v>
+                </c:pt>
+                <c:pt idx="96">
+                  <c:v>43194</c:v>
+                </c:pt>
+                <c:pt idx="97">
+                  <c:v>43195</c:v>
+                </c:pt>
+                <c:pt idx="98">
+                  <c:v>43196</c:v>
+                </c:pt>
+                <c:pt idx="99">
+                  <c:v>43197</c:v>
+                </c:pt>
+                <c:pt idx="100">
+                  <c:v>43198</c:v>
+                </c:pt>
+                <c:pt idx="101">
+                  <c:v>43199</c:v>
+                </c:pt>
+                <c:pt idx="102">
+                  <c:v>43200</c:v>
+                </c:pt>
+                <c:pt idx="103">
+                  <c:v>43201</c:v>
+                </c:pt>
+                <c:pt idx="104">
+                  <c:v>43202</c:v>
+                </c:pt>
+                <c:pt idx="105">
+                  <c:v>43203</c:v>
+                </c:pt>
+                <c:pt idx="106">
+                  <c:v>43204</c:v>
+                </c:pt>
+                <c:pt idx="107">
+                  <c:v>43205</c:v>
+                </c:pt>
+                <c:pt idx="108">
+                  <c:v>43206</c:v>
+                </c:pt>
+                <c:pt idx="109">
+                  <c:v>43207</c:v>
+                </c:pt>
+                <c:pt idx="110">
+                  <c:v>43208</c:v>
+                </c:pt>
+                <c:pt idx="111">
+                  <c:v>43209</c:v>
+                </c:pt>
+                <c:pt idx="112">
+                  <c:v>43210</c:v>
+                </c:pt>
+                <c:pt idx="113">
+                  <c:v>43211</c:v>
+                </c:pt>
+                <c:pt idx="114">
+                  <c:v>43212</c:v>
+                </c:pt>
+                <c:pt idx="115">
+                  <c:v>43213</c:v>
+                </c:pt>
+                <c:pt idx="116">
+                  <c:v>43214</c:v>
+                </c:pt>
+                <c:pt idx="117">
+                  <c:v>43215</c:v>
+                </c:pt>
+                <c:pt idx="118">
+                  <c:v>43216</c:v>
+                </c:pt>
+                <c:pt idx="119">
+                  <c:v>43217</c:v>
+                </c:pt>
+                <c:pt idx="120">
+                  <c:v>43218</c:v>
+                </c:pt>
+                <c:pt idx="121">
+                  <c:v>43219</c:v>
+                </c:pt>
+                <c:pt idx="122">
+                  <c:v>43220</c:v>
+                </c:pt>
+                <c:pt idx="123">
+                  <c:v>43221</c:v>
+                </c:pt>
+                <c:pt idx="124">
+                  <c:v>43222</c:v>
+                </c:pt>
+                <c:pt idx="125">
+                  <c:v>43223</c:v>
+                </c:pt>
+                <c:pt idx="126">
+                  <c:v>43224</c:v>
+                </c:pt>
+                <c:pt idx="127">
+                  <c:v>43225</c:v>
+                </c:pt>
+                <c:pt idx="128">
+                  <c:v>43226</c:v>
+                </c:pt>
+                <c:pt idx="129">
+                  <c:v>43227</c:v>
+                </c:pt>
+                <c:pt idx="130">
+                  <c:v>43228</c:v>
+                </c:pt>
+                <c:pt idx="131">
+                  <c:v>43229</c:v>
+                </c:pt>
+                <c:pt idx="132">
+                  <c:v>43230</c:v>
+                </c:pt>
+                <c:pt idx="133">
+                  <c:v>43231</c:v>
+                </c:pt>
+                <c:pt idx="134">
+                  <c:v>43232</c:v>
+                </c:pt>
+                <c:pt idx="135">
+                  <c:v>43233</c:v>
+                </c:pt>
+                <c:pt idx="136">
+                  <c:v>43234</c:v>
+                </c:pt>
+                <c:pt idx="137">
+                  <c:v>43235</c:v>
+                </c:pt>
+                <c:pt idx="138">
+                  <c:v>43236</c:v>
+                </c:pt>
+                <c:pt idx="139">
+                  <c:v>43237</c:v>
+                </c:pt>
+                <c:pt idx="140">
+                  <c:v>43238</c:v>
+                </c:pt>
+                <c:pt idx="141">
+                  <c:v>43239</c:v>
+                </c:pt>
+                <c:pt idx="142">
+                  <c:v>43240</c:v>
+                </c:pt>
+                <c:pt idx="143">
+                  <c:v>43241</c:v>
+                </c:pt>
+                <c:pt idx="144">
+                  <c:v>43242</c:v>
+                </c:pt>
+                <c:pt idx="145">
+                  <c:v>43243</c:v>
+                </c:pt>
+                <c:pt idx="146">
+                  <c:v>43244</c:v>
+                </c:pt>
+                <c:pt idx="147">
+                  <c:v>43245</c:v>
+                </c:pt>
+                <c:pt idx="148">
+                  <c:v>43246</c:v>
+                </c:pt>
+                <c:pt idx="149">
+                  <c:v>43247</c:v>
+                </c:pt>
+                <c:pt idx="150">
+                  <c:v>43248</c:v>
+                </c:pt>
+                <c:pt idx="151">
+                  <c:v>43249</c:v>
+                </c:pt>
+                <c:pt idx="152">
+                  <c:v>43250</c:v>
+                </c:pt>
+                <c:pt idx="153">
+                  <c:v>43251</c:v>
+                </c:pt>
+                <c:pt idx="154">
+                  <c:v>43252</c:v>
+                </c:pt>
+                <c:pt idx="155">
+                  <c:v>43253</c:v>
+                </c:pt>
+                <c:pt idx="156">
+                  <c:v>43254</c:v>
+                </c:pt>
+                <c:pt idx="157">
+                  <c:v>43255</c:v>
+                </c:pt>
+                <c:pt idx="158">
+                  <c:v>43256</c:v>
+                </c:pt>
+                <c:pt idx="159">
+                  <c:v>43257</c:v>
+                </c:pt>
+                <c:pt idx="160">
+                  <c:v>43258</c:v>
+                </c:pt>
+                <c:pt idx="161">
+                  <c:v>43259</c:v>
+                </c:pt>
+                <c:pt idx="162">
+                  <c:v>43260</c:v>
+                </c:pt>
+                <c:pt idx="163">
+                  <c:v>43261</c:v>
+                </c:pt>
+                <c:pt idx="164">
+                  <c:v>43262</c:v>
+                </c:pt>
+                <c:pt idx="165">
+                  <c:v>43263</c:v>
+                </c:pt>
+                <c:pt idx="166">
+                  <c:v>43264</c:v>
+                </c:pt>
+                <c:pt idx="167">
+                  <c:v>43265</c:v>
+                </c:pt>
+                <c:pt idx="168">
+                  <c:v>43266</c:v>
+                </c:pt>
+                <c:pt idx="169">
+                  <c:v>43267</c:v>
+                </c:pt>
+                <c:pt idx="170">
+                  <c:v>43268</c:v>
+                </c:pt>
+                <c:pt idx="171">
+                  <c:v>43269</c:v>
+                </c:pt>
+                <c:pt idx="172">
+                  <c:v>43270</c:v>
+                </c:pt>
+                <c:pt idx="173">
+                  <c:v>43271</c:v>
+                </c:pt>
+                <c:pt idx="174">
+                  <c:v>43272</c:v>
+                </c:pt>
+                <c:pt idx="175">
+                  <c:v>43273</c:v>
+                </c:pt>
+                <c:pt idx="176">
+                  <c:v>43274</c:v>
+                </c:pt>
+                <c:pt idx="177">
+                  <c:v>43275</c:v>
+                </c:pt>
+                <c:pt idx="178">
+                  <c:v>43276</c:v>
+                </c:pt>
+                <c:pt idx="179">
+                  <c:v>43277</c:v>
+                </c:pt>
+                <c:pt idx="180">
+                  <c:v>43278</c:v>
+                </c:pt>
+                <c:pt idx="181">
+                  <c:v>43279</c:v>
+                </c:pt>
+                <c:pt idx="182">
+                  <c:v>43280</c:v>
+                </c:pt>
+                <c:pt idx="183">
+                  <c:v>43281</c:v>
+                </c:pt>
+                <c:pt idx="184">
+                  <c:v>43282</c:v>
+                </c:pt>
+                <c:pt idx="185">
+                  <c:v>43283</c:v>
+                </c:pt>
+                <c:pt idx="186">
+                  <c:v>43284</c:v>
+                </c:pt>
+                <c:pt idx="187">
+                  <c:v>43285</c:v>
+                </c:pt>
+                <c:pt idx="188">
+                  <c:v>43286</c:v>
+                </c:pt>
+                <c:pt idx="189">
+                  <c:v>43287</c:v>
+                </c:pt>
+                <c:pt idx="190">
+                  <c:v>43288</c:v>
+                </c:pt>
+                <c:pt idx="191">
+                  <c:v>43289</c:v>
+                </c:pt>
+                <c:pt idx="192">
+                  <c:v>43290</c:v>
+                </c:pt>
+                <c:pt idx="193">
+                  <c:v>43291</c:v>
+                </c:pt>
+                <c:pt idx="194">
+                  <c:v>43292</c:v>
+                </c:pt>
+                <c:pt idx="195">
+                  <c:v>43293</c:v>
+                </c:pt>
+                <c:pt idx="196">
+                  <c:v>43294</c:v>
+                </c:pt>
+                <c:pt idx="197">
+                  <c:v>43295</c:v>
+                </c:pt>
+                <c:pt idx="198">
+                  <c:v>43296</c:v>
+                </c:pt>
+                <c:pt idx="199">
+                  <c:v>43297</c:v>
+                </c:pt>
+                <c:pt idx="200">
+                  <c:v>43298</c:v>
+                </c:pt>
+                <c:pt idx="201">
+                  <c:v>43299</c:v>
+                </c:pt>
+                <c:pt idx="202">
+                  <c:v>43300</c:v>
+                </c:pt>
+                <c:pt idx="203">
+                  <c:v>43301</c:v>
+                </c:pt>
+                <c:pt idx="204">
+                  <c:v>43302</c:v>
+                </c:pt>
+                <c:pt idx="205">
+                  <c:v>43303</c:v>
+                </c:pt>
+                <c:pt idx="206">
+                  <c:v>43304</c:v>
+                </c:pt>
+                <c:pt idx="207">
+                  <c:v>43305</c:v>
+                </c:pt>
+                <c:pt idx="208">
+                  <c:v>43306</c:v>
+                </c:pt>
+                <c:pt idx="209">
+                  <c:v>43307</c:v>
+                </c:pt>
+                <c:pt idx="210">
+                  <c:v>43308</c:v>
+                </c:pt>
+                <c:pt idx="211">
+                  <c:v>43309</c:v>
+                </c:pt>
+                <c:pt idx="212">
+                  <c:v>43310</c:v>
+                </c:pt>
+                <c:pt idx="213">
+                  <c:v>43311</c:v>
+                </c:pt>
+                <c:pt idx="214">
+                  <c:v>43312</c:v>
+                </c:pt>
+                <c:pt idx="215">
+                  <c:v>43313</c:v>
+                </c:pt>
+                <c:pt idx="216">
+                  <c:v>43314</c:v>
+                </c:pt>
+                <c:pt idx="217">
+                  <c:v>43315</c:v>
+                </c:pt>
+                <c:pt idx="218">
+                  <c:v>43316</c:v>
+                </c:pt>
+                <c:pt idx="219">
+                  <c:v>43317</c:v>
+                </c:pt>
+                <c:pt idx="220">
+                  <c:v>43318</c:v>
+                </c:pt>
+                <c:pt idx="221">
+                  <c:v>43319</c:v>
+                </c:pt>
+                <c:pt idx="222">
+                  <c:v>43320</c:v>
+                </c:pt>
+                <c:pt idx="223">
+                  <c:v>43321</c:v>
+                </c:pt>
+                <c:pt idx="224">
+                  <c:v>43322</c:v>
+                </c:pt>
+                <c:pt idx="225">
+                  <c:v>43323</c:v>
+                </c:pt>
+                <c:pt idx="226">
+                  <c:v>43324</c:v>
+                </c:pt>
+                <c:pt idx="227">
+                  <c:v>43325</c:v>
+                </c:pt>
+                <c:pt idx="228">
+                  <c:v>43326</c:v>
+                </c:pt>
+                <c:pt idx="229">
+                  <c:v>43327</c:v>
+                </c:pt>
+                <c:pt idx="230">
+                  <c:v>43328</c:v>
+                </c:pt>
+                <c:pt idx="231">
+                  <c:v>43329</c:v>
+                </c:pt>
+                <c:pt idx="232">
+                  <c:v>43330</c:v>
+                </c:pt>
+                <c:pt idx="233">
+                  <c:v>43331</c:v>
+                </c:pt>
+                <c:pt idx="234">
+                  <c:v>43332</c:v>
+                </c:pt>
+                <c:pt idx="235">
+                  <c:v>43333</c:v>
+                </c:pt>
+                <c:pt idx="236">
+                  <c:v>43334</c:v>
+                </c:pt>
+                <c:pt idx="237">
+                  <c:v>43335</c:v>
+                </c:pt>
+                <c:pt idx="238">
+                  <c:v>43336</c:v>
+                </c:pt>
+                <c:pt idx="239">
+                  <c:v>43337</c:v>
+                </c:pt>
+                <c:pt idx="240">
+                  <c:v>43338</c:v>
+                </c:pt>
+                <c:pt idx="241">
+                  <c:v>43339</c:v>
+                </c:pt>
+                <c:pt idx="242">
+                  <c:v>43340</c:v>
+                </c:pt>
+                <c:pt idx="243">
+                  <c:v>43341</c:v>
+                </c:pt>
+                <c:pt idx="244">
+                  <c:v>43342</c:v>
+                </c:pt>
+                <c:pt idx="245">
+                  <c:v>43343</c:v>
+                </c:pt>
+                <c:pt idx="246">
+                  <c:v>43344</c:v>
+                </c:pt>
+                <c:pt idx="247">
+                  <c:v>43345</c:v>
+                </c:pt>
+                <c:pt idx="248">
+                  <c:v>43346</c:v>
+                </c:pt>
+                <c:pt idx="249">
+                  <c:v>43347</c:v>
+                </c:pt>
+                <c:pt idx="250">
+                  <c:v>43348</c:v>
+                </c:pt>
+                <c:pt idx="251">
+                  <c:v>43349</c:v>
+                </c:pt>
+                <c:pt idx="252">
+                  <c:v>43350</c:v>
+                </c:pt>
+                <c:pt idx="253">
+                  <c:v>43351</c:v>
+                </c:pt>
+                <c:pt idx="254">
+                  <c:v>43352</c:v>
+                </c:pt>
+                <c:pt idx="255">
+                  <c:v>43353</c:v>
+                </c:pt>
+                <c:pt idx="256">
+                  <c:v>43354</c:v>
+                </c:pt>
+                <c:pt idx="257">
+                  <c:v>43355</c:v>
+                </c:pt>
+                <c:pt idx="258">
+                  <c:v>43356</c:v>
+                </c:pt>
+                <c:pt idx="259">
+                  <c:v>43357</c:v>
+                </c:pt>
+                <c:pt idx="260">
+                  <c:v>43358</c:v>
+                </c:pt>
+                <c:pt idx="261">
+                  <c:v>43359</c:v>
+                </c:pt>
+                <c:pt idx="262">
+                  <c:v>43360</c:v>
+                </c:pt>
+                <c:pt idx="263">
+                  <c:v>43361</c:v>
+                </c:pt>
+                <c:pt idx="264">
+                  <c:v>43362</c:v>
+                </c:pt>
+                <c:pt idx="265">
+                  <c:v>43363</c:v>
+                </c:pt>
+                <c:pt idx="266">
+                  <c:v>43364</c:v>
+                </c:pt>
+                <c:pt idx="267">
+                  <c:v>43365</c:v>
+                </c:pt>
+                <c:pt idx="268">
+                  <c:v>43366</c:v>
+                </c:pt>
+                <c:pt idx="269">
+                  <c:v>43367</c:v>
+                </c:pt>
+                <c:pt idx="270">
+                  <c:v>43368</c:v>
+                </c:pt>
+                <c:pt idx="271">
+                  <c:v>43369</c:v>
+                </c:pt>
+                <c:pt idx="272">
+                  <c:v>43370</c:v>
+                </c:pt>
+                <c:pt idx="273">
+                  <c:v>43371</c:v>
+                </c:pt>
+                <c:pt idx="274">
+                  <c:v>43372</c:v>
+                </c:pt>
+                <c:pt idx="275">
+                  <c:v>43373</c:v>
+                </c:pt>
+                <c:pt idx="276">
+                  <c:v>43374</c:v>
+                </c:pt>
+                <c:pt idx="277">
+                  <c:v>43375</c:v>
+                </c:pt>
+                <c:pt idx="278">
+                  <c:v>43376</c:v>
+                </c:pt>
+                <c:pt idx="279">
+                  <c:v>43377</c:v>
+                </c:pt>
+                <c:pt idx="280">
+                  <c:v>43378</c:v>
+                </c:pt>
+                <c:pt idx="281">
+                  <c:v>43379</c:v>
+                </c:pt>
+                <c:pt idx="282">
+                  <c:v>43380</c:v>
+                </c:pt>
+                <c:pt idx="283">
+                  <c:v>43381</c:v>
+                </c:pt>
+                <c:pt idx="284">
+                  <c:v>43382</c:v>
+                </c:pt>
+                <c:pt idx="285">
+                  <c:v>43383</c:v>
+                </c:pt>
+                <c:pt idx="286">
+                  <c:v>43384</c:v>
+                </c:pt>
+                <c:pt idx="287">
+                  <c:v>43385</c:v>
+                </c:pt>
+                <c:pt idx="288">
+                  <c:v>43386</c:v>
+                </c:pt>
+                <c:pt idx="289">
+                  <c:v>43387</c:v>
+                </c:pt>
+                <c:pt idx="290">
+                  <c:v>43388</c:v>
+                </c:pt>
+                <c:pt idx="291">
+                  <c:v>43389</c:v>
+                </c:pt>
+                <c:pt idx="292">
+                  <c:v>43390</c:v>
+                </c:pt>
+                <c:pt idx="293">
+                  <c:v>43391</c:v>
+                </c:pt>
+                <c:pt idx="294">
+                  <c:v>43392</c:v>
+                </c:pt>
+                <c:pt idx="295">
+                  <c:v>43393</c:v>
+                </c:pt>
+                <c:pt idx="296">
+                  <c:v>43394</c:v>
+                </c:pt>
+                <c:pt idx="297">
+                  <c:v>43395</c:v>
+                </c:pt>
+                <c:pt idx="298">
+                  <c:v>43396</c:v>
+                </c:pt>
+                <c:pt idx="299">
+                  <c:v>43397</c:v>
+                </c:pt>
+                <c:pt idx="300">
+                  <c:v>43398</c:v>
+                </c:pt>
+                <c:pt idx="301">
+                  <c:v>43399</c:v>
+                </c:pt>
+                <c:pt idx="302">
+                  <c:v>43400</c:v>
+                </c:pt>
+                <c:pt idx="303">
+                  <c:v>43401</c:v>
+                </c:pt>
+                <c:pt idx="304">
+                  <c:v>43402</c:v>
+                </c:pt>
+                <c:pt idx="305">
+                  <c:v>43403</c:v>
+                </c:pt>
+                <c:pt idx="306">
+                  <c:v>43404</c:v>
+                </c:pt>
+                <c:pt idx="307">
+                  <c:v>43405</c:v>
+                </c:pt>
+                <c:pt idx="308">
+                  <c:v>43406</c:v>
+                </c:pt>
+                <c:pt idx="309">
+                  <c:v>43407</c:v>
+                </c:pt>
+                <c:pt idx="310">
+                  <c:v>43408</c:v>
+                </c:pt>
+                <c:pt idx="311">
+                  <c:v>43409</c:v>
+                </c:pt>
+                <c:pt idx="312">
+                  <c:v>43410</c:v>
+                </c:pt>
+                <c:pt idx="313">
+                  <c:v>43411</c:v>
+                </c:pt>
+                <c:pt idx="314">
+                  <c:v>43412</c:v>
+                </c:pt>
+                <c:pt idx="315">
+                  <c:v>43413</c:v>
+                </c:pt>
+                <c:pt idx="316">
+                  <c:v>43414</c:v>
+                </c:pt>
+                <c:pt idx="317">
+                  <c:v>43415</c:v>
+                </c:pt>
+                <c:pt idx="318">
+                  <c:v>43416</c:v>
+                </c:pt>
+                <c:pt idx="319">
+                  <c:v>43417</c:v>
+                </c:pt>
+                <c:pt idx="320">
+                  <c:v>43418</c:v>
+                </c:pt>
+                <c:pt idx="321">
+                  <c:v>43419</c:v>
+                </c:pt>
+                <c:pt idx="322">
+                  <c:v>43420</c:v>
+                </c:pt>
+                <c:pt idx="323">
+                  <c:v>43421</c:v>
+                </c:pt>
+                <c:pt idx="324">
+                  <c:v>43422</c:v>
+                </c:pt>
+                <c:pt idx="325">
+                  <c:v>43423</c:v>
+                </c:pt>
+                <c:pt idx="326">
+                  <c:v>43424</c:v>
+                </c:pt>
+                <c:pt idx="327">
+                  <c:v>43425</c:v>
+                </c:pt>
+                <c:pt idx="328">
+                  <c:v>43426</c:v>
+                </c:pt>
+                <c:pt idx="329">
+                  <c:v>43427</c:v>
+                </c:pt>
+                <c:pt idx="330">
+                  <c:v>43428</c:v>
+                </c:pt>
+                <c:pt idx="331">
+                  <c:v>43429</c:v>
+                </c:pt>
+                <c:pt idx="332">
+                  <c:v>43430</c:v>
+                </c:pt>
+                <c:pt idx="333">
+                  <c:v>43431</c:v>
+                </c:pt>
+                <c:pt idx="334">
+                  <c:v>43432</c:v>
+                </c:pt>
+                <c:pt idx="335">
+                  <c:v>43433</c:v>
+                </c:pt>
+                <c:pt idx="336">
+                  <c:v>43434</c:v>
+                </c:pt>
+                <c:pt idx="337">
+                  <c:v>43435</c:v>
+                </c:pt>
+                <c:pt idx="338">
+                  <c:v>43436</c:v>
+                </c:pt>
+                <c:pt idx="339">
+                  <c:v>43437</c:v>
+                </c:pt>
+                <c:pt idx="340">
+                  <c:v>43438</c:v>
+                </c:pt>
+                <c:pt idx="341">
+                  <c:v>43439</c:v>
+                </c:pt>
+                <c:pt idx="342">
+                  <c:v>43440</c:v>
+                </c:pt>
+                <c:pt idx="343">
+                  <c:v>43441</c:v>
+                </c:pt>
+                <c:pt idx="344">
+                  <c:v>43442</c:v>
+                </c:pt>
+                <c:pt idx="345">
+                  <c:v>43443</c:v>
+                </c:pt>
+                <c:pt idx="346">
+                  <c:v>43444</c:v>
+                </c:pt>
+                <c:pt idx="347">
+                  <c:v>43445</c:v>
+                </c:pt>
+                <c:pt idx="348">
+                  <c:v>43446</c:v>
+                </c:pt>
+                <c:pt idx="349">
+                  <c:v>43447</c:v>
+                </c:pt>
+                <c:pt idx="350">
+                  <c:v>43448</c:v>
+                </c:pt>
+                <c:pt idx="351">
+                  <c:v>43449</c:v>
+                </c:pt>
+                <c:pt idx="352">
+                  <c:v>43450</c:v>
+                </c:pt>
+                <c:pt idx="353">
+                  <c:v>43451</c:v>
+                </c:pt>
+                <c:pt idx="354">
+                  <c:v>43452</c:v>
+                </c:pt>
+                <c:pt idx="355">
+                  <c:v>43453</c:v>
+                </c:pt>
+                <c:pt idx="356">
+                  <c:v>43454</c:v>
+                </c:pt>
+                <c:pt idx="357">
+                  <c:v>43455</c:v>
+                </c:pt>
+                <c:pt idx="358">
+                  <c:v>43456</c:v>
+                </c:pt>
+                <c:pt idx="359">
+                  <c:v>43457</c:v>
+                </c:pt>
+                <c:pt idx="360">
+                  <c:v>43458</c:v>
+                </c:pt>
+                <c:pt idx="361">
+                  <c:v>43459</c:v>
+                </c:pt>
+                <c:pt idx="362">
+                  <c:v>43460</c:v>
+                </c:pt>
+                <c:pt idx="363">
+                  <c:v>43461</c:v>
+                </c:pt>
+                <c:pt idx="364">
+                  <c:v>43462</c:v>
+                </c:pt>
+                <c:pt idx="365">
+                  <c:v>43463</c:v>
+                </c:pt>
+                <c:pt idx="366">
+                  <c:v>43464</c:v>
+                </c:pt>
+                <c:pt idx="367">
+                  <c:v>43465</c:v>
+                </c:pt>
+                <c:pt idx="368">
+                  <c:v>43466</c:v>
+                </c:pt>
+                <c:pt idx="369">
+                  <c:v>43467</c:v>
+                </c:pt>
+                <c:pt idx="370">
+                  <c:v>43468</c:v>
+                </c:pt>
+                <c:pt idx="371">
+                  <c:v>43469</c:v>
+                </c:pt>
+                <c:pt idx="372">
+                  <c:v>43470</c:v>
+                </c:pt>
+                <c:pt idx="373">
+                  <c:v>43471</c:v>
+                </c:pt>
+                <c:pt idx="374">
+                  <c:v>43472</c:v>
+                </c:pt>
+                <c:pt idx="375">
+                  <c:v>43473</c:v>
+                </c:pt>
+                <c:pt idx="376">
+                  <c:v>43474</c:v>
+                </c:pt>
+                <c:pt idx="377">
+                  <c:v>43475</c:v>
+                </c:pt>
+                <c:pt idx="378">
+                  <c:v>43476</c:v>
+                </c:pt>
+                <c:pt idx="379">
+                  <c:v>43477</c:v>
+                </c:pt>
+                <c:pt idx="380">
+                  <c:v>43478</c:v>
+                </c:pt>
+                <c:pt idx="381">
+                  <c:v>43479</c:v>
+                </c:pt>
+                <c:pt idx="382">
+                  <c:v>43480</c:v>
+                </c:pt>
+                <c:pt idx="383">
+                  <c:v>43481</c:v>
+                </c:pt>
+                <c:pt idx="384">
+                  <c:v>43482</c:v>
+                </c:pt>
+                <c:pt idx="385">
+                  <c:v>43483</c:v>
+                </c:pt>
+                <c:pt idx="386">
+                  <c:v>43484</c:v>
+                </c:pt>
+                <c:pt idx="387">
+                  <c:v>43485</c:v>
+                </c:pt>
+                <c:pt idx="388">
+                  <c:v>43486</c:v>
+                </c:pt>
+                <c:pt idx="389">
+                  <c:v>43487</c:v>
+                </c:pt>
+                <c:pt idx="390">
+                  <c:v>43488</c:v>
+                </c:pt>
+                <c:pt idx="391">
+                  <c:v>43489</c:v>
+                </c:pt>
+                <c:pt idx="392">
+                  <c:v>43490</c:v>
+                </c:pt>
+                <c:pt idx="393">
+                  <c:v>43491</c:v>
+                </c:pt>
+                <c:pt idx="394">
+                  <c:v>43492</c:v>
+                </c:pt>
+                <c:pt idx="395">
+                  <c:v>43493</c:v>
+                </c:pt>
+                <c:pt idx="396">
+                  <c:v>43494</c:v>
+                </c:pt>
+                <c:pt idx="397">
+                  <c:v>43495</c:v>
+                </c:pt>
+                <c:pt idx="398">
+                  <c:v>43496</c:v>
+                </c:pt>
+                <c:pt idx="399">
                   <c:v>43497</c:v>
                 </c:pt>
-                <c:pt idx="59">
+                <c:pt idx="400">
                   <c:v>43498</c:v>
                 </c:pt>
-                <c:pt idx="60">
+                <c:pt idx="401">
                   <c:v>43499</c:v>
                 </c:pt>
-                <c:pt idx="61">
+                <c:pt idx="402">
                   <c:v>43500</c:v>
                 </c:pt>
-                <c:pt idx="62">
+                <c:pt idx="403">
                   <c:v>43501</c:v>
                 </c:pt>
-                <c:pt idx="63">
+                <c:pt idx="404">
                   <c:v>43502</c:v>
                 </c:pt>
-                <c:pt idx="64">
+                <c:pt idx="405">
                   <c:v>43503</c:v>
                 </c:pt>
-                <c:pt idx="65">
+                <c:pt idx="406">
                   <c:v>43504</c:v>
                 </c:pt>
-                <c:pt idx="66">
+                <c:pt idx="407">
                   <c:v>43505</c:v>
                 </c:pt>
-                <c:pt idx="67">
+                <c:pt idx="408">
                   <c:v>43506</c:v>
                 </c:pt>
-                <c:pt idx="68">
+                <c:pt idx="409">
                   <c:v>43507</c:v>
                 </c:pt>
-                <c:pt idx="69">
+                <c:pt idx="410">
                   <c:v>43508</c:v>
                 </c:pt>
-                <c:pt idx="70">
+                <c:pt idx="411">
                   <c:v>43509</c:v>
                 </c:pt>
-                <c:pt idx="71">
+                <c:pt idx="412">
                   <c:v>43510</c:v>
                 </c:pt>
-                <c:pt idx="72">
+                <c:pt idx="413">
                   <c:v>43511</c:v>
                 </c:pt>
-                <c:pt idx="73">
+                <c:pt idx="414">
                   <c:v>43512</c:v>
                 </c:pt>
-                <c:pt idx="74">
+                <c:pt idx="415">
                   <c:v>43513</c:v>
                 </c:pt>
-                <c:pt idx="75">
+                <c:pt idx="416">
                   <c:v>43514</c:v>
                 </c:pt>
-                <c:pt idx="76">
+                <c:pt idx="417">
                   <c:v>43515</c:v>
                 </c:pt>
-                <c:pt idx="77">
+                <c:pt idx="418">
                   <c:v>43516</c:v>
                 </c:pt>
-                <c:pt idx="78">
+                <c:pt idx="419">
                   <c:v>43517</c:v>
                 </c:pt>
-                <c:pt idx="79">
+                <c:pt idx="420">
                   <c:v>43518</c:v>
                 </c:pt>
-                <c:pt idx="80">
+                <c:pt idx="421">
                   <c:v>43519</c:v>
                 </c:pt>
-                <c:pt idx="81">
+                <c:pt idx="422">
                   <c:v>43520</c:v>
                 </c:pt>
-                <c:pt idx="82">
+                <c:pt idx="423">
                   <c:v>43521</c:v>
                 </c:pt>
-                <c:pt idx="83">
+                <c:pt idx="424">
                   <c:v>43522</c:v>
                 </c:pt>
-                <c:pt idx="84">
+                <c:pt idx="425">
                   <c:v>43523</c:v>
                 </c:pt>
-                <c:pt idx="85">
+                <c:pt idx="426">
                   <c:v>43524</c:v>
                 </c:pt>
-                <c:pt idx="86">
+                <c:pt idx="427">
                   <c:v>43525</c:v>
                 </c:pt>
-                <c:pt idx="87">
+                <c:pt idx="428">
                   <c:v>43526</c:v>
                 </c:pt>
-                <c:pt idx="88">
+                <c:pt idx="429">
                   <c:v>43527</c:v>
                 </c:pt>
-                <c:pt idx="89">
+                <c:pt idx="430">
                   <c:v>43528</c:v>
                 </c:pt>
-                <c:pt idx="90">
+                <c:pt idx="431">
                   <c:v>43529</c:v>
                 </c:pt>
-                <c:pt idx="91">
+                <c:pt idx="432">
                   <c:v>43530</c:v>
                 </c:pt>
-                <c:pt idx="92">
+                <c:pt idx="433">
                   <c:v>43531</c:v>
                 </c:pt>
-                <c:pt idx="93">
+                <c:pt idx="434">
                   <c:v>43532</c:v>
                 </c:pt>
-                <c:pt idx="94">
+                <c:pt idx="435">
                   <c:v>43533</c:v>
                 </c:pt>
-                <c:pt idx="95">
+                <c:pt idx="436">
                   <c:v>43534</c:v>
                 </c:pt>
-                <c:pt idx="96">
+                <c:pt idx="437">
                   <c:v>43535</c:v>
                 </c:pt>
-                <c:pt idx="97">
+                <c:pt idx="438">
                   <c:v>43536</c:v>
                 </c:pt>
-                <c:pt idx="98">
+                <c:pt idx="439">
                   <c:v>43537</c:v>
                 </c:pt>
-                <c:pt idx="99">
+                <c:pt idx="440">
                   <c:v>43538</c:v>
                 </c:pt>
-                <c:pt idx="100">
+                <c:pt idx="441">
                   <c:v>43539</c:v>
                 </c:pt>
-                <c:pt idx="101">
+                <c:pt idx="442">
                   <c:v>43540</c:v>
                 </c:pt>
-                <c:pt idx="102">
+                <c:pt idx="443">
                   <c:v>43541</c:v>
                 </c:pt>
-                <c:pt idx="103">
+                <c:pt idx="444">
                   <c:v>43542</c:v>
                 </c:pt>
-                <c:pt idx="104">
+                <c:pt idx="445">
                   <c:v>43543</c:v>
                 </c:pt>
-                <c:pt idx="105">
+                <c:pt idx="446">
                   <c:v>43544</c:v>
                 </c:pt>
-                <c:pt idx="106">
+                <c:pt idx="447">
                   <c:v>43545</c:v>
                 </c:pt>
-                <c:pt idx="107">
+                <c:pt idx="448">
                   <c:v>43546</c:v>
                 </c:pt>
-                <c:pt idx="108">
+                <c:pt idx="449">
                   <c:v>43547</c:v>
                 </c:pt>
-                <c:pt idx="109">
+                <c:pt idx="450">
                   <c:v>43548</c:v>
                 </c:pt>
-                <c:pt idx="110">
+                <c:pt idx="451">
                   <c:v>43549</c:v>
                 </c:pt>
-                <c:pt idx="111">
+                <c:pt idx="452">
                   <c:v>43550</c:v>
                 </c:pt>
-                <c:pt idx="112">
+                <c:pt idx="453">
                   <c:v>43551</c:v>
                 </c:pt>
-                <c:pt idx="113">
+                <c:pt idx="454">
                   <c:v>43552</c:v>
                 </c:pt>
-                <c:pt idx="114">
+                <c:pt idx="455">
                   <c:v>43553</c:v>
                 </c:pt>
-                <c:pt idx="115">
+                <c:pt idx="456">
                   <c:v>43554</c:v>
+                </c:pt>
+                <c:pt idx="457">
+                  <c:v>43555</c:v>
                 </c:pt>
               </c:numCache>
             </c:numRef>
           </c:cat>
           <c:val>
             <c:numRef>
-              <c:f>Лист1!$B$1:$B$116</c:f>
+              <c:f>Лист1!$B$1:$B$458</c:f>
               <c:numCache>
                 <c:formatCode>General</c:formatCode>
-                <c:ptCount val="116"/>
+                <c:ptCount val="458"/>
                 <c:pt idx="0">
-                  <c:v>27</c:v>
+                  <c:v>1</c:v>
                 </c:pt>
                 <c:pt idx="1">
-                  <c:v>30</c:v>
+                  <c:v>5</c:v>
                 </c:pt>
                 <c:pt idx="2">
+                  <c:v>7</c:v>
+                </c:pt>
+                <c:pt idx="3">
+                  <c:v>14</c:v>
+                </c:pt>
+                <c:pt idx="4">
+                  <c:v>19</c:v>
+                </c:pt>
+                <c:pt idx="5">
+                  <c:v>24</c:v>
+                </c:pt>
+                <c:pt idx="6">
+                  <c:v>42</c:v>
+                </c:pt>
+                <c:pt idx="7">
+                  <c:v>48</c:v>
+                </c:pt>
+                <c:pt idx="8">
+                  <c:v>65</c:v>
+                </c:pt>
+                <c:pt idx="9">
+                  <c:v>79</c:v>
+                </c:pt>
+                <c:pt idx="10">
+                  <c:v>91</c:v>
+                </c:pt>
+                <c:pt idx="11">
+                  <c:v>100</c:v>
+                </c:pt>
+                <c:pt idx="12">
+                  <c:v>112</c:v>
+                </c:pt>
+                <c:pt idx="13">
+                  <c:v>137</c:v>
+                </c:pt>
+                <c:pt idx="14">
+                  <c:v>152</c:v>
+                </c:pt>
+                <c:pt idx="15">
+                  <c:v>159</c:v>
+                </c:pt>
+                <c:pt idx="16">
+                  <c:v>165</c:v>
+                </c:pt>
+                <c:pt idx="17">
+                  <c:v>179</c:v>
+                </c:pt>
+                <c:pt idx="18">
+                  <c:v>200</c:v>
+                </c:pt>
+                <c:pt idx="19">
+                  <c:v>223</c:v>
+                </c:pt>
+                <c:pt idx="20">
+                  <c:v>243</c:v>
+                </c:pt>
+                <c:pt idx="21">
+                  <c:v>262</c:v>
+                </c:pt>
+                <c:pt idx="22">
+                  <c:v>281</c:v>
+                </c:pt>
+                <c:pt idx="23">
+                  <c:v>305</c:v>
+                </c:pt>
+                <c:pt idx="24">
+                  <c:v>355</c:v>
+                </c:pt>
+                <c:pt idx="25">
+                  <c:v>402</c:v>
+                </c:pt>
+                <c:pt idx="26">
+                  <c:v>465</c:v>
+                </c:pt>
+                <c:pt idx="27">
+                  <c:v>517</c:v>
+                </c:pt>
+                <c:pt idx="28">
+                  <c:v>552</c:v>
+                </c:pt>
+                <c:pt idx="29">
+                  <c:v>594</c:v>
+                </c:pt>
+                <c:pt idx="30">
+                  <c:v>628</c:v>
+                </c:pt>
+                <c:pt idx="31">
+                  <c:v>668</c:v>
+                </c:pt>
+                <c:pt idx="32">
+                  <c:v>709</c:v>
+                </c:pt>
+                <c:pt idx="33">
+                  <c:v>750</c:v>
+                </c:pt>
+                <c:pt idx="34">
+                  <c:v>797</c:v>
+                </c:pt>
+                <c:pt idx="35">
+                  <c:v>826</c:v>
+                </c:pt>
+                <c:pt idx="36">
+                  <c:v>866</c:v>
+                </c:pt>
+                <c:pt idx="37">
+                  <c:v>894</c:v>
+                </c:pt>
+                <c:pt idx="38">
+                  <c:v>909</c:v>
+                </c:pt>
+                <c:pt idx="39">
+                  <c:v>926</c:v>
+                </c:pt>
+                <c:pt idx="40">
+                  <c:v>954</c:v>
+                </c:pt>
+                <c:pt idx="41">
+                  <c:v>985</c:v>
+                </c:pt>
+                <c:pt idx="42">
+                  <c:v>1013</c:v>
+                </c:pt>
+                <c:pt idx="43">
+                  <c:v>1031</c:v>
+                </c:pt>
+                <c:pt idx="44">
+                  <c:v>1046</c:v>
+                </c:pt>
+                <c:pt idx="45">
+                  <c:v>1055</c:v>
+                </c:pt>
+                <c:pt idx="46">
+                  <c:v>1054</c:v>
+                </c:pt>
+                <c:pt idx="47">
+                  <c:v>1052</c:v>
+                </c:pt>
+                <c:pt idx="48">
+                  <c:v>1050</c:v>
+                </c:pt>
+                <c:pt idx="49">
+                  <c:v>1053</c:v>
+                </c:pt>
+                <c:pt idx="50">
+                  <c:v>1058</c:v>
+                </c:pt>
+                <c:pt idx="51">
+                  <c:v>1059</c:v>
+                </c:pt>
+                <c:pt idx="52">
+                  <c:v>1003</c:v>
+                </c:pt>
+                <c:pt idx="53">
+                  <c:v>934</c:v>
+                </c:pt>
+                <c:pt idx="54">
+                  <c:v>919</c:v>
+                </c:pt>
+                <c:pt idx="55">
+                  <c:v>924</c:v>
+                </c:pt>
+                <c:pt idx="56">
+                  <c:v>969</c:v>
+                </c:pt>
+                <c:pt idx="57">
+                  <c:v>1067</c:v>
+                </c:pt>
+                <c:pt idx="58">
+                  <c:v>1184</c:v>
+                </c:pt>
+                <c:pt idx="59">
+                  <c:v>1013</c:v>
+                </c:pt>
+                <c:pt idx="60">
+                  <c:v>798</c:v>
+                </c:pt>
+                <c:pt idx="61">
+                  <c:v>829</c:v>
+                </c:pt>
+                <c:pt idx="62">
+                  <c:v>843</c:v>
+                </c:pt>
+                <c:pt idx="63">
+                  <c:v>854</c:v>
+                </c:pt>
+                <c:pt idx="64">
+                  <c:v>872</c:v>
+                </c:pt>
+                <c:pt idx="65">
+                  <c:v>893</c:v>
+                </c:pt>
+                <c:pt idx="66">
+                  <c:v>905</c:v>
+                </c:pt>
+                <c:pt idx="67">
+                  <c:v>913</c:v>
+                </c:pt>
+                <c:pt idx="68">
+                  <c:v>943</c:v>
+                </c:pt>
+                <c:pt idx="69">
+                  <c:v>945</c:v>
+                </c:pt>
+                <c:pt idx="70">
+                  <c:v>956</c:v>
+                </c:pt>
+                <c:pt idx="71">
+                  <c:v>973</c:v>
+                </c:pt>
+                <c:pt idx="72">
+                  <c:v>969</c:v>
+                </c:pt>
+                <c:pt idx="73">
+                  <c:v>959</c:v>
+                </c:pt>
+                <c:pt idx="74">
+                  <c:v>951</c:v>
+                </c:pt>
+                <c:pt idx="75">
+                  <c:v>931</c:v>
+                </c:pt>
+                <c:pt idx="76">
+                  <c:v>911</c:v>
+                </c:pt>
+                <c:pt idx="77">
+                  <c:v>898</c:v>
+                </c:pt>
+                <c:pt idx="78">
+                  <c:v>881</c:v>
+                </c:pt>
+                <c:pt idx="79">
+                  <c:v>865</c:v>
+                </c:pt>
+                <c:pt idx="80">
+                  <c:v>728</c:v>
+                </c:pt>
+                <c:pt idx="81">
+                  <c:v>608</c:v>
+                </c:pt>
+                <c:pt idx="82">
+                  <c:v>549</c:v>
+                </c:pt>
+                <c:pt idx="83">
+                  <c:v>519</c:v>
+                </c:pt>
+                <c:pt idx="84">
+                  <c:v>547</c:v>
+                </c:pt>
+                <c:pt idx="85">
+                  <c:v>646</c:v>
+                </c:pt>
+                <c:pt idx="86">
+                  <c:v>757</c:v>
+                </c:pt>
+                <c:pt idx="87">
+                  <c:v>437</c:v>
+                </c:pt>
+                <c:pt idx="88">
+                  <c:v>82</c:v>
+                </c:pt>
+                <c:pt idx="89">
+                  <c:v>64</c:v>
+                </c:pt>
+                <c:pt idx="90">
+                  <c:v>49</c:v>
+                </c:pt>
+                <c:pt idx="91">
+                  <c:v>31</c:v>
+                </c:pt>
+                <c:pt idx="92">
+                  <c:v>6</c:v>
+                </c:pt>
+                <c:pt idx="93">
+                  <c:v>0</c:v>
+                </c:pt>
+                <c:pt idx="94">
+                  <c:v>0</c:v>
+                </c:pt>
+                <c:pt idx="95">
+                  <c:v>0</c:v>
+                </c:pt>
+                <c:pt idx="96">
+                  <c:v>0</c:v>
+                </c:pt>
+                <c:pt idx="97">
+                  <c:v>0</c:v>
+                </c:pt>
+                <c:pt idx="98">
+                  <c:v>0</c:v>
+                </c:pt>
+                <c:pt idx="99">
+                  <c:v>0</c:v>
+                </c:pt>
+                <c:pt idx="100">
+                  <c:v>0</c:v>
+                </c:pt>
+                <c:pt idx="101">
+                  <c:v>0</c:v>
+                </c:pt>
+                <c:pt idx="102">
+                  <c:v>0</c:v>
+                </c:pt>
+                <c:pt idx="103">
+                  <c:v>0</c:v>
+                </c:pt>
+                <c:pt idx="104">
+                  <c:v>0</c:v>
+                </c:pt>
+                <c:pt idx="105">
+                  <c:v>0</c:v>
+                </c:pt>
+                <c:pt idx="106">
+                  <c:v>0</c:v>
+                </c:pt>
+                <c:pt idx="107">
+                  <c:v>0</c:v>
+                </c:pt>
+                <c:pt idx="108">
+                  <c:v>0</c:v>
+                </c:pt>
+                <c:pt idx="109">
+                  <c:v>0</c:v>
+                </c:pt>
+                <c:pt idx="110">
+                  <c:v>0</c:v>
+                </c:pt>
+                <c:pt idx="111">
+                  <c:v>0</c:v>
+                </c:pt>
+                <c:pt idx="112">
+                  <c:v>0</c:v>
+                </c:pt>
+                <c:pt idx="113">
+                  <c:v>0</c:v>
+                </c:pt>
+                <c:pt idx="114">
+                  <c:v>0</c:v>
+                </c:pt>
+                <c:pt idx="115">
+                  <c:v>0</c:v>
+                </c:pt>
+                <c:pt idx="116">
+                  <c:v>0</c:v>
+                </c:pt>
+                <c:pt idx="117">
+                  <c:v>0</c:v>
+                </c:pt>
+                <c:pt idx="118">
+                  <c:v>0</c:v>
+                </c:pt>
+                <c:pt idx="119">
+                  <c:v>0</c:v>
+                </c:pt>
+                <c:pt idx="120">
+                  <c:v>0</c:v>
+                </c:pt>
+                <c:pt idx="121">
+                  <c:v>0</c:v>
+                </c:pt>
+                <c:pt idx="122">
+                  <c:v>0</c:v>
+                </c:pt>
+                <c:pt idx="123">
+                  <c:v>0</c:v>
+                </c:pt>
+                <c:pt idx="124">
+                  <c:v>0</c:v>
+                </c:pt>
+                <c:pt idx="125">
+                  <c:v>0</c:v>
+                </c:pt>
+                <c:pt idx="126">
+                  <c:v>0</c:v>
+                </c:pt>
+                <c:pt idx="127">
+                  <c:v>0</c:v>
+                </c:pt>
+                <c:pt idx="128">
+                  <c:v>0</c:v>
+                </c:pt>
+                <c:pt idx="129">
+                  <c:v>0</c:v>
+                </c:pt>
+                <c:pt idx="130">
+                  <c:v>0</c:v>
+                </c:pt>
+                <c:pt idx="131">
+                  <c:v>0</c:v>
+                </c:pt>
+                <c:pt idx="132">
+                  <c:v>0</c:v>
+                </c:pt>
+                <c:pt idx="133">
+                  <c:v>0</c:v>
+                </c:pt>
+                <c:pt idx="134">
+                  <c:v>0</c:v>
+                </c:pt>
+                <c:pt idx="135">
+                  <c:v>0</c:v>
+                </c:pt>
+                <c:pt idx="136">
+                  <c:v>0</c:v>
+                </c:pt>
+                <c:pt idx="137">
+                  <c:v>0</c:v>
+                </c:pt>
+                <c:pt idx="138">
+                  <c:v>0</c:v>
+                </c:pt>
+                <c:pt idx="139">
+                  <c:v>0</c:v>
+                </c:pt>
+                <c:pt idx="140">
+                  <c:v>0</c:v>
+                </c:pt>
+                <c:pt idx="141">
+                  <c:v>0</c:v>
+                </c:pt>
+                <c:pt idx="142">
+                  <c:v>0</c:v>
+                </c:pt>
+                <c:pt idx="143">
+                  <c:v>0</c:v>
+                </c:pt>
+                <c:pt idx="144">
+                  <c:v>0</c:v>
+                </c:pt>
+                <c:pt idx="145">
+                  <c:v>0</c:v>
+                </c:pt>
+                <c:pt idx="146">
+                  <c:v>0</c:v>
+                </c:pt>
+                <c:pt idx="147">
+                  <c:v>0</c:v>
+                </c:pt>
+                <c:pt idx="148">
+                  <c:v>0</c:v>
+                </c:pt>
+                <c:pt idx="149">
+                  <c:v>0</c:v>
+                </c:pt>
+                <c:pt idx="150">
+                  <c:v>0</c:v>
+                </c:pt>
+                <c:pt idx="151">
+                  <c:v>0</c:v>
+                </c:pt>
+                <c:pt idx="152">
+                  <c:v>0</c:v>
+                </c:pt>
+                <c:pt idx="153">
+                  <c:v>0</c:v>
+                </c:pt>
+                <c:pt idx="154">
+                  <c:v>0</c:v>
+                </c:pt>
+                <c:pt idx="155">
+                  <c:v>0</c:v>
+                </c:pt>
+                <c:pt idx="156">
+                  <c:v>0</c:v>
+                </c:pt>
+                <c:pt idx="157">
+                  <c:v>0</c:v>
+                </c:pt>
+                <c:pt idx="158">
+                  <c:v>0</c:v>
+                </c:pt>
+                <c:pt idx="159">
+                  <c:v>0</c:v>
+                </c:pt>
+                <c:pt idx="160">
+                  <c:v>0</c:v>
+                </c:pt>
+                <c:pt idx="161">
+                  <c:v>0</c:v>
+                </c:pt>
+                <c:pt idx="162">
+                  <c:v>0</c:v>
+                </c:pt>
+                <c:pt idx="163">
+                  <c:v>0</c:v>
+                </c:pt>
+                <c:pt idx="164">
+                  <c:v>0</c:v>
+                </c:pt>
+                <c:pt idx="165">
+                  <c:v>0</c:v>
+                </c:pt>
+                <c:pt idx="166">
+                  <c:v>0</c:v>
+                </c:pt>
+                <c:pt idx="167">
+                  <c:v>0</c:v>
+                </c:pt>
+                <c:pt idx="168">
+                  <c:v>0</c:v>
+                </c:pt>
+                <c:pt idx="169">
+                  <c:v>0</c:v>
+                </c:pt>
+                <c:pt idx="170">
+                  <c:v>0</c:v>
+                </c:pt>
+                <c:pt idx="171">
+                  <c:v>0</c:v>
+                </c:pt>
+                <c:pt idx="172">
+                  <c:v>0</c:v>
+                </c:pt>
+                <c:pt idx="173">
+                  <c:v>0</c:v>
+                </c:pt>
+                <c:pt idx="174">
+                  <c:v>0</c:v>
+                </c:pt>
+                <c:pt idx="175">
+                  <c:v>0</c:v>
+                </c:pt>
+                <c:pt idx="176">
+                  <c:v>0</c:v>
+                </c:pt>
+                <c:pt idx="177">
+                  <c:v>0</c:v>
+                </c:pt>
+                <c:pt idx="178">
+                  <c:v>0</c:v>
+                </c:pt>
+                <c:pt idx="179">
+                  <c:v>0</c:v>
+                </c:pt>
+                <c:pt idx="180">
+                  <c:v>0</c:v>
+                </c:pt>
+                <c:pt idx="181">
+                  <c:v>0</c:v>
+                </c:pt>
+                <c:pt idx="182">
+                  <c:v>0</c:v>
+                </c:pt>
+                <c:pt idx="183">
+                  <c:v>0</c:v>
+                </c:pt>
+                <c:pt idx="184">
+                  <c:v>0</c:v>
+                </c:pt>
+                <c:pt idx="185">
+                  <c:v>0</c:v>
+                </c:pt>
+                <c:pt idx="186">
+                  <c:v>0</c:v>
+                </c:pt>
+                <c:pt idx="187">
+                  <c:v>0</c:v>
+                </c:pt>
+                <c:pt idx="188">
+                  <c:v>0</c:v>
+                </c:pt>
+                <c:pt idx="189">
+                  <c:v>0</c:v>
+                </c:pt>
+                <c:pt idx="190">
+                  <c:v>0</c:v>
+                </c:pt>
+                <c:pt idx="191">
+                  <c:v>0</c:v>
+                </c:pt>
+                <c:pt idx="192">
+                  <c:v>0</c:v>
+                </c:pt>
+                <c:pt idx="193">
+                  <c:v>0</c:v>
+                </c:pt>
+                <c:pt idx="194">
+                  <c:v>0</c:v>
+                </c:pt>
+                <c:pt idx="195">
+                  <c:v>0</c:v>
+                </c:pt>
+                <c:pt idx="196">
+                  <c:v>0</c:v>
+                </c:pt>
+                <c:pt idx="197">
+                  <c:v>0</c:v>
+                </c:pt>
+                <c:pt idx="198">
+                  <c:v>0</c:v>
+                </c:pt>
+                <c:pt idx="199">
+                  <c:v>0</c:v>
+                </c:pt>
+                <c:pt idx="200">
+                  <c:v>0</c:v>
+                </c:pt>
+                <c:pt idx="201">
+                  <c:v>0</c:v>
+                </c:pt>
+                <c:pt idx="202">
+                  <c:v>0</c:v>
+                </c:pt>
+                <c:pt idx="203">
+                  <c:v>0</c:v>
+                </c:pt>
+                <c:pt idx="204">
+                  <c:v>0</c:v>
+                </c:pt>
+                <c:pt idx="205">
+                  <c:v>0</c:v>
+                </c:pt>
+                <c:pt idx="206">
+                  <c:v>0</c:v>
+                </c:pt>
+                <c:pt idx="207">
+                  <c:v>0</c:v>
+                </c:pt>
+                <c:pt idx="208">
+                  <c:v>0</c:v>
+                </c:pt>
+                <c:pt idx="209">
+                  <c:v>0</c:v>
+                </c:pt>
+                <c:pt idx="210">
+                  <c:v>0</c:v>
+                </c:pt>
+                <c:pt idx="211">
+                  <c:v>0</c:v>
+                </c:pt>
+                <c:pt idx="212">
+                  <c:v>0</c:v>
+                </c:pt>
+                <c:pt idx="213">
+                  <c:v>0</c:v>
+                </c:pt>
+                <c:pt idx="214">
+                  <c:v>0</c:v>
+                </c:pt>
+                <c:pt idx="215">
+                  <c:v>0</c:v>
+                </c:pt>
+                <c:pt idx="216">
+                  <c:v>0</c:v>
+                </c:pt>
+                <c:pt idx="217">
+                  <c:v>0</c:v>
+                </c:pt>
+                <c:pt idx="218">
+                  <c:v>0</c:v>
+                </c:pt>
+                <c:pt idx="219">
+                  <c:v>0</c:v>
+                </c:pt>
+                <c:pt idx="220">
+                  <c:v>0</c:v>
+                </c:pt>
+                <c:pt idx="221">
+                  <c:v>0</c:v>
+                </c:pt>
+                <c:pt idx="222">
+                  <c:v>0</c:v>
+                </c:pt>
+                <c:pt idx="223">
+                  <c:v>0</c:v>
+                </c:pt>
+                <c:pt idx="224">
+                  <c:v>0</c:v>
+                </c:pt>
+                <c:pt idx="225">
+                  <c:v>0</c:v>
+                </c:pt>
+                <c:pt idx="226">
+                  <c:v>0</c:v>
+                </c:pt>
+                <c:pt idx="227">
+                  <c:v>0</c:v>
+                </c:pt>
+                <c:pt idx="228">
+                  <c:v>0</c:v>
+                </c:pt>
+                <c:pt idx="229">
+                  <c:v>0</c:v>
+                </c:pt>
+                <c:pt idx="230">
+                  <c:v>0</c:v>
+                </c:pt>
+                <c:pt idx="231">
+                  <c:v>0</c:v>
+                </c:pt>
+                <c:pt idx="232">
+                  <c:v>0</c:v>
+                </c:pt>
+                <c:pt idx="233">
+                  <c:v>0</c:v>
+                </c:pt>
+                <c:pt idx="234">
+                  <c:v>0</c:v>
+                </c:pt>
+                <c:pt idx="235">
+                  <c:v>0</c:v>
+                </c:pt>
+                <c:pt idx="236">
+                  <c:v>0</c:v>
+                </c:pt>
+                <c:pt idx="237">
+                  <c:v>0</c:v>
+                </c:pt>
+                <c:pt idx="238">
+                  <c:v>0</c:v>
+                </c:pt>
+                <c:pt idx="239">
+                  <c:v>0</c:v>
+                </c:pt>
+                <c:pt idx="240">
+                  <c:v>0</c:v>
+                </c:pt>
+                <c:pt idx="241">
+                  <c:v>0</c:v>
+                </c:pt>
+                <c:pt idx="242">
+                  <c:v>0</c:v>
+                </c:pt>
+                <c:pt idx="243">
+                  <c:v>0</c:v>
+                </c:pt>
+                <c:pt idx="244">
+                  <c:v>0</c:v>
+                </c:pt>
+                <c:pt idx="245">
+                  <c:v>0</c:v>
+                </c:pt>
+                <c:pt idx="246">
+                  <c:v>0</c:v>
+                </c:pt>
+                <c:pt idx="247">
+                  <c:v>0</c:v>
+                </c:pt>
+                <c:pt idx="248">
+                  <c:v>0</c:v>
+                </c:pt>
+                <c:pt idx="249">
+                  <c:v>0</c:v>
+                </c:pt>
+                <c:pt idx="250">
+                  <c:v>0</c:v>
+                </c:pt>
+                <c:pt idx="251">
+                  <c:v>0</c:v>
+                </c:pt>
+                <c:pt idx="252">
+                  <c:v>0</c:v>
+                </c:pt>
+                <c:pt idx="253">
+                  <c:v>0</c:v>
+                </c:pt>
+                <c:pt idx="254">
+                  <c:v>0</c:v>
+                </c:pt>
+                <c:pt idx="255">
+                  <c:v>0</c:v>
+                </c:pt>
+                <c:pt idx="256">
+                  <c:v>0</c:v>
+                </c:pt>
+                <c:pt idx="257">
+                  <c:v>0</c:v>
+                </c:pt>
+                <c:pt idx="258">
+                  <c:v>0</c:v>
+                </c:pt>
+                <c:pt idx="259">
+                  <c:v>0</c:v>
+                </c:pt>
+                <c:pt idx="260">
+                  <c:v>0</c:v>
+                </c:pt>
+                <c:pt idx="261">
+                  <c:v>0</c:v>
+                </c:pt>
+                <c:pt idx="262">
+                  <c:v>0</c:v>
+                </c:pt>
+                <c:pt idx="263">
+                  <c:v>0</c:v>
+                </c:pt>
+                <c:pt idx="264">
+                  <c:v>0</c:v>
+                </c:pt>
+                <c:pt idx="265">
+                  <c:v>0</c:v>
+                </c:pt>
+                <c:pt idx="266">
+                  <c:v>0</c:v>
+                </c:pt>
+                <c:pt idx="267">
+                  <c:v>0</c:v>
+                </c:pt>
+                <c:pt idx="268">
+                  <c:v>0</c:v>
+                </c:pt>
+                <c:pt idx="269">
+                  <c:v>0</c:v>
+                </c:pt>
+                <c:pt idx="270">
+                  <c:v>0</c:v>
+                </c:pt>
+                <c:pt idx="271">
+                  <c:v>0</c:v>
+                </c:pt>
+                <c:pt idx="272">
+                  <c:v>0</c:v>
+                </c:pt>
+                <c:pt idx="273">
+                  <c:v>0</c:v>
+                </c:pt>
+                <c:pt idx="274">
+                  <c:v>0</c:v>
+                </c:pt>
+                <c:pt idx="275">
+                  <c:v>0</c:v>
+                </c:pt>
+                <c:pt idx="276">
+                  <c:v>0</c:v>
+                </c:pt>
+                <c:pt idx="277">
+                  <c:v>0</c:v>
+                </c:pt>
+                <c:pt idx="278">
+                  <c:v>0</c:v>
+                </c:pt>
+                <c:pt idx="279">
+                  <c:v>0</c:v>
+                </c:pt>
+                <c:pt idx="280">
+                  <c:v>0</c:v>
+                </c:pt>
+                <c:pt idx="281">
+                  <c:v>0</c:v>
+                </c:pt>
+                <c:pt idx="282">
+                  <c:v>0</c:v>
+                </c:pt>
+                <c:pt idx="283">
+                  <c:v>0</c:v>
+                </c:pt>
+                <c:pt idx="284">
+                  <c:v>0</c:v>
+                </c:pt>
+                <c:pt idx="285">
+                  <c:v>0</c:v>
+                </c:pt>
+                <c:pt idx="286">
+                  <c:v>0</c:v>
+                </c:pt>
+                <c:pt idx="287">
+                  <c:v>0</c:v>
+                </c:pt>
+                <c:pt idx="288">
+                  <c:v>0</c:v>
+                </c:pt>
+                <c:pt idx="289">
+                  <c:v>0</c:v>
+                </c:pt>
+                <c:pt idx="290">
+                  <c:v>0</c:v>
+                </c:pt>
+                <c:pt idx="291">
+                  <c:v>0</c:v>
+                </c:pt>
+                <c:pt idx="292">
+                  <c:v>0</c:v>
+                </c:pt>
+                <c:pt idx="293">
+                  <c:v>0</c:v>
+                </c:pt>
+                <c:pt idx="294">
+                  <c:v>0</c:v>
+                </c:pt>
+                <c:pt idx="295">
+                  <c:v>0</c:v>
+                </c:pt>
+                <c:pt idx="296">
+                  <c:v>0</c:v>
+                </c:pt>
+                <c:pt idx="297">
+                  <c:v>0</c:v>
+                </c:pt>
+                <c:pt idx="298">
+                  <c:v>0</c:v>
+                </c:pt>
+                <c:pt idx="299">
+                  <c:v>0</c:v>
+                </c:pt>
+                <c:pt idx="300">
+                  <c:v>0</c:v>
+                </c:pt>
+                <c:pt idx="301">
+                  <c:v>0</c:v>
+                </c:pt>
+                <c:pt idx="302">
+                  <c:v>0</c:v>
+                </c:pt>
+                <c:pt idx="303">
+                  <c:v>0</c:v>
+                </c:pt>
+                <c:pt idx="304">
+                  <c:v>0</c:v>
+                </c:pt>
+                <c:pt idx="305">
+                  <c:v>0</c:v>
+                </c:pt>
+                <c:pt idx="306">
+                  <c:v>0</c:v>
+                </c:pt>
+                <c:pt idx="307">
+                  <c:v>0</c:v>
+                </c:pt>
+                <c:pt idx="308">
+                  <c:v>0</c:v>
+                </c:pt>
+                <c:pt idx="309">
+                  <c:v>0</c:v>
+                </c:pt>
+                <c:pt idx="310">
+                  <c:v>0</c:v>
+                </c:pt>
+                <c:pt idx="311">
+                  <c:v>0</c:v>
+                </c:pt>
+                <c:pt idx="312">
+                  <c:v>0</c:v>
+                </c:pt>
+                <c:pt idx="313">
+                  <c:v>0</c:v>
+                </c:pt>
+                <c:pt idx="314">
+                  <c:v>0</c:v>
+                </c:pt>
+                <c:pt idx="315">
+                  <c:v>0</c:v>
+                </c:pt>
+                <c:pt idx="316">
+                  <c:v>0</c:v>
+                </c:pt>
+                <c:pt idx="317">
+                  <c:v>0</c:v>
+                </c:pt>
+                <c:pt idx="318">
+                  <c:v>0</c:v>
+                </c:pt>
+                <c:pt idx="319">
+                  <c:v>0</c:v>
+                </c:pt>
+                <c:pt idx="320">
+                  <c:v>0</c:v>
+                </c:pt>
+                <c:pt idx="321">
+                  <c:v>0</c:v>
+                </c:pt>
+                <c:pt idx="322">
+                  <c:v>0</c:v>
+                </c:pt>
+                <c:pt idx="323">
+                  <c:v>0</c:v>
+                </c:pt>
+                <c:pt idx="324">
+                  <c:v>0</c:v>
+                </c:pt>
+                <c:pt idx="325">
+                  <c:v>0</c:v>
+                </c:pt>
+                <c:pt idx="326">
+                  <c:v>0</c:v>
+                </c:pt>
+                <c:pt idx="327">
+                  <c:v>0</c:v>
+                </c:pt>
+                <c:pt idx="328">
+                  <c:v>0</c:v>
+                </c:pt>
+                <c:pt idx="329">
+                  <c:v>0</c:v>
+                </c:pt>
+                <c:pt idx="330">
+                  <c:v>0</c:v>
+                </c:pt>
+                <c:pt idx="331">
+                  <c:v>0</c:v>
+                </c:pt>
+                <c:pt idx="332">
+                  <c:v>0</c:v>
+                </c:pt>
+                <c:pt idx="333">
+                  <c:v>0</c:v>
+                </c:pt>
+                <c:pt idx="334">
+                  <c:v>0</c:v>
+                </c:pt>
+                <c:pt idx="335">
+                  <c:v>0</c:v>
+                </c:pt>
+                <c:pt idx="336">
+                  <c:v>0</c:v>
+                </c:pt>
+                <c:pt idx="337">
+                  <c:v>0</c:v>
+                </c:pt>
+                <c:pt idx="338">
+                  <c:v>0</c:v>
+                </c:pt>
+                <c:pt idx="339">
+                  <c:v>0</c:v>
+                </c:pt>
+                <c:pt idx="340">
+                  <c:v>0</c:v>
+                </c:pt>
+                <c:pt idx="341">
+                  <c:v>0</c:v>
+                </c:pt>
+                <c:pt idx="342">
+                  <c:v>0</c:v>
+                </c:pt>
+                <c:pt idx="343">
+                  <c:v>0</c:v>
+                </c:pt>
+                <c:pt idx="344">
+                  <c:v>0</c:v>
+                </c:pt>
+                <c:pt idx="345">
+                  <c:v>0</c:v>
+                </c:pt>
+                <c:pt idx="346">
+                  <c:v>0</c:v>
+                </c:pt>
+                <c:pt idx="347">
+                  <c:v>0</c:v>
+                </c:pt>
+                <c:pt idx="348">
+                  <c:v>0</c:v>
+                </c:pt>
+                <c:pt idx="349">
+                  <c:v>0</c:v>
+                </c:pt>
+                <c:pt idx="350">
+                  <c:v>0</c:v>
+                </c:pt>
+                <c:pt idx="351">
+                  <c:v>0</c:v>
+                </c:pt>
+                <c:pt idx="352">
+                  <c:v>0</c:v>
+                </c:pt>
+                <c:pt idx="353">
+                  <c:v>0</c:v>
+                </c:pt>
+                <c:pt idx="354">
+                  <c:v>0</c:v>
+                </c:pt>
+                <c:pt idx="355">
+                  <c:v>0</c:v>
+                </c:pt>
+                <c:pt idx="356">
+                  <c:v>0</c:v>
+                </c:pt>
+                <c:pt idx="357">
+                  <c:v>0</c:v>
+                </c:pt>
+                <c:pt idx="358">
+                  <c:v>0</c:v>
+                </c:pt>
+                <c:pt idx="359">
+                  <c:v>0</c:v>
+                </c:pt>
+                <c:pt idx="360">
+                  <c:v>0</c:v>
+                </c:pt>
+                <c:pt idx="361">
+                  <c:v>0</c:v>
+                </c:pt>
+                <c:pt idx="362">
+                  <c:v>0</c:v>
+                </c:pt>
+                <c:pt idx="363">
+                  <c:v>0</c:v>
+                </c:pt>
+                <c:pt idx="364">
+                  <c:v>0</c:v>
+                </c:pt>
+                <c:pt idx="365">
+                  <c:v>1</c:v>
+                </c:pt>
+                <c:pt idx="366">
+                  <c:v>3</c:v>
+                </c:pt>
+                <c:pt idx="367">
+                  <c:v>11</c:v>
+                </c:pt>
+                <c:pt idx="368">
+                  <c:v>15</c:v>
+                </c:pt>
+                <c:pt idx="369">
+                  <c:v>18</c:v>
+                </c:pt>
+                <c:pt idx="370">
                   <c:v>26</c:v>
                 </c:pt>
-                <c:pt idx="3">
-                  <c:v>27</c:v>
-                </c:pt>
-                <c:pt idx="4">
-                  <c:v>15</c:v>
-                </c:pt>
-                <c:pt idx="5">
-                  <c:v>15</c:v>
-                </c:pt>
-                <c:pt idx="6">
-                  <c:v>16</c:v>
-                </c:pt>
-                <c:pt idx="7">
-                  <c:v>21</c:v>
-                </c:pt>
-                <c:pt idx="8">
-                  <c:v>17</c:v>
-                </c:pt>
-                <c:pt idx="9">
-                  <c:v>29</c:v>
-                </c:pt>
-                <c:pt idx="10">
-                  <c:v>22</c:v>
-                </c:pt>
-                <c:pt idx="11">
-                  <c:v>28</c:v>
-                </c:pt>
-                <c:pt idx="12">
-                  <c:v>18</c:v>
-                </c:pt>
-                <c:pt idx="13">
-                  <c:v>25</c:v>
-                </c:pt>
-                <c:pt idx="14">
-                  <c:v>16</c:v>
-                </c:pt>
-                <c:pt idx="15">
-                  <c:v>17</c:v>
-                </c:pt>
-                <c:pt idx="16">
-                  <c:v>29</c:v>
-                </c:pt>
-                <c:pt idx="17">
-                  <c:v>29</c:v>
-                </c:pt>
-                <c:pt idx="18">
-                  <c:v>28</c:v>
-                </c:pt>
-                <c:pt idx="19">
-                  <c:v>27</c:v>
-                </c:pt>
-                <c:pt idx="20">
-                  <c:v>29</c:v>
-                </c:pt>
-                <c:pt idx="21">
-                  <c:v>21</c:v>
-                </c:pt>
-                <c:pt idx="22">
-                  <c:v>20</c:v>
-                </c:pt>
-                <c:pt idx="23">
-                  <c:v>18</c:v>
-                </c:pt>
-                <c:pt idx="24">
-                  <c:v>656</c:v>
-                </c:pt>
-                <c:pt idx="25">
-                  <c:v>20</c:v>
-                </c:pt>
-                <c:pt idx="26">
-                  <c:v>27</c:v>
-                </c:pt>
-                <c:pt idx="27">
-                  <c:v>67</c:v>
-                </c:pt>
-                <c:pt idx="28">
-                  <c:v>18</c:v>
-                </c:pt>
-                <c:pt idx="29">
-                  <c:v>31</c:v>
-                </c:pt>
-                <c:pt idx="30">
-                  <c:v>34</c:v>
-                </c:pt>
-                <c:pt idx="31">
-                  <c:v>31</c:v>
-                </c:pt>
-                <c:pt idx="32">
-                  <c:v>28</c:v>
-                </c:pt>
-                <c:pt idx="33">
-                  <c:v>27</c:v>
-                </c:pt>
-                <c:pt idx="34">
-                  <c:v>27</c:v>
-                </c:pt>
-                <c:pt idx="35">
-                  <c:v>31</c:v>
-                </c:pt>
-                <c:pt idx="36">
-                  <c:v>19</c:v>
-                </c:pt>
-                <c:pt idx="37">
-                  <c:v>22</c:v>
-                </c:pt>
-                <c:pt idx="38">
-                  <c:v>19</c:v>
-                </c:pt>
-                <c:pt idx="39">
-                  <c:v>33</c:v>
-                </c:pt>
-                <c:pt idx="40">
-                  <c:v>26</c:v>
-                </c:pt>
-                <c:pt idx="41">
-                  <c:v>31</c:v>
-                </c:pt>
-                <c:pt idx="42">
-                  <c:v>27</c:v>
-                </c:pt>
-                <c:pt idx="43">
-                  <c:v>27</c:v>
-                </c:pt>
-                <c:pt idx="44">
-                  <c:v>28</c:v>
-                </c:pt>
-                <c:pt idx="45">
-                  <c:v>28</c:v>
-                </c:pt>
-                <c:pt idx="46">
-                  <c:v>12</c:v>
-                </c:pt>
-                <c:pt idx="47">
-                  <c:v>15</c:v>
-                </c:pt>
-                <c:pt idx="48">
-                  <c:v>20</c:v>
-                </c:pt>
-                <c:pt idx="49">
-                  <c:v>22</c:v>
-                </c:pt>
-                <c:pt idx="50">
-                  <c:v>20</c:v>
-                </c:pt>
-                <c:pt idx="51">
-                  <c:v>34</c:v>
-                </c:pt>
-                <c:pt idx="52">
-                  <c:v>688</c:v>
-                </c:pt>
-                <c:pt idx="53">
-                  <c:v>33</c:v>
-                </c:pt>
-                <c:pt idx="54">
-                  <c:v>28</c:v>
-                </c:pt>
-                <c:pt idx="55">
-                  <c:v>26</c:v>
-                </c:pt>
-                <c:pt idx="56">
-                  <c:v>22</c:v>
-                </c:pt>
-                <c:pt idx="57">
-                  <c:v>19</c:v>
-                </c:pt>
-                <c:pt idx="58">
-                  <c:v>18</c:v>
-                </c:pt>
-                <c:pt idx="59">
-                  <c:v>39</c:v>
-                </c:pt>
-                <c:pt idx="60">
-                  <c:v>21</c:v>
-                </c:pt>
-                <c:pt idx="61">
-                  <c:v>29</c:v>
-                </c:pt>
-                <c:pt idx="62">
-                  <c:v>33</c:v>
-                </c:pt>
-                <c:pt idx="63">
-                  <c:v>25</c:v>
-                </c:pt>
-                <c:pt idx="64">
-                  <c:v>25</c:v>
-                </c:pt>
-                <c:pt idx="65">
-                  <c:v>22</c:v>
-                </c:pt>
-                <c:pt idx="66">
-                  <c:v>25</c:v>
-                </c:pt>
-                <c:pt idx="67">
-                  <c:v>28</c:v>
-                </c:pt>
-                <c:pt idx="68">
-                  <c:v>17</c:v>
-                </c:pt>
-                <c:pt idx="69">
-                  <c:v>25</c:v>
-                </c:pt>
-                <c:pt idx="70">
-                  <c:v>20</c:v>
-                </c:pt>
-                <c:pt idx="71">
-                  <c:v>35</c:v>
-                </c:pt>
-                <c:pt idx="72">
-                  <c:v>19</c:v>
-                </c:pt>
-                <c:pt idx="73">
-                  <c:v>29</c:v>
-                </c:pt>
-                <c:pt idx="74">
-                  <c:v>27</c:v>
-                </c:pt>
-                <c:pt idx="75">
-                  <c:v>26</c:v>
-                </c:pt>
-                <c:pt idx="76">
-                  <c:v>25</c:v>
-                </c:pt>
-                <c:pt idx="77">
-                  <c:v>27</c:v>
-                </c:pt>
-                <c:pt idx="78">
-                  <c:v>19</c:v>
-                </c:pt>
-                <c:pt idx="79">
+                <c:pt idx="371">
+                  <c:v>41</c:v>
+                </c:pt>
+                <c:pt idx="372">
+                  <c:v>52</c:v>
+                </c:pt>
+                <c:pt idx="373">
+                  <c:v>65</c:v>
+                </c:pt>
+                <c:pt idx="374">
+                  <c:v>77</c:v>
+                </c:pt>
+                <c:pt idx="375">
+                  <c:v>99</c:v>
+                </c:pt>
+                <c:pt idx="376">
+                  <c:v>113</c:v>
+                </c:pt>
+                <c:pt idx="377">
+                  <c:v>138</c:v>
+                </c:pt>
+                <c:pt idx="378">
+                  <c:v>157</c:v>
+                </c:pt>
+                <c:pt idx="379">
+                  <c:v>176</c:v>
+                </c:pt>
+                <c:pt idx="380">
+                  <c:v>189</c:v>
+                </c:pt>
+                <c:pt idx="381">
+                  <c:v>205</c:v>
+                </c:pt>
+                <c:pt idx="382">
+                  <c:v>229</c:v>
+                </c:pt>
+                <c:pt idx="383">
+                  <c:v>248</c:v>
+                </c:pt>
+                <c:pt idx="384">
+                  <c:v>270</c:v>
+                </c:pt>
+                <c:pt idx="385">
+                  <c:v>291</c:v>
+                </c:pt>
+                <c:pt idx="386">
+                  <c:v>317</c:v>
+                </c:pt>
+                <c:pt idx="387">
+                  <c:v>343</c:v>
+                </c:pt>
+                <c:pt idx="388">
+                  <c:v>362</c:v>
+                </c:pt>
+                <c:pt idx="389">
+                  <c:v>404</c:v>
+                </c:pt>
+                <c:pt idx="390">
+                  <c:v>465</c:v>
+                </c:pt>
+                <c:pt idx="391">
+                  <c:v>514</c:v>
+                </c:pt>
+                <c:pt idx="392">
+                  <c:v>565</c:v>
+                </c:pt>
+                <c:pt idx="393">
+                  <c:v>614</c:v>
+                </c:pt>
+                <c:pt idx="394">
+                  <c:v>660</c:v>
+                </c:pt>
+                <c:pt idx="395">
+                  <c:v>696</c:v>
+                </c:pt>
+                <c:pt idx="396">
+                  <c:v>738</c:v>
+                </c:pt>
+                <c:pt idx="397">
+                  <c:v>766</c:v>
+                </c:pt>
+                <c:pt idx="398">
+                  <c:v>782</c:v>
+                </c:pt>
+                <c:pt idx="399">
+                  <c:v>833</c:v>
+                </c:pt>
+                <c:pt idx="400">
+                  <c:v>882</c:v>
+                </c:pt>
+                <c:pt idx="401">
+                  <c:v>905</c:v>
+                </c:pt>
+                <c:pt idx="402">
+                  <c:v>930</c:v>
+                </c:pt>
+                <c:pt idx="403">
+                  <c:v>958</c:v>
+                </c:pt>
+                <c:pt idx="404">
+                  <c:v>977</c:v>
+                </c:pt>
+                <c:pt idx="405">
+                  <c:v>996</c:v>
+                </c:pt>
+                <c:pt idx="406">
+                  <c:v>1010</c:v>
+                </c:pt>
+                <c:pt idx="407">
+                  <c:v>1056</c:v>
+                </c:pt>
+                <c:pt idx="408">
+                  <c:v>1074</c:v>
+                </c:pt>
+                <c:pt idx="409">
+                  <c:v>1074</c:v>
+                </c:pt>
+                <c:pt idx="410">
+                  <c:v>1076</c:v>
+                </c:pt>
+                <c:pt idx="411">
+                  <c:v>1078</c:v>
+                </c:pt>
+                <c:pt idx="412">
+                  <c:v>1084</c:v>
+                </c:pt>
+                <c:pt idx="413">
+                  <c:v>1086</c:v>
+                </c:pt>
+                <c:pt idx="414">
+                  <c:v>1099</c:v>
+                </c:pt>
+                <c:pt idx="415">
+                  <c:v>1098</c:v>
+                </c:pt>
+                <c:pt idx="416">
+                  <c:v>1082</c:v>
+                </c:pt>
+                <c:pt idx="417">
+                  <c:v>1002</c:v>
+                </c:pt>
+                <c:pt idx="418">
+                  <c:v>945</c:v>
+                </c:pt>
+                <c:pt idx="419">
+                  <c:v>921</c:v>
+                </c:pt>
+                <c:pt idx="420">
+                  <c:v>940</c:v>
+                </c:pt>
+                <c:pt idx="421">
+                  <c:v>1027</c:v>
+                </c:pt>
+                <c:pt idx="422">
+                  <c:v>1120</c:v>
+                </c:pt>
+                <c:pt idx="423">
+                  <c:v>1214</c:v>
+                </c:pt>
+                <c:pt idx="424">
+                  <c:v>1032</c:v>
+                </c:pt>
+                <c:pt idx="425">
+                  <c:v>814</c:v>
+                </c:pt>
+                <c:pt idx="426">
+                  <c:v>831</c:v>
+                </c:pt>
+                <c:pt idx="427">
+                  <c:v>833</c:v>
+                </c:pt>
+                <c:pt idx="428">
+                  <c:v>845</c:v>
+                </c:pt>
+                <c:pt idx="429">
+                  <c:v>860</c:v>
+                </c:pt>
+                <c:pt idx="430">
+                  <c:v>881</c:v>
+                </c:pt>
+                <c:pt idx="431">
+                  <c:v>903</c:v>
+                </c:pt>
+                <c:pt idx="432">
+                  <c:v>911</c:v>
+                </c:pt>
+                <c:pt idx="433">
+                  <c:v>914</c:v>
+                </c:pt>
+                <c:pt idx="434">
+                  <c:v>915</c:v>
+                </c:pt>
+                <c:pt idx="435">
+                  <c:v>941</c:v>
+                </c:pt>
+                <c:pt idx="436">
+                  <c:v>966</c:v>
+                </c:pt>
+                <c:pt idx="437">
+                  <c:v>949</c:v>
+                </c:pt>
+                <c:pt idx="438">
+                  <c:v>941</c:v>
+                </c:pt>
+                <c:pt idx="439">
+                  <c:v>925</c:v>
+                </c:pt>
+                <c:pt idx="440">
+                  <c:v>914</c:v>
+                </c:pt>
+                <c:pt idx="441">
+                  <c:v>896</c:v>
+                </c:pt>
+                <c:pt idx="442">
+                  <c:v>871</c:v>
+                </c:pt>
+                <c:pt idx="443">
+                  <c:v>858</c:v>
+                </c:pt>
+                <c:pt idx="444">
+                  <c:v>848</c:v>
+                </c:pt>
+                <c:pt idx="445">
+                  <c:v>737</c:v>
+                </c:pt>
+                <c:pt idx="446">
+                  <c:v>591</c:v>
+                </c:pt>
+                <c:pt idx="447">
+                  <c:v>523</c:v>
+                </c:pt>
+                <c:pt idx="448">
+                  <c:v>477</c:v>
+                </c:pt>
+                <c:pt idx="449">
+                  <c:v>515</c:v>
+                </c:pt>
+                <c:pt idx="450">
+                  <c:v>640</c:v>
+                </c:pt>
+                <c:pt idx="451">
+                  <c:v>736</c:v>
+                </c:pt>
+                <c:pt idx="452">
+                  <c:v>429</c:v>
+                </c:pt>
+                <c:pt idx="453">
+                  <c:v>85</c:v>
+                </c:pt>
+                <c:pt idx="454">
+                  <c:v>64</c:v>
+                </c:pt>
+                <c:pt idx="455">
+                  <c:v>45</c:v>
+                </c:pt>
+                <c:pt idx="456">
                   <c:v>32</c:v>
                 </c:pt>
-                <c:pt idx="80">
-                  <c:v>27</c:v>
-                </c:pt>
-                <c:pt idx="81">
-                  <c:v>20</c:v>
-                </c:pt>
-                <c:pt idx="82">
-                  <c:v>670</c:v>
-                </c:pt>
-                <c:pt idx="83">
-                  <c:v>33</c:v>
-                </c:pt>
-                <c:pt idx="84">
-                  <c:v>29</c:v>
-                </c:pt>
-                <c:pt idx="85">
-                  <c:v>63</c:v>
-                </c:pt>
-                <c:pt idx="86">
-                  <c:v>28</c:v>
-                </c:pt>
-                <c:pt idx="87">
-                  <c:v>21</c:v>
-                </c:pt>
-                <c:pt idx="88">
-                  <c:v>22</c:v>
-                </c:pt>
-                <c:pt idx="89">
-                  <c:v>29</c:v>
-                </c:pt>
-                <c:pt idx="90">
-                  <c:v>30</c:v>
-                </c:pt>
-                <c:pt idx="91">
-                  <c:v>28</c:v>
-                </c:pt>
-                <c:pt idx="92">
-                  <c:v>28</c:v>
-                </c:pt>
-                <c:pt idx="93">
-                  <c:v>21</c:v>
-                </c:pt>
-                <c:pt idx="94">
-                  <c:v>18</c:v>
-                </c:pt>
-                <c:pt idx="95">
-                  <c:v>43</c:v>
-                </c:pt>
-                <c:pt idx="96">
-                  <c:v>28</c:v>
-                </c:pt>
-                <c:pt idx="97">
-                  <c:v>26</c:v>
-                </c:pt>
-                <c:pt idx="98">
-                  <c:v>22</c:v>
-                </c:pt>
-                <c:pt idx="99">
-                  <c:v>31</c:v>
-                </c:pt>
-                <c:pt idx="100">
-                  <c:v>20</c:v>
-                </c:pt>
-                <c:pt idx="101">
-                  <c:v>21</c:v>
-                </c:pt>
-                <c:pt idx="102">
-                  <c:v>21</c:v>
-                </c:pt>
-                <c:pt idx="103">
-                  <c:v>20</c:v>
-                </c:pt>
-                <c:pt idx="104">
-                  <c:v>32</c:v>
-                </c:pt>
-                <c:pt idx="105">
-                  <c:v>27</c:v>
-                </c:pt>
-                <c:pt idx="106">
-                  <c:v>34</c:v>
-                </c:pt>
-                <c:pt idx="107">
-                  <c:v>26</c:v>
-                </c:pt>
-                <c:pt idx="108">
-                  <c:v>13</c:v>
-                </c:pt>
-                <c:pt idx="109">
-                  <c:v>25</c:v>
-                </c:pt>
-                <c:pt idx="110">
-                  <c:v>673</c:v>
-                </c:pt>
-                <c:pt idx="111">
-                  <c:v>30</c:v>
-                </c:pt>
-                <c:pt idx="112">
-                  <c:v>30</c:v>
-                </c:pt>
-                <c:pt idx="113">
-                  <c:v>25</c:v>
-                </c:pt>
-                <c:pt idx="114">
-                  <c:v>19</c:v>
-                </c:pt>
-                <c:pt idx="115">
-                  <c:v>20</c:v>
+                <c:pt idx="457">
+                  <c:v>10</c:v>
                 </c:pt>
               </c:numCache>
             </c:numRef>
@@ -890,11 +2942,11 @@
           <c:showBubbleSize val="0"/>
         </c:dLbls>
         <c:smooth val="0"/>
-        <c:axId val="129343352"/>
-        <c:axId val="131404712"/>
+        <c:axId val="207116080"/>
+        <c:axId val="207128232"/>
       </c:lineChart>
       <c:dateAx>
-        <c:axId val="129343352"/>
+        <c:axId val="207116080"/>
         <c:scaling>
           <c:orientation val="minMax"/>
         </c:scaling>
@@ -937,14 +2989,14 @@
             <a:endParaRPr lang="ru-RU"/>
           </a:p>
         </c:txPr>
-        <c:crossAx val="131404712"/>
+        <c:crossAx val="207128232"/>
         <c:crosses val="autoZero"/>
         <c:auto val="1"/>
         <c:lblOffset val="100"/>
         <c:baseTimeUnit val="days"/>
       </c:dateAx>
       <c:valAx>
-        <c:axId val="131404712"/>
+        <c:axId val="207128232"/>
         <c:scaling>
           <c:orientation val="minMax"/>
         </c:scaling>
@@ -995,7 +3047,7 @@
             <a:endParaRPr lang="ru-RU"/>
           </a:p>
         </c:txPr>
-        <c:crossAx val="129343352"/>
+        <c:crossAx val="207116080"/>
         <c:crosses val="autoZero"/>
         <c:crossBetween val="between"/>
       </c:valAx>
@@ -1796,11 +3848,11 @@
           <c:showBubbleSize val="0"/>
         </c:dLbls>
         <c:smooth val="0"/>
-        <c:axId val="482759056"/>
-        <c:axId val="482760232"/>
+        <c:axId val="126982656"/>
+        <c:axId val="126983048"/>
       </c:lineChart>
       <c:dateAx>
-        <c:axId val="482759056"/>
+        <c:axId val="126982656"/>
         <c:scaling>
           <c:orientation val="minMax"/>
         </c:scaling>
@@ -1843,14 +3895,14 @@
             <a:endParaRPr lang="ru-RU"/>
           </a:p>
         </c:txPr>
-        <c:crossAx val="482760232"/>
+        <c:crossAx val="126983048"/>
         <c:crosses val="autoZero"/>
         <c:auto val="1"/>
         <c:lblOffset val="100"/>
         <c:baseTimeUnit val="days"/>
       </c:dateAx>
       <c:valAx>
-        <c:axId val="482760232"/>
+        <c:axId val="126983048"/>
         <c:scaling>
           <c:orientation val="minMax"/>
         </c:scaling>
@@ -1901,7 +3953,7 @@
             <a:endParaRPr lang="ru-RU"/>
           </a:p>
         </c:txPr>
-        <c:crossAx val="482759056"/>
+        <c:crossAx val="126982656"/>
         <c:crosses val="autoZero"/>
         <c:crossBetween val="between"/>
       </c:valAx>
@@ -1979,10 +4031,10 @@
           </c:marker>
           <c:cat>
             <c:numRef>
-              <c:f>Лист1!$A$1:$A$116</c:f>
+              <c:f>Лист1!$A$1:$A$423</c:f>
               <c:numCache>
                 <c:formatCode>m/d/yyyy</c:formatCode>
-                <c:ptCount val="116"/>
+                <c:ptCount val="423"/>
                 <c:pt idx="0">
                   <c:v>43132</c:v>
                 </c:pt>
@@ -2158,177 +4210,1098 @@
                   <c:v>43189</c:v>
                 </c:pt>
                 <c:pt idx="58">
+                  <c:v>43190</c:v>
+                </c:pt>
+                <c:pt idx="59">
+                  <c:v>43191</c:v>
+                </c:pt>
+                <c:pt idx="60">
+                  <c:v>43192</c:v>
+                </c:pt>
+                <c:pt idx="61">
+                  <c:v>43193</c:v>
+                </c:pt>
+                <c:pt idx="62">
+                  <c:v>43194</c:v>
+                </c:pt>
+                <c:pt idx="63">
+                  <c:v>43195</c:v>
+                </c:pt>
+                <c:pt idx="64">
+                  <c:v>43196</c:v>
+                </c:pt>
+                <c:pt idx="65">
+                  <c:v>43197</c:v>
+                </c:pt>
+                <c:pt idx="66">
+                  <c:v>43198</c:v>
+                </c:pt>
+                <c:pt idx="67">
+                  <c:v>43199</c:v>
+                </c:pt>
+                <c:pt idx="68">
+                  <c:v>43200</c:v>
+                </c:pt>
+                <c:pt idx="69">
+                  <c:v>43201</c:v>
+                </c:pt>
+                <c:pt idx="70">
+                  <c:v>43202</c:v>
+                </c:pt>
+                <c:pt idx="71">
+                  <c:v>43203</c:v>
+                </c:pt>
+                <c:pt idx="72">
+                  <c:v>43204</c:v>
+                </c:pt>
+                <c:pt idx="73">
+                  <c:v>43205</c:v>
+                </c:pt>
+                <c:pt idx="74">
+                  <c:v>43206</c:v>
+                </c:pt>
+                <c:pt idx="75">
+                  <c:v>43207</c:v>
+                </c:pt>
+                <c:pt idx="76">
+                  <c:v>43208</c:v>
+                </c:pt>
+                <c:pt idx="77">
+                  <c:v>43209</c:v>
+                </c:pt>
+                <c:pt idx="78">
+                  <c:v>43210</c:v>
+                </c:pt>
+                <c:pt idx="79">
+                  <c:v>43211</c:v>
+                </c:pt>
+                <c:pt idx="80">
+                  <c:v>43212</c:v>
+                </c:pt>
+                <c:pt idx="81">
+                  <c:v>43213</c:v>
+                </c:pt>
+                <c:pt idx="82">
+                  <c:v>43214</c:v>
+                </c:pt>
+                <c:pt idx="83">
+                  <c:v>43215</c:v>
+                </c:pt>
+                <c:pt idx="84">
+                  <c:v>43216</c:v>
+                </c:pt>
+                <c:pt idx="85">
+                  <c:v>43217</c:v>
+                </c:pt>
+                <c:pt idx="86">
+                  <c:v>43218</c:v>
+                </c:pt>
+                <c:pt idx="87">
+                  <c:v>43219</c:v>
+                </c:pt>
+                <c:pt idx="88">
+                  <c:v>43220</c:v>
+                </c:pt>
+                <c:pt idx="89">
+                  <c:v>43221</c:v>
+                </c:pt>
+                <c:pt idx="90">
+                  <c:v>43222</c:v>
+                </c:pt>
+                <c:pt idx="91">
+                  <c:v>43223</c:v>
+                </c:pt>
+                <c:pt idx="92">
+                  <c:v>43224</c:v>
+                </c:pt>
+                <c:pt idx="93">
+                  <c:v>43225</c:v>
+                </c:pt>
+                <c:pt idx="94">
+                  <c:v>43226</c:v>
+                </c:pt>
+                <c:pt idx="95">
+                  <c:v>43227</c:v>
+                </c:pt>
+                <c:pt idx="96">
+                  <c:v>43228</c:v>
+                </c:pt>
+                <c:pt idx="97">
+                  <c:v>43229</c:v>
+                </c:pt>
+                <c:pt idx="98">
+                  <c:v>43230</c:v>
+                </c:pt>
+                <c:pt idx="99">
+                  <c:v>43231</c:v>
+                </c:pt>
+                <c:pt idx="100">
+                  <c:v>43232</c:v>
+                </c:pt>
+                <c:pt idx="101">
+                  <c:v>43233</c:v>
+                </c:pt>
+                <c:pt idx="102">
+                  <c:v>43234</c:v>
+                </c:pt>
+                <c:pt idx="103">
+                  <c:v>43235</c:v>
+                </c:pt>
+                <c:pt idx="104">
+                  <c:v>43236</c:v>
+                </c:pt>
+                <c:pt idx="105">
+                  <c:v>43237</c:v>
+                </c:pt>
+                <c:pt idx="106">
+                  <c:v>43238</c:v>
+                </c:pt>
+                <c:pt idx="107">
+                  <c:v>43239</c:v>
+                </c:pt>
+                <c:pt idx="108">
+                  <c:v>43240</c:v>
+                </c:pt>
+                <c:pt idx="109">
+                  <c:v>43241</c:v>
+                </c:pt>
+                <c:pt idx="110">
+                  <c:v>43242</c:v>
+                </c:pt>
+                <c:pt idx="111">
+                  <c:v>43243</c:v>
+                </c:pt>
+                <c:pt idx="112">
+                  <c:v>43244</c:v>
+                </c:pt>
+                <c:pt idx="113">
+                  <c:v>43245</c:v>
+                </c:pt>
+                <c:pt idx="114">
+                  <c:v>43246</c:v>
+                </c:pt>
+                <c:pt idx="115">
+                  <c:v>43247</c:v>
+                </c:pt>
+                <c:pt idx="116">
+                  <c:v>43248</c:v>
+                </c:pt>
+                <c:pt idx="117">
+                  <c:v>43249</c:v>
+                </c:pt>
+                <c:pt idx="118">
+                  <c:v>43250</c:v>
+                </c:pt>
+                <c:pt idx="119">
+                  <c:v>43251</c:v>
+                </c:pt>
+                <c:pt idx="120">
+                  <c:v>43252</c:v>
+                </c:pt>
+                <c:pt idx="121">
+                  <c:v>43253</c:v>
+                </c:pt>
+                <c:pt idx="122">
+                  <c:v>43254</c:v>
+                </c:pt>
+                <c:pt idx="123">
+                  <c:v>43255</c:v>
+                </c:pt>
+                <c:pt idx="124">
+                  <c:v>43256</c:v>
+                </c:pt>
+                <c:pt idx="125">
+                  <c:v>43257</c:v>
+                </c:pt>
+                <c:pt idx="126">
+                  <c:v>43258</c:v>
+                </c:pt>
+                <c:pt idx="127">
+                  <c:v>43259</c:v>
+                </c:pt>
+                <c:pt idx="128">
+                  <c:v>43260</c:v>
+                </c:pt>
+                <c:pt idx="129">
+                  <c:v>43261</c:v>
+                </c:pt>
+                <c:pt idx="130">
+                  <c:v>43262</c:v>
+                </c:pt>
+                <c:pt idx="131">
+                  <c:v>43263</c:v>
+                </c:pt>
+                <c:pt idx="132">
+                  <c:v>43264</c:v>
+                </c:pt>
+                <c:pt idx="133">
+                  <c:v>43265</c:v>
+                </c:pt>
+                <c:pt idx="134">
+                  <c:v>43266</c:v>
+                </c:pt>
+                <c:pt idx="135">
+                  <c:v>43267</c:v>
+                </c:pt>
+                <c:pt idx="136">
+                  <c:v>43268</c:v>
+                </c:pt>
+                <c:pt idx="137">
+                  <c:v>43269</c:v>
+                </c:pt>
+                <c:pt idx="138">
+                  <c:v>43270</c:v>
+                </c:pt>
+                <c:pt idx="139">
+                  <c:v>43271</c:v>
+                </c:pt>
+                <c:pt idx="140">
+                  <c:v>43272</c:v>
+                </c:pt>
+                <c:pt idx="141">
+                  <c:v>43273</c:v>
+                </c:pt>
+                <c:pt idx="142">
+                  <c:v>43274</c:v>
+                </c:pt>
+                <c:pt idx="143">
+                  <c:v>43275</c:v>
+                </c:pt>
+                <c:pt idx="144">
+                  <c:v>43276</c:v>
+                </c:pt>
+                <c:pt idx="145">
+                  <c:v>43277</c:v>
+                </c:pt>
+                <c:pt idx="146">
+                  <c:v>43278</c:v>
+                </c:pt>
+                <c:pt idx="147">
+                  <c:v>43279</c:v>
+                </c:pt>
+                <c:pt idx="148">
+                  <c:v>43280</c:v>
+                </c:pt>
+                <c:pt idx="149">
+                  <c:v>43281</c:v>
+                </c:pt>
+                <c:pt idx="150">
+                  <c:v>43282</c:v>
+                </c:pt>
+                <c:pt idx="151">
+                  <c:v>43283</c:v>
+                </c:pt>
+                <c:pt idx="152">
+                  <c:v>43284</c:v>
+                </c:pt>
+                <c:pt idx="153">
+                  <c:v>43285</c:v>
+                </c:pt>
+                <c:pt idx="154">
+                  <c:v>43286</c:v>
+                </c:pt>
+                <c:pt idx="155">
+                  <c:v>43287</c:v>
+                </c:pt>
+                <c:pt idx="156">
+                  <c:v>43288</c:v>
+                </c:pt>
+                <c:pt idx="157">
+                  <c:v>43289</c:v>
+                </c:pt>
+                <c:pt idx="158">
+                  <c:v>43290</c:v>
+                </c:pt>
+                <c:pt idx="159">
+                  <c:v>43291</c:v>
+                </c:pt>
+                <c:pt idx="160">
+                  <c:v>43292</c:v>
+                </c:pt>
+                <c:pt idx="161">
+                  <c:v>43293</c:v>
+                </c:pt>
+                <c:pt idx="162">
+                  <c:v>43294</c:v>
+                </c:pt>
+                <c:pt idx="163">
+                  <c:v>43295</c:v>
+                </c:pt>
+                <c:pt idx="164">
+                  <c:v>43296</c:v>
+                </c:pt>
+                <c:pt idx="165">
+                  <c:v>43297</c:v>
+                </c:pt>
+                <c:pt idx="166">
+                  <c:v>43298</c:v>
+                </c:pt>
+                <c:pt idx="167">
+                  <c:v>43299</c:v>
+                </c:pt>
+                <c:pt idx="168">
+                  <c:v>43300</c:v>
+                </c:pt>
+                <c:pt idx="169">
+                  <c:v>43301</c:v>
+                </c:pt>
+                <c:pt idx="170">
+                  <c:v>43302</c:v>
+                </c:pt>
+                <c:pt idx="171">
+                  <c:v>43303</c:v>
+                </c:pt>
+                <c:pt idx="172">
+                  <c:v>43304</c:v>
+                </c:pt>
+                <c:pt idx="173">
+                  <c:v>43305</c:v>
+                </c:pt>
+                <c:pt idx="174">
+                  <c:v>43306</c:v>
+                </c:pt>
+                <c:pt idx="175">
+                  <c:v>43307</c:v>
+                </c:pt>
+                <c:pt idx="176">
+                  <c:v>43308</c:v>
+                </c:pt>
+                <c:pt idx="177">
+                  <c:v>43309</c:v>
+                </c:pt>
+                <c:pt idx="178">
+                  <c:v>43310</c:v>
+                </c:pt>
+                <c:pt idx="179">
+                  <c:v>43311</c:v>
+                </c:pt>
+                <c:pt idx="180">
+                  <c:v>43312</c:v>
+                </c:pt>
+                <c:pt idx="181">
+                  <c:v>43313</c:v>
+                </c:pt>
+                <c:pt idx="182">
+                  <c:v>43314</c:v>
+                </c:pt>
+                <c:pt idx="183">
+                  <c:v>43315</c:v>
+                </c:pt>
+                <c:pt idx="184">
+                  <c:v>43316</c:v>
+                </c:pt>
+                <c:pt idx="185">
+                  <c:v>43317</c:v>
+                </c:pt>
+                <c:pt idx="186">
+                  <c:v>43318</c:v>
+                </c:pt>
+                <c:pt idx="187">
+                  <c:v>43319</c:v>
+                </c:pt>
+                <c:pt idx="188">
+                  <c:v>43320</c:v>
+                </c:pt>
+                <c:pt idx="189">
+                  <c:v>43321</c:v>
+                </c:pt>
+                <c:pt idx="190">
+                  <c:v>43322</c:v>
+                </c:pt>
+                <c:pt idx="191">
+                  <c:v>43323</c:v>
+                </c:pt>
+                <c:pt idx="192">
+                  <c:v>43324</c:v>
+                </c:pt>
+                <c:pt idx="193">
+                  <c:v>43325</c:v>
+                </c:pt>
+                <c:pt idx="194">
+                  <c:v>43326</c:v>
+                </c:pt>
+                <c:pt idx="195">
+                  <c:v>43327</c:v>
+                </c:pt>
+                <c:pt idx="196">
+                  <c:v>43328</c:v>
+                </c:pt>
+                <c:pt idx="197">
+                  <c:v>43329</c:v>
+                </c:pt>
+                <c:pt idx="198">
+                  <c:v>43330</c:v>
+                </c:pt>
+                <c:pt idx="199">
+                  <c:v>43331</c:v>
+                </c:pt>
+                <c:pt idx="200">
+                  <c:v>43332</c:v>
+                </c:pt>
+                <c:pt idx="201">
+                  <c:v>43333</c:v>
+                </c:pt>
+                <c:pt idx="202">
+                  <c:v>43334</c:v>
+                </c:pt>
+                <c:pt idx="203">
+                  <c:v>43335</c:v>
+                </c:pt>
+                <c:pt idx="204">
+                  <c:v>43336</c:v>
+                </c:pt>
+                <c:pt idx="205">
+                  <c:v>43337</c:v>
+                </c:pt>
+                <c:pt idx="206">
+                  <c:v>43338</c:v>
+                </c:pt>
+                <c:pt idx="207">
+                  <c:v>43339</c:v>
+                </c:pt>
+                <c:pt idx="208">
+                  <c:v>43340</c:v>
+                </c:pt>
+                <c:pt idx="209">
+                  <c:v>43341</c:v>
+                </c:pt>
+                <c:pt idx="210">
+                  <c:v>43342</c:v>
+                </c:pt>
+                <c:pt idx="211">
+                  <c:v>43343</c:v>
+                </c:pt>
+                <c:pt idx="212">
+                  <c:v>43344</c:v>
+                </c:pt>
+                <c:pt idx="213">
+                  <c:v>43345</c:v>
+                </c:pt>
+                <c:pt idx="214">
+                  <c:v>43346</c:v>
+                </c:pt>
+                <c:pt idx="215">
+                  <c:v>43347</c:v>
+                </c:pt>
+                <c:pt idx="216">
+                  <c:v>43348</c:v>
+                </c:pt>
+                <c:pt idx="217">
+                  <c:v>43349</c:v>
+                </c:pt>
+                <c:pt idx="218">
+                  <c:v>43350</c:v>
+                </c:pt>
+                <c:pt idx="219">
+                  <c:v>43351</c:v>
+                </c:pt>
+                <c:pt idx="220">
+                  <c:v>43352</c:v>
+                </c:pt>
+                <c:pt idx="221">
+                  <c:v>43353</c:v>
+                </c:pt>
+                <c:pt idx="222">
+                  <c:v>43354</c:v>
+                </c:pt>
+                <c:pt idx="223">
+                  <c:v>43355</c:v>
+                </c:pt>
+                <c:pt idx="224">
+                  <c:v>43356</c:v>
+                </c:pt>
+                <c:pt idx="225">
+                  <c:v>43357</c:v>
+                </c:pt>
+                <c:pt idx="226">
+                  <c:v>43358</c:v>
+                </c:pt>
+                <c:pt idx="227">
+                  <c:v>43359</c:v>
+                </c:pt>
+                <c:pt idx="228">
+                  <c:v>43360</c:v>
+                </c:pt>
+                <c:pt idx="229">
+                  <c:v>43361</c:v>
+                </c:pt>
+                <c:pt idx="230">
+                  <c:v>43362</c:v>
+                </c:pt>
+                <c:pt idx="231">
+                  <c:v>43363</c:v>
+                </c:pt>
+                <c:pt idx="232">
+                  <c:v>43364</c:v>
+                </c:pt>
+                <c:pt idx="233">
+                  <c:v>43365</c:v>
+                </c:pt>
+                <c:pt idx="234">
+                  <c:v>43366</c:v>
+                </c:pt>
+                <c:pt idx="235">
+                  <c:v>43367</c:v>
+                </c:pt>
+                <c:pt idx="236">
+                  <c:v>43368</c:v>
+                </c:pt>
+                <c:pt idx="237">
+                  <c:v>43369</c:v>
+                </c:pt>
+                <c:pt idx="238">
+                  <c:v>43370</c:v>
+                </c:pt>
+                <c:pt idx="239">
+                  <c:v>43371</c:v>
+                </c:pt>
+                <c:pt idx="240">
+                  <c:v>43372</c:v>
+                </c:pt>
+                <c:pt idx="241">
+                  <c:v>43373</c:v>
+                </c:pt>
+                <c:pt idx="242">
+                  <c:v>43374</c:v>
+                </c:pt>
+                <c:pt idx="243">
+                  <c:v>43375</c:v>
+                </c:pt>
+                <c:pt idx="244">
+                  <c:v>43376</c:v>
+                </c:pt>
+                <c:pt idx="245">
+                  <c:v>43377</c:v>
+                </c:pt>
+                <c:pt idx="246">
+                  <c:v>43378</c:v>
+                </c:pt>
+                <c:pt idx="247">
+                  <c:v>43379</c:v>
+                </c:pt>
+                <c:pt idx="248">
+                  <c:v>43380</c:v>
+                </c:pt>
+                <c:pt idx="249">
+                  <c:v>43381</c:v>
+                </c:pt>
+                <c:pt idx="250">
+                  <c:v>43382</c:v>
+                </c:pt>
+                <c:pt idx="251">
+                  <c:v>43383</c:v>
+                </c:pt>
+                <c:pt idx="252">
+                  <c:v>43384</c:v>
+                </c:pt>
+                <c:pt idx="253">
+                  <c:v>43385</c:v>
+                </c:pt>
+                <c:pt idx="254">
+                  <c:v>43386</c:v>
+                </c:pt>
+                <c:pt idx="255">
+                  <c:v>43387</c:v>
+                </c:pt>
+                <c:pt idx="256">
+                  <c:v>43388</c:v>
+                </c:pt>
+                <c:pt idx="257">
+                  <c:v>43389</c:v>
+                </c:pt>
+                <c:pt idx="258">
+                  <c:v>43390</c:v>
+                </c:pt>
+                <c:pt idx="259">
+                  <c:v>43391</c:v>
+                </c:pt>
+                <c:pt idx="260">
+                  <c:v>43392</c:v>
+                </c:pt>
+                <c:pt idx="261">
+                  <c:v>43393</c:v>
+                </c:pt>
+                <c:pt idx="262">
+                  <c:v>43394</c:v>
+                </c:pt>
+                <c:pt idx="263">
+                  <c:v>43395</c:v>
+                </c:pt>
+                <c:pt idx="264">
+                  <c:v>43396</c:v>
+                </c:pt>
+                <c:pt idx="265">
+                  <c:v>43397</c:v>
+                </c:pt>
+                <c:pt idx="266">
+                  <c:v>43398</c:v>
+                </c:pt>
+                <c:pt idx="267">
+                  <c:v>43399</c:v>
+                </c:pt>
+                <c:pt idx="268">
+                  <c:v>43400</c:v>
+                </c:pt>
+                <c:pt idx="269">
+                  <c:v>43401</c:v>
+                </c:pt>
+                <c:pt idx="270">
+                  <c:v>43402</c:v>
+                </c:pt>
+                <c:pt idx="271">
+                  <c:v>43403</c:v>
+                </c:pt>
+                <c:pt idx="272">
+                  <c:v>43404</c:v>
+                </c:pt>
+                <c:pt idx="273">
+                  <c:v>43405</c:v>
+                </c:pt>
+                <c:pt idx="274">
+                  <c:v>43406</c:v>
+                </c:pt>
+                <c:pt idx="275">
+                  <c:v>43407</c:v>
+                </c:pt>
+                <c:pt idx="276">
+                  <c:v>43408</c:v>
+                </c:pt>
+                <c:pt idx="277">
+                  <c:v>43409</c:v>
+                </c:pt>
+                <c:pt idx="278">
+                  <c:v>43410</c:v>
+                </c:pt>
+                <c:pt idx="279">
+                  <c:v>43411</c:v>
+                </c:pt>
+                <c:pt idx="280">
+                  <c:v>43412</c:v>
+                </c:pt>
+                <c:pt idx="281">
+                  <c:v>43413</c:v>
+                </c:pt>
+                <c:pt idx="282">
+                  <c:v>43414</c:v>
+                </c:pt>
+                <c:pt idx="283">
+                  <c:v>43415</c:v>
+                </c:pt>
+                <c:pt idx="284">
+                  <c:v>43416</c:v>
+                </c:pt>
+                <c:pt idx="285">
+                  <c:v>43417</c:v>
+                </c:pt>
+                <c:pt idx="286">
+                  <c:v>43418</c:v>
+                </c:pt>
+                <c:pt idx="287">
+                  <c:v>43419</c:v>
+                </c:pt>
+                <c:pt idx="288">
+                  <c:v>43420</c:v>
+                </c:pt>
+                <c:pt idx="289">
+                  <c:v>43421</c:v>
+                </c:pt>
+                <c:pt idx="290">
+                  <c:v>43422</c:v>
+                </c:pt>
+                <c:pt idx="291">
+                  <c:v>43423</c:v>
+                </c:pt>
+                <c:pt idx="292">
+                  <c:v>43424</c:v>
+                </c:pt>
+                <c:pt idx="293">
+                  <c:v>43425</c:v>
+                </c:pt>
+                <c:pt idx="294">
+                  <c:v>43426</c:v>
+                </c:pt>
+                <c:pt idx="295">
+                  <c:v>43427</c:v>
+                </c:pt>
+                <c:pt idx="296">
+                  <c:v>43428</c:v>
+                </c:pt>
+                <c:pt idx="297">
+                  <c:v>43429</c:v>
+                </c:pt>
+                <c:pt idx="298">
+                  <c:v>43430</c:v>
+                </c:pt>
+                <c:pt idx="299">
+                  <c:v>43431</c:v>
+                </c:pt>
+                <c:pt idx="300">
+                  <c:v>43432</c:v>
+                </c:pt>
+                <c:pt idx="301">
+                  <c:v>43433</c:v>
+                </c:pt>
+                <c:pt idx="302">
+                  <c:v>43434</c:v>
+                </c:pt>
+                <c:pt idx="303">
+                  <c:v>43435</c:v>
+                </c:pt>
+                <c:pt idx="304">
+                  <c:v>43436</c:v>
+                </c:pt>
+                <c:pt idx="305">
+                  <c:v>43437</c:v>
+                </c:pt>
+                <c:pt idx="306">
+                  <c:v>43438</c:v>
+                </c:pt>
+                <c:pt idx="307">
+                  <c:v>43439</c:v>
+                </c:pt>
+                <c:pt idx="308">
+                  <c:v>43440</c:v>
+                </c:pt>
+                <c:pt idx="309">
+                  <c:v>43441</c:v>
+                </c:pt>
+                <c:pt idx="310">
+                  <c:v>43442</c:v>
+                </c:pt>
+                <c:pt idx="311">
+                  <c:v>43443</c:v>
+                </c:pt>
+                <c:pt idx="312">
+                  <c:v>43444</c:v>
+                </c:pt>
+                <c:pt idx="313">
+                  <c:v>43445</c:v>
+                </c:pt>
+                <c:pt idx="314">
+                  <c:v>43446</c:v>
+                </c:pt>
+                <c:pt idx="315">
+                  <c:v>43447</c:v>
+                </c:pt>
+                <c:pt idx="316">
+                  <c:v>43448</c:v>
+                </c:pt>
+                <c:pt idx="317">
+                  <c:v>43449</c:v>
+                </c:pt>
+                <c:pt idx="318">
+                  <c:v>43450</c:v>
+                </c:pt>
+                <c:pt idx="319">
+                  <c:v>43451</c:v>
+                </c:pt>
+                <c:pt idx="320">
+                  <c:v>43452</c:v>
+                </c:pt>
+                <c:pt idx="321">
+                  <c:v>43453</c:v>
+                </c:pt>
+                <c:pt idx="322">
+                  <c:v>43454</c:v>
+                </c:pt>
+                <c:pt idx="323">
+                  <c:v>43455</c:v>
+                </c:pt>
+                <c:pt idx="324">
+                  <c:v>43456</c:v>
+                </c:pt>
+                <c:pt idx="325">
+                  <c:v>43457</c:v>
+                </c:pt>
+                <c:pt idx="326">
+                  <c:v>43458</c:v>
+                </c:pt>
+                <c:pt idx="327">
+                  <c:v>43459</c:v>
+                </c:pt>
+                <c:pt idx="328">
+                  <c:v>43460</c:v>
+                </c:pt>
+                <c:pt idx="329">
+                  <c:v>43461</c:v>
+                </c:pt>
+                <c:pt idx="330">
+                  <c:v>43462</c:v>
+                </c:pt>
+                <c:pt idx="331">
+                  <c:v>43463</c:v>
+                </c:pt>
+                <c:pt idx="332">
+                  <c:v>43464</c:v>
+                </c:pt>
+                <c:pt idx="333">
+                  <c:v>43465</c:v>
+                </c:pt>
+                <c:pt idx="334">
+                  <c:v>43466</c:v>
+                </c:pt>
+                <c:pt idx="335">
+                  <c:v>43467</c:v>
+                </c:pt>
+                <c:pt idx="336">
+                  <c:v>43468</c:v>
+                </c:pt>
+                <c:pt idx="337">
+                  <c:v>43469</c:v>
+                </c:pt>
+                <c:pt idx="338">
+                  <c:v>43470</c:v>
+                </c:pt>
+                <c:pt idx="339">
+                  <c:v>43471</c:v>
+                </c:pt>
+                <c:pt idx="340">
+                  <c:v>43472</c:v>
+                </c:pt>
+                <c:pt idx="341">
+                  <c:v>43473</c:v>
+                </c:pt>
+                <c:pt idx="342">
+                  <c:v>43474</c:v>
+                </c:pt>
+                <c:pt idx="343">
+                  <c:v>43475</c:v>
+                </c:pt>
+                <c:pt idx="344">
+                  <c:v>43476</c:v>
+                </c:pt>
+                <c:pt idx="345">
+                  <c:v>43477</c:v>
+                </c:pt>
+                <c:pt idx="346">
+                  <c:v>43478</c:v>
+                </c:pt>
+                <c:pt idx="347">
+                  <c:v>43479</c:v>
+                </c:pt>
+                <c:pt idx="348">
+                  <c:v>43480</c:v>
+                </c:pt>
+                <c:pt idx="349">
+                  <c:v>43481</c:v>
+                </c:pt>
+                <c:pt idx="350">
+                  <c:v>43482</c:v>
+                </c:pt>
+                <c:pt idx="351">
+                  <c:v>43483</c:v>
+                </c:pt>
+                <c:pt idx="352">
+                  <c:v>43484</c:v>
+                </c:pt>
+                <c:pt idx="353">
+                  <c:v>43485</c:v>
+                </c:pt>
+                <c:pt idx="354">
+                  <c:v>43486</c:v>
+                </c:pt>
+                <c:pt idx="355">
+                  <c:v>43487</c:v>
+                </c:pt>
+                <c:pt idx="356">
+                  <c:v>43488</c:v>
+                </c:pt>
+                <c:pt idx="357">
+                  <c:v>43489</c:v>
+                </c:pt>
+                <c:pt idx="358">
+                  <c:v>43490</c:v>
+                </c:pt>
+                <c:pt idx="359">
+                  <c:v>43491</c:v>
+                </c:pt>
+                <c:pt idx="360">
+                  <c:v>43492</c:v>
+                </c:pt>
+                <c:pt idx="361">
+                  <c:v>43493</c:v>
+                </c:pt>
+                <c:pt idx="362">
+                  <c:v>43494</c:v>
+                </c:pt>
+                <c:pt idx="363">
+                  <c:v>43495</c:v>
+                </c:pt>
+                <c:pt idx="364">
+                  <c:v>43496</c:v>
+                </c:pt>
+                <c:pt idx="365">
                   <c:v>43497</c:v>
                 </c:pt>
-                <c:pt idx="59">
+                <c:pt idx="366">
                   <c:v>43498</c:v>
                 </c:pt>
-                <c:pt idx="60">
+                <c:pt idx="367">
                   <c:v>43499</c:v>
                 </c:pt>
-                <c:pt idx="61">
+                <c:pt idx="368">
                   <c:v>43500</c:v>
                 </c:pt>
-                <c:pt idx="62">
+                <c:pt idx="369">
                   <c:v>43501</c:v>
                 </c:pt>
-                <c:pt idx="63">
+                <c:pt idx="370">
                   <c:v>43502</c:v>
                 </c:pt>
-                <c:pt idx="64">
+                <c:pt idx="371">
                   <c:v>43503</c:v>
                 </c:pt>
-                <c:pt idx="65">
+                <c:pt idx="372">
                   <c:v>43504</c:v>
                 </c:pt>
-                <c:pt idx="66">
+                <c:pt idx="373">
                   <c:v>43505</c:v>
                 </c:pt>
-                <c:pt idx="67">
+                <c:pt idx="374">
                   <c:v>43506</c:v>
                 </c:pt>
-                <c:pt idx="68">
+                <c:pt idx="375">
                   <c:v>43507</c:v>
                 </c:pt>
-                <c:pt idx="69">
+                <c:pt idx="376">
                   <c:v>43508</c:v>
                 </c:pt>
-                <c:pt idx="70">
+                <c:pt idx="377">
                   <c:v>43509</c:v>
                 </c:pt>
-                <c:pt idx="71">
+                <c:pt idx="378">
                   <c:v>43510</c:v>
                 </c:pt>
-                <c:pt idx="72">
+                <c:pt idx="379">
                   <c:v>43511</c:v>
                 </c:pt>
-                <c:pt idx="73">
+                <c:pt idx="380">
                   <c:v>43512</c:v>
                 </c:pt>
-                <c:pt idx="74">
+                <c:pt idx="381">
                   <c:v>43513</c:v>
                 </c:pt>
-                <c:pt idx="75">
+                <c:pt idx="382">
                   <c:v>43514</c:v>
                 </c:pt>
-                <c:pt idx="76">
+                <c:pt idx="383">
                   <c:v>43515</c:v>
                 </c:pt>
-                <c:pt idx="77">
+                <c:pt idx="384">
                   <c:v>43516</c:v>
                 </c:pt>
-                <c:pt idx="78">
+                <c:pt idx="385">
                   <c:v>43517</c:v>
                 </c:pt>
-                <c:pt idx="79">
+                <c:pt idx="386">
                   <c:v>43518</c:v>
                 </c:pt>
-                <c:pt idx="80">
+                <c:pt idx="387">
                   <c:v>43519</c:v>
                 </c:pt>
-                <c:pt idx="81">
+                <c:pt idx="388">
                   <c:v>43520</c:v>
                 </c:pt>
-                <c:pt idx="82">
+                <c:pt idx="389">
                   <c:v>43521</c:v>
                 </c:pt>
-                <c:pt idx="83">
+                <c:pt idx="390">
                   <c:v>43522</c:v>
                 </c:pt>
-                <c:pt idx="84">
+                <c:pt idx="391">
                   <c:v>43523</c:v>
                 </c:pt>
-                <c:pt idx="85">
+                <c:pt idx="392">
                   <c:v>43524</c:v>
                 </c:pt>
-                <c:pt idx="86">
+                <c:pt idx="393">
                   <c:v>43525</c:v>
                 </c:pt>
-                <c:pt idx="87">
+                <c:pt idx="394">
                   <c:v>43526</c:v>
                 </c:pt>
-                <c:pt idx="88">
+                <c:pt idx="395">
                   <c:v>43527</c:v>
                 </c:pt>
-                <c:pt idx="89">
+                <c:pt idx="396">
                   <c:v>43528</c:v>
                 </c:pt>
-                <c:pt idx="90">
+                <c:pt idx="397">
                   <c:v>43529</c:v>
                 </c:pt>
-                <c:pt idx="91">
+                <c:pt idx="398">
                   <c:v>43530</c:v>
                 </c:pt>
-                <c:pt idx="92">
+                <c:pt idx="399">
                   <c:v>43531</c:v>
                 </c:pt>
-                <c:pt idx="93">
+                <c:pt idx="400">
                   <c:v>43532</c:v>
                 </c:pt>
-                <c:pt idx="94">
+                <c:pt idx="401">
                   <c:v>43533</c:v>
                 </c:pt>
-                <c:pt idx="95">
+                <c:pt idx="402">
                   <c:v>43534</c:v>
                 </c:pt>
-                <c:pt idx="96">
+                <c:pt idx="403">
                   <c:v>43535</c:v>
                 </c:pt>
-                <c:pt idx="97">
+                <c:pt idx="404">
                   <c:v>43536</c:v>
                 </c:pt>
-                <c:pt idx="98">
+                <c:pt idx="405">
                   <c:v>43537</c:v>
                 </c:pt>
-                <c:pt idx="99">
+                <c:pt idx="406">
                   <c:v>43538</c:v>
                 </c:pt>
-                <c:pt idx="100">
+                <c:pt idx="407">
                   <c:v>43539</c:v>
                 </c:pt>
-                <c:pt idx="101">
+                <c:pt idx="408">
                   <c:v>43540</c:v>
                 </c:pt>
-                <c:pt idx="102">
+                <c:pt idx="409">
                   <c:v>43541</c:v>
                 </c:pt>
-                <c:pt idx="103">
+                <c:pt idx="410">
                   <c:v>43542</c:v>
                 </c:pt>
-                <c:pt idx="104">
+                <c:pt idx="411">
                   <c:v>43543</c:v>
                 </c:pt>
-                <c:pt idx="105">
+                <c:pt idx="412">
                   <c:v>43544</c:v>
                 </c:pt>
-                <c:pt idx="106">
+                <c:pt idx="413">
                   <c:v>43545</c:v>
                 </c:pt>
-                <c:pt idx="107">
+                <c:pt idx="414">
                   <c:v>43546</c:v>
                 </c:pt>
-                <c:pt idx="108">
+                <c:pt idx="415">
                   <c:v>43547</c:v>
                 </c:pt>
-                <c:pt idx="109">
+                <c:pt idx="416">
                   <c:v>43548</c:v>
                 </c:pt>
-                <c:pt idx="110">
+                <c:pt idx="417">
                   <c:v>43549</c:v>
                 </c:pt>
-                <c:pt idx="111">
+                <c:pt idx="418">
                   <c:v>43550</c:v>
                 </c:pt>
-                <c:pt idx="112">
+                <c:pt idx="419">
                   <c:v>43551</c:v>
                 </c:pt>
-                <c:pt idx="113">
+                <c:pt idx="420">
                   <c:v>43552</c:v>
                 </c:pt>
-                <c:pt idx="114">
+                <c:pt idx="421">
                   <c:v>43553</c:v>
                 </c:pt>
-                <c:pt idx="115">
+                <c:pt idx="422">
                   <c:v>43554</c:v>
                 </c:pt>
               </c:numCache>
@@ -2336,357 +5309,1278 @@
           </c:cat>
           <c:val>
             <c:numRef>
-              <c:f>Лист1!$B$1:$B$116</c:f>
+              <c:f>Лист1!$B$1:$B$423</c:f>
               <c:numCache>
                 <c:formatCode>General</c:formatCode>
-                <c:ptCount val="116"/>
+                <c:ptCount val="423"/>
                 <c:pt idx="0">
-                  <c:v>27</c:v>
+                  <c:v>3.39E-2</c:v>
                 </c:pt>
                 <c:pt idx="1">
-                  <c:v>30</c:v>
+                  <c:v>3.6299999999999999E-2</c:v>
                 </c:pt>
                 <c:pt idx="2">
-                  <c:v>26</c:v>
+                  <c:v>0.03</c:v>
                 </c:pt>
                 <c:pt idx="3">
-                  <c:v>27</c:v>
+                  <c:v>3.0200000000000001E-2</c:v>
                 </c:pt>
                 <c:pt idx="4">
-                  <c:v>15</c:v>
+                  <c:v>1.6500000000000001E-2</c:v>
                 </c:pt>
                 <c:pt idx="5">
-                  <c:v>15</c:v>
+                  <c:v>1.6199999999999999E-2</c:v>
                 </c:pt>
                 <c:pt idx="6">
-                  <c:v>16</c:v>
+                  <c:v>1.6799999999999999E-2</c:v>
                 </c:pt>
                 <c:pt idx="7">
-                  <c:v>21</c:v>
+                  <c:v>2.1299999999999999E-2</c:v>
                 </c:pt>
                 <c:pt idx="8">
-                  <c:v>17</c:v>
+                  <c:v>1.6799999999999999E-2</c:v>
                 </c:pt>
                 <c:pt idx="9">
-                  <c:v>30</c:v>
+                  <c:v>2.81E-2</c:v>
                 </c:pt>
                 <c:pt idx="10">
-                  <c:v>22</c:v>
+                  <c:v>2.1000000000000001E-2</c:v>
                 </c:pt>
                 <c:pt idx="11">
-                  <c:v>28</c:v>
+                  <c:v>2.6499999999999999E-2</c:v>
                 </c:pt>
                 <c:pt idx="12">
-                  <c:v>18</c:v>
+                  <c:v>1.7100000000000001E-2</c:v>
                 </c:pt>
                 <c:pt idx="13">
-                  <c:v>25</c:v>
+                  <c:v>2.3800000000000002E-2</c:v>
                 </c:pt>
                 <c:pt idx="14">
-                  <c:v>17</c:v>
+                  <c:v>1.52E-2</c:v>
                 </c:pt>
                 <c:pt idx="15">
-                  <c:v>17</c:v>
+                  <c:v>1.61E-2</c:v>
                 </c:pt>
                 <c:pt idx="16">
-                  <c:v>29</c:v>
+                  <c:v>2.7400000000000001E-2</c:v>
                 </c:pt>
                 <c:pt idx="17">
-                  <c:v>29</c:v>
+                  <c:v>2.7400000000000001E-2</c:v>
                 </c:pt>
                 <c:pt idx="18">
-                  <c:v>28</c:v>
+                  <c:v>2.7900000000000001E-2</c:v>
                 </c:pt>
                 <c:pt idx="19">
-                  <c:v>27</c:v>
+                  <c:v>2.8899999999999999E-2</c:v>
                 </c:pt>
                 <c:pt idx="20">
-                  <c:v>29</c:v>
+                  <c:v>3.1600000000000003E-2</c:v>
                 </c:pt>
                 <c:pt idx="21">
-                  <c:v>21</c:v>
+                  <c:v>2.2700000000000001E-2</c:v>
                 </c:pt>
                 <c:pt idx="22">
-                  <c:v>21</c:v>
+                  <c:v>2.06E-2</c:v>
                 </c:pt>
                 <c:pt idx="23">
-                  <c:v>18</c:v>
+                  <c:v>1.6899999999999998E-2</c:v>
                 </c:pt>
                 <c:pt idx="24">
-                  <c:v>774</c:v>
+                  <c:v>0.55410000000000004</c:v>
                 </c:pt>
                 <c:pt idx="25">
-                  <c:v>20</c:v>
+                  <c:v>1.9699999999999999E-2</c:v>
                 </c:pt>
                 <c:pt idx="26">
-                  <c:v>27</c:v>
+                  <c:v>3.3799999999999997E-2</c:v>
                 </c:pt>
                 <c:pt idx="27">
-                  <c:v>67</c:v>
+                  <c:v>8.0799999999999997E-2</c:v>
                 </c:pt>
                 <c:pt idx="28">
-                  <c:v>18</c:v>
+                  <c:v>2.1399999999999999E-2</c:v>
                 </c:pt>
                 <c:pt idx="29">
-                  <c:v>31</c:v>
+                  <c:v>3.6299999999999999E-2</c:v>
                 </c:pt>
                 <c:pt idx="30">
-                  <c:v>34</c:v>
+                  <c:v>3.9E-2</c:v>
                 </c:pt>
                 <c:pt idx="31">
-                  <c:v>31</c:v>
+                  <c:v>3.4700000000000002E-2</c:v>
                 </c:pt>
                 <c:pt idx="32">
-                  <c:v>28</c:v>
+                  <c:v>3.09E-2</c:v>
                 </c:pt>
                 <c:pt idx="33">
-                  <c:v>28</c:v>
+                  <c:v>2.9600000000000001E-2</c:v>
                 </c:pt>
                 <c:pt idx="34">
-                  <c:v>27</c:v>
+                  <c:v>2.86E-2</c:v>
                 </c:pt>
                 <c:pt idx="35">
-                  <c:v>31</c:v>
+                  <c:v>3.2800000000000003E-2</c:v>
                 </c:pt>
                 <c:pt idx="36">
-                  <c:v>19</c:v>
+                  <c:v>1.9900000000000001E-2</c:v>
                 </c:pt>
                 <c:pt idx="37">
-                  <c:v>22</c:v>
+                  <c:v>2.2599999999999999E-2</c:v>
                 </c:pt>
                 <c:pt idx="38">
-                  <c:v>19</c:v>
+                  <c:v>1.9599999999999999E-2</c:v>
                 </c:pt>
                 <c:pt idx="39">
-                  <c:v>33</c:v>
+                  <c:v>3.44E-2</c:v>
                 </c:pt>
                 <c:pt idx="40">
-                  <c:v>26</c:v>
+                  <c:v>2.7300000000000001E-2</c:v>
                 </c:pt>
                 <c:pt idx="41">
-                  <c:v>31</c:v>
+                  <c:v>3.3300000000000003E-2</c:v>
                 </c:pt>
                 <c:pt idx="42">
-                  <c:v>27</c:v>
+                  <c:v>2.9600000000000001E-2</c:v>
                 </c:pt>
                 <c:pt idx="43">
-                  <c:v>27</c:v>
+                  <c:v>3.0099999999999998E-2</c:v>
                 </c:pt>
                 <c:pt idx="44">
-                  <c:v>28</c:v>
+                  <c:v>3.1800000000000002E-2</c:v>
                 </c:pt>
                 <c:pt idx="45">
-                  <c:v>28</c:v>
+                  <c:v>3.2399999999999998E-2</c:v>
                 </c:pt>
                 <c:pt idx="46">
-                  <c:v>12</c:v>
+                  <c:v>1.6500000000000001E-2</c:v>
                 </c:pt>
                 <c:pt idx="47">
-                  <c:v>15</c:v>
+                  <c:v>2.47E-2</c:v>
                 </c:pt>
                 <c:pt idx="48">
-                  <c:v>20</c:v>
+                  <c:v>3.6400000000000002E-2</c:v>
                 </c:pt>
                 <c:pt idx="49">
-                  <c:v>22</c:v>
+                  <c:v>4.24E-2</c:v>
                 </c:pt>
                 <c:pt idx="50">
-                  <c:v>20</c:v>
+                  <c:v>3.6600000000000001E-2</c:v>
                 </c:pt>
                 <c:pt idx="51">
-                  <c:v>34</c:v>
+                  <c:v>5.2600000000000001E-2</c:v>
                 </c:pt>
                 <c:pt idx="52">
-                  <c:v>806</c:v>
+                  <c:v>0.90890000000000004</c:v>
                 </c:pt>
                 <c:pt idx="53">
-                  <c:v>33</c:v>
+                  <c:v>7.5499999999999998E-2</c:v>
                 </c:pt>
                 <c:pt idx="54">
-                  <c:v>28</c:v>
+                  <c:v>0.34150000000000003</c:v>
                 </c:pt>
                 <c:pt idx="55">
-                  <c:v>26</c:v>
+                  <c:v>0.40629999999999999</c:v>
                 </c:pt>
                 <c:pt idx="56">
-                  <c:v>22</c:v>
+                  <c:v>0.44900000000000001</c:v>
                 </c:pt>
                 <c:pt idx="57">
-                  <c:v>20</c:v>
+                  <c:v>0.6129</c:v>
                 </c:pt>
                 <c:pt idx="58">
-                  <c:v>18</c:v>
+                  <c:v>0</c:v>
                 </c:pt>
                 <c:pt idx="59">
-                  <c:v>39</c:v>
+                  <c:v>0</c:v>
                 </c:pt>
                 <c:pt idx="60">
-                  <c:v>21</c:v>
+                  <c:v>0</c:v>
                 </c:pt>
                 <c:pt idx="61">
-                  <c:v>29</c:v>
+                  <c:v>0</c:v>
                 </c:pt>
                 <c:pt idx="62">
-                  <c:v>33</c:v>
+                  <c:v>0</c:v>
                 </c:pt>
                 <c:pt idx="63">
-                  <c:v>25</c:v>
+                  <c:v>0</c:v>
                 </c:pt>
                 <c:pt idx="64">
-                  <c:v>25</c:v>
+                  <c:v>0</c:v>
                 </c:pt>
                 <c:pt idx="65">
-                  <c:v>22</c:v>
+                  <c:v>0</c:v>
                 </c:pt>
                 <c:pt idx="66">
-                  <c:v>25</c:v>
+                  <c:v>0</c:v>
                 </c:pt>
                 <c:pt idx="67">
-                  <c:v>28</c:v>
+                  <c:v>0</c:v>
                 </c:pt>
                 <c:pt idx="68">
-                  <c:v>17</c:v>
+                  <c:v>0</c:v>
                 </c:pt>
                 <c:pt idx="69">
-                  <c:v>25</c:v>
+                  <c:v>0</c:v>
                 </c:pt>
                 <c:pt idx="70">
-                  <c:v>20</c:v>
+                  <c:v>0</c:v>
                 </c:pt>
                 <c:pt idx="71">
-                  <c:v>35</c:v>
+                  <c:v>0</c:v>
                 </c:pt>
                 <c:pt idx="72">
-                  <c:v>19</c:v>
+                  <c:v>0</c:v>
                 </c:pt>
                 <c:pt idx="73">
-                  <c:v>29</c:v>
+                  <c:v>0</c:v>
                 </c:pt>
                 <c:pt idx="74">
-                  <c:v>27</c:v>
+                  <c:v>0</c:v>
                 </c:pt>
                 <c:pt idx="75">
-                  <c:v>26</c:v>
+                  <c:v>0</c:v>
                 </c:pt>
                 <c:pt idx="76">
-                  <c:v>25</c:v>
+                  <c:v>0</c:v>
                 </c:pt>
                 <c:pt idx="77">
-                  <c:v>27</c:v>
+                  <c:v>0</c:v>
                 </c:pt>
                 <c:pt idx="78">
-                  <c:v>19</c:v>
+                  <c:v>0</c:v>
                 </c:pt>
                 <c:pt idx="79">
-                  <c:v>32</c:v>
+                  <c:v>0</c:v>
                 </c:pt>
                 <c:pt idx="80">
-                  <c:v>27</c:v>
+                  <c:v>0</c:v>
                 </c:pt>
                 <c:pt idx="81">
-                  <c:v>20</c:v>
+                  <c:v>0</c:v>
                 </c:pt>
                 <c:pt idx="82">
-                  <c:v>771</c:v>
+                  <c:v>0</c:v>
                 </c:pt>
                 <c:pt idx="83">
-                  <c:v>33</c:v>
+                  <c:v>0</c:v>
                 </c:pt>
                 <c:pt idx="84">
-                  <c:v>29</c:v>
+                  <c:v>0</c:v>
                 </c:pt>
                 <c:pt idx="85">
-                  <c:v>66</c:v>
+                  <c:v>0</c:v>
                 </c:pt>
                 <c:pt idx="86">
-                  <c:v>28</c:v>
+                  <c:v>0</c:v>
                 </c:pt>
                 <c:pt idx="87">
-                  <c:v>21</c:v>
+                  <c:v>0</c:v>
                 </c:pt>
                 <c:pt idx="88">
-                  <c:v>22</c:v>
+                  <c:v>0</c:v>
                 </c:pt>
                 <c:pt idx="89">
-                  <c:v>29</c:v>
+                  <c:v>0</c:v>
                 </c:pt>
                 <c:pt idx="90">
-                  <c:v>30</c:v>
+                  <c:v>0</c:v>
                 </c:pt>
                 <c:pt idx="91">
-                  <c:v>28</c:v>
+                  <c:v>0</c:v>
                 </c:pt>
                 <c:pt idx="92">
-                  <c:v>28</c:v>
+                  <c:v>0</c:v>
                 </c:pt>
                 <c:pt idx="93">
-                  <c:v>21</c:v>
+                  <c:v>0</c:v>
                 </c:pt>
                 <c:pt idx="94">
-                  <c:v>18</c:v>
+                  <c:v>0</c:v>
                 </c:pt>
                 <c:pt idx="95">
-                  <c:v>44</c:v>
+                  <c:v>0</c:v>
                 </c:pt>
                 <c:pt idx="96">
-                  <c:v>28</c:v>
+                  <c:v>0</c:v>
                 </c:pt>
                 <c:pt idx="97">
-                  <c:v>26</c:v>
+                  <c:v>0</c:v>
                 </c:pt>
                 <c:pt idx="98">
-                  <c:v>22</c:v>
+                  <c:v>0</c:v>
                 </c:pt>
                 <c:pt idx="99">
-                  <c:v>31</c:v>
+                  <c:v>0</c:v>
                 </c:pt>
                 <c:pt idx="100">
-                  <c:v>20</c:v>
+                  <c:v>0</c:v>
                 </c:pt>
                 <c:pt idx="101">
-                  <c:v>21</c:v>
+                  <c:v>0</c:v>
                 </c:pt>
                 <c:pt idx="102">
-                  <c:v>21</c:v>
+                  <c:v>0</c:v>
                 </c:pt>
                 <c:pt idx="103">
-                  <c:v>20</c:v>
+                  <c:v>0</c:v>
                 </c:pt>
                 <c:pt idx="104">
-                  <c:v>32</c:v>
+                  <c:v>0</c:v>
                 </c:pt>
                 <c:pt idx="105">
-                  <c:v>27</c:v>
+                  <c:v>0</c:v>
                 </c:pt>
                 <c:pt idx="106">
-                  <c:v>35</c:v>
+                  <c:v>0</c:v>
                 </c:pt>
                 <c:pt idx="107">
-                  <c:v>26</c:v>
+                  <c:v>0</c:v>
                 </c:pt>
                 <c:pt idx="108">
-                  <c:v>13</c:v>
+                  <c:v>0</c:v>
                 </c:pt>
                 <c:pt idx="109">
-                  <c:v>25</c:v>
+                  <c:v>0</c:v>
                 </c:pt>
                 <c:pt idx="110">
-                  <c:v>761</c:v>
+                  <c:v>0</c:v>
                 </c:pt>
                 <c:pt idx="111">
-                  <c:v>30</c:v>
+                  <c:v>0</c:v>
                 </c:pt>
                 <c:pt idx="112">
-                  <c:v>30</c:v>
+                  <c:v>0</c:v>
                 </c:pt>
                 <c:pt idx="113">
-                  <c:v>25</c:v>
+                  <c:v>0</c:v>
                 </c:pt>
                 <c:pt idx="114">
-                  <c:v>19</c:v>
+                  <c:v>0</c:v>
                 </c:pt>
                 <c:pt idx="115">
-                  <c:v>20</c:v>
+                  <c:v>0</c:v>
+                </c:pt>
+                <c:pt idx="116">
+                  <c:v>0</c:v>
+                </c:pt>
+                <c:pt idx="117">
+                  <c:v>0</c:v>
+                </c:pt>
+                <c:pt idx="118">
+                  <c:v>0</c:v>
+                </c:pt>
+                <c:pt idx="119">
+                  <c:v>0</c:v>
+                </c:pt>
+                <c:pt idx="120">
+                  <c:v>0</c:v>
+                </c:pt>
+                <c:pt idx="121">
+                  <c:v>0</c:v>
+                </c:pt>
+                <c:pt idx="122">
+                  <c:v>0</c:v>
+                </c:pt>
+                <c:pt idx="123">
+                  <c:v>0</c:v>
+                </c:pt>
+                <c:pt idx="124">
+                  <c:v>0</c:v>
+                </c:pt>
+                <c:pt idx="125">
+                  <c:v>0</c:v>
+                </c:pt>
+                <c:pt idx="126">
+                  <c:v>0</c:v>
+                </c:pt>
+                <c:pt idx="127">
+                  <c:v>0</c:v>
+                </c:pt>
+                <c:pt idx="128">
+                  <c:v>0</c:v>
+                </c:pt>
+                <c:pt idx="129">
+                  <c:v>0</c:v>
+                </c:pt>
+                <c:pt idx="130">
+                  <c:v>0</c:v>
+                </c:pt>
+                <c:pt idx="131">
+                  <c:v>0</c:v>
+                </c:pt>
+                <c:pt idx="132">
+                  <c:v>0</c:v>
+                </c:pt>
+                <c:pt idx="133">
+                  <c:v>0</c:v>
+                </c:pt>
+                <c:pt idx="134">
+                  <c:v>0</c:v>
+                </c:pt>
+                <c:pt idx="135">
+                  <c:v>0</c:v>
+                </c:pt>
+                <c:pt idx="136">
+                  <c:v>0</c:v>
+                </c:pt>
+                <c:pt idx="137">
+                  <c:v>0</c:v>
+                </c:pt>
+                <c:pt idx="138">
+                  <c:v>0</c:v>
+                </c:pt>
+                <c:pt idx="139">
+                  <c:v>0</c:v>
+                </c:pt>
+                <c:pt idx="140">
+                  <c:v>0</c:v>
+                </c:pt>
+                <c:pt idx="141">
+                  <c:v>0</c:v>
+                </c:pt>
+                <c:pt idx="142">
+                  <c:v>0</c:v>
+                </c:pt>
+                <c:pt idx="143">
+                  <c:v>0</c:v>
+                </c:pt>
+                <c:pt idx="144">
+                  <c:v>0</c:v>
+                </c:pt>
+                <c:pt idx="145">
+                  <c:v>0</c:v>
+                </c:pt>
+                <c:pt idx="146">
+                  <c:v>0</c:v>
+                </c:pt>
+                <c:pt idx="147">
+                  <c:v>0</c:v>
+                </c:pt>
+                <c:pt idx="148">
+                  <c:v>0</c:v>
+                </c:pt>
+                <c:pt idx="149">
+                  <c:v>0</c:v>
+                </c:pt>
+                <c:pt idx="150">
+                  <c:v>0</c:v>
+                </c:pt>
+                <c:pt idx="151">
+                  <c:v>0</c:v>
+                </c:pt>
+                <c:pt idx="152">
+                  <c:v>0</c:v>
+                </c:pt>
+                <c:pt idx="153">
+                  <c:v>0</c:v>
+                </c:pt>
+                <c:pt idx="154">
+                  <c:v>0</c:v>
+                </c:pt>
+                <c:pt idx="155">
+                  <c:v>0</c:v>
+                </c:pt>
+                <c:pt idx="156">
+                  <c:v>0</c:v>
+                </c:pt>
+                <c:pt idx="157">
+                  <c:v>0</c:v>
+                </c:pt>
+                <c:pt idx="158">
+                  <c:v>0</c:v>
+                </c:pt>
+                <c:pt idx="159">
+                  <c:v>0</c:v>
+                </c:pt>
+                <c:pt idx="160">
+                  <c:v>0</c:v>
+                </c:pt>
+                <c:pt idx="161">
+                  <c:v>0</c:v>
+                </c:pt>
+                <c:pt idx="162">
+                  <c:v>0</c:v>
+                </c:pt>
+                <c:pt idx="163">
+                  <c:v>0</c:v>
+                </c:pt>
+                <c:pt idx="164">
+                  <c:v>0</c:v>
+                </c:pt>
+                <c:pt idx="165">
+                  <c:v>0</c:v>
+                </c:pt>
+                <c:pt idx="166">
+                  <c:v>0</c:v>
+                </c:pt>
+                <c:pt idx="167">
+                  <c:v>0</c:v>
+                </c:pt>
+                <c:pt idx="168">
+                  <c:v>0</c:v>
+                </c:pt>
+                <c:pt idx="169">
+                  <c:v>0</c:v>
+                </c:pt>
+                <c:pt idx="170">
+                  <c:v>0</c:v>
+                </c:pt>
+                <c:pt idx="171">
+                  <c:v>0</c:v>
+                </c:pt>
+                <c:pt idx="172">
+                  <c:v>0</c:v>
+                </c:pt>
+                <c:pt idx="173">
+                  <c:v>0</c:v>
+                </c:pt>
+                <c:pt idx="174">
+                  <c:v>0</c:v>
+                </c:pt>
+                <c:pt idx="175">
+                  <c:v>0</c:v>
+                </c:pt>
+                <c:pt idx="176">
+                  <c:v>0</c:v>
+                </c:pt>
+                <c:pt idx="177">
+                  <c:v>0</c:v>
+                </c:pt>
+                <c:pt idx="178">
+                  <c:v>0</c:v>
+                </c:pt>
+                <c:pt idx="179">
+                  <c:v>0</c:v>
+                </c:pt>
+                <c:pt idx="180">
+                  <c:v>0</c:v>
+                </c:pt>
+                <c:pt idx="181">
+                  <c:v>0</c:v>
+                </c:pt>
+                <c:pt idx="182">
+                  <c:v>0</c:v>
+                </c:pt>
+                <c:pt idx="183">
+                  <c:v>0</c:v>
+                </c:pt>
+                <c:pt idx="184">
+                  <c:v>0</c:v>
+                </c:pt>
+                <c:pt idx="185">
+                  <c:v>0</c:v>
+                </c:pt>
+                <c:pt idx="186">
+                  <c:v>0</c:v>
+                </c:pt>
+                <c:pt idx="187">
+                  <c:v>0</c:v>
+                </c:pt>
+                <c:pt idx="188">
+                  <c:v>0</c:v>
+                </c:pt>
+                <c:pt idx="189">
+                  <c:v>0</c:v>
+                </c:pt>
+                <c:pt idx="190">
+                  <c:v>0</c:v>
+                </c:pt>
+                <c:pt idx="191">
+                  <c:v>0</c:v>
+                </c:pt>
+                <c:pt idx="192">
+                  <c:v>0</c:v>
+                </c:pt>
+                <c:pt idx="193">
+                  <c:v>0</c:v>
+                </c:pt>
+                <c:pt idx="194">
+                  <c:v>0</c:v>
+                </c:pt>
+                <c:pt idx="195">
+                  <c:v>0</c:v>
+                </c:pt>
+                <c:pt idx="196">
+                  <c:v>0</c:v>
+                </c:pt>
+                <c:pt idx="197">
+                  <c:v>0</c:v>
+                </c:pt>
+                <c:pt idx="198">
+                  <c:v>0</c:v>
+                </c:pt>
+                <c:pt idx="199">
+                  <c:v>0</c:v>
+                </c:pt>
+                <c:pt idx="200">
+                  <c:v>0</c:v>
+                </c:pt>
+                <c:pt idx="201">
+                  <c:v>0</c:v>
+                </c:pt>
+                <c:pt idx="202">
+                  <c:v>0</c:v>
+                </c:pt>
+                <c:pt idx="203">
+                  <c:v>0</c:v>
+                </c:pt>
+                <c:pt idx="204">
+                  <c:v>0</c:v>
+                </c:pt>
+                <c:pt idx="205">
+                  <c:v>0</c:v>
+                </c:pt>
+                <c:pt idx="206">
+                  <c:v>0</c:v>
+                </c:pt>
+                <c:pt idx="207">
+                  <c:v>0</c:v>
+                </c:pt>
+                <c:pt idx="208">
+                  <c:v>0</c:v>
+                </c:pt>
+                <c:pt idx="209">
+                  <c:v>0</c:v>
+                </c:pt>
+                <c:pt idx="210">
+                  <c:v>0</c:v>
+                </c:pt>
+                <c:pt idx="211">
+                  <c:v>0</c:v>
+                </c:pt>
+                <c:pt idx="212">
+                  <c:v>0</c:v>
+                </c:pt>
+                <c:pt idx="213">
+                  <c:v>0</c:v>
+                </c:pt>
+                <c:pt idx="214">
+                  <c:v>0</c:v>
+                </c:pt>
+                <c:pt idx="215">
+                  <c:v>0</c:v>
+                </c:pt>
+                <c:pt idx="216">
+                  <c:v>0</c:v>
+                </c:pt>
+                <c:pt idx="217">
+                  <c:v>0</c:v>
+                </c:pt>
+                <c:pt idx="218">
+                  <c:v>0</c:v>
+                </c:pt>
+                <c:pt idx="219">
+                  <c:v>0</c:v>
+                </c:pt>
+                <c:pt idx="220">
+                  <c:v>0</c:v>
+                </c:pt>
+                <c:pt idx="221">
+                  <c:v>0</c:v>
+                </c:pt>
+                <c:pt idx="222">
+                  <c:v>0</c:v>
+                </c:pt>
+                <c:pt idx="223">
+                  <c:v>0</c:v>
+                </c:pt>
+                <c:pt idx="224">
+                  <c:v>0</c:v>
+                </c:pt>
+                <c:pt idx="225">
+                  <c:v>0</c:v>
+                </c:pt>
+                <c:pt idx="226">
+                  <c:v>0</c:v>
+                </c:pt>
+                <c:pt idx="227">
+                  <c:v>0</c:v>
+                </c:pt>
+                <c:pt idx="228">
+                  <c:v>0</c:v>
+                </c:pt>
+                <c:pt idx="229">
+                  <c:v>0</c:v>
+                </c:pt>
+                <c:pt idx="230">
+                  <c:v>0</c:v>
+                </c:pt>
+                <c:pt idx="231">
+                  <c:v>0</c:v>
+                </c:pt>
+                <c:pt idx="232">
+                  <c:v>0</c:v>
+                </c:pt>
+                <c:pt idx="233">
+                  <c:v>0</c:v>
+                </c:pt>
+                <c:pt idx="234">
+                  <c:v>0</c:v>
+                </c:pt>
+                <c:pt idx="235">
+                  <c:v>0</c:v>
+                </c:pt>
+                <c:pt idx="236">
+                  <c:v>0</c:v>
+                </c:pt>
+                <c:pt idx="237">
+                  <c:v>0</c:v>
+                </c:pt>
+                <c:pt idx="238">
+                  <c:v>0</c:v>
+                </c:pt>
+                <c:pt idx="239">
+                  <c:v>0</c:v>
+                </c:pt>
+                <c:pt idx="240">
+                  <c:v>0</c:v>
+                </c:pt>
+                <c:pt idx="241">
+                  <c:v>0</c:v>
+                </c:pt>
+                <c:pt idx="242">
+                  <c:v>0</c:v>
+                </c:pt>
+                <c:pt idx="243">
+                  <c:v>0</c:v>
+                </c:pt>
+                <c:pt idx="244">
+                  <c:v>0</c:v>
+                </c:pt>
+                <c:pt idx="245">
+                  <c:v>0</c:v>
+                </c:pt>
+                <c:pt idx="246">
+                  <c:v>0</c:v>
+                </c:pt>
+                <c:pt idx="247">
+                  <c:v>0</c:v>
+                </c:pt>
+                <c:pt idx="248">
+                  <c:v>0</c:v>
+                </c:pt>
+                <c:pt idx="249">
+                  <c:v>0</c:v>
+                </c:pt>
+                <c:pt idx="250">
+                  <c:v>0</c:v>
+                </c:pt>
+                <c:pt idx="251">
+                  <c:v>0</c:v>
+                </c:pt>
+                <c:pt idx="252">
+                  <c:v>0</c:v>
+                </c:pt>
+                <c:pt idx="253">
+                  <c:v>0</c:v>
+                </c:pt>
+                <c:pt idx="254">
+                  <c:v>0</c:v>
+                </c:pt>
+                <c:pt idx="255">
+                  <c:v>0</c:v>
+                </c:pt>
+                <c:pt idx="256">
+                  <c:v>0</c:v>
+                </c:pt>
+                <c:pt idx="257">
+                  <c:v>0</c:v>
+                </c:pt>
+                <c:pt idx="258">
+                  <c:v>0</c:v>
+                </c:pt>
+                <c:pt idx="259">
+                  <c:v>0</c:v>
+                </c:pt>
+                <c:pt idx="260">
+                  <c:v>0</c:v>
+                </c:pt>
+                <c:pt idx="261">
+                  <c:v>0</c:v>
+                </c:pt>
+                <c:pt idx="262">
+                  <c:v>0</c:v>
+                </c:pt>
+                <c:pt idx="263">
+                  <c:v>0</c:v>
+                </c:pt>
+                <c:pt idx="264">
+                  <c:v>0</c:v>
+                </c:pt>
+                <c:pt idx="265">
+                  <c:v>0</c:v>
+                </c:pt>
+                <c:pt idx="266">
+                  <c:v>0</c:v>
+                </c:pt>
+                <c:pt idx="267">
+                  <c:v>0</c:v>
+                </c:pt>
+                <c:pt idx="268">
+                  <c:v>0</c:v>
+                </c:pt>
+                <c:pt idx="269">
+                  <c:v>0</c:v>
+                </c:pt>
+                <c:pt idx="270">
+                  <c:v>0</c:v>
+                </c:pt>
+                <c:pt idx="271">
+                  <c:v>0</c:v>
+                </c:pt>
+                <c:pt idx="272">
+                  <c:v>0</c:v>
+                </c:pt>
+                <c:pt idx="273">
+                  <c:v>0</c:v>
+                </c:pt>
+                <c:pt idx="274">
+                  <c:v>0</c:v>
+                </c:pt>
+                <c:pt idx="275">
+                  <c:v>0</c:v>
+                </c:pt>
+                <c:pt idx="276">
+                  <c:v>0</c:v>
+                </c:pt>
+                <c:pt idx="277">
+                  <c:v>0</c:v>
+                </c:pt>
+                <c:pt idx="278">
+                  <c:v>0</c:v>
+                </c:pt>
+                <c:pt idx="279">
+                  <c:v>0</c:v>
+                </c:pt>
+                <c:pt idx="280">
+                  <c:v>0</c:v>
+                </c:pt>
+                <c:pt idx="281">
+                  <c:v>0</c:v>
+                </c:pt>
+                <c:pt idx="282">
+                  <c:v>0</c:v>
+                </c:pt>
+                <c:pt idx="283">
+                  <c:v>0</c:v>
+                </c:pt>
+                <c:pt idx="284">
+                  <c:v>0</c:v>
+                </c:pt>
+                <c:pt idx="285">
+                  <c:v>0</c:v>
+                </c:pt>
+                <c:pt idx="286">
+                  <c:v>0</c:v>
+                </c:pt>
+                <c:pt idx="287">
+                  <c:v>0</c:v>
+                </c:pt>
+                <c:pt idx="288">
+                  <c:v>0</c:v>
+                </c:pt>
+                <c:pt idx="289">
+                  <c:v>0</c:v>
+                </c:pt>
+                <c:pt idx="290">
+                  <c:v>0</c:v>
+                </c:pt>
+                <c:pt idx="291">
+                  <c:v>0</c:v>
+                </c:pt>
+                <c:pt idx="292">
+                  <c:v>0</c:v>
+                </c:pt>
+                <c:pt idx="293">
+                  <c:v>0</c:v>
+                </c:pt>
+                <c:pt idx="294">
+                  <c:v>0</c:v>
+                </c:pt>
+                <c:pt idx="295">
+                  <c:v>0</c:v>
+                </c:pt>
+                <c:pt idx="296">
+                  <c:v>0</c:v>
+                </c:pt>
+                <c:pt idx="297">
+                  <c:v>0</c:v>
+                </c:pt>
+                <c:pt idx="298">
+                  <c:v>0</c:v>
+                </c:pt>
+                <c:pt idx="299">
+                  <c:v>0</c:v>
+                </c:pt>
+                <c:pt idx="300">
+                  <c:v>0</c:v>
+                </c:pt>
+                <c:pt idx="301">
+                  <c:v>0</c:v>
+                </c:pt>
+                <c:pt idx="302">
+                  <c:v>0</c:v>
+                </c:pt>
+                <c:pt idx="303">
+                  <c:v>0</c:v>
+                </c:pt>
+                <c:pt idx="304">
+                  <c:v>0</c:v>
+                </c:pt>
+                <c:pt idx="305">
+                  <c:v>0</c:v>
+                </c:pt>
+                <c:pt idx="306">
+                  <c:v>0</c:v>
+                </c:pt>
+                <c:pt idx="307">
+                  <c:v>0</c:v>
+                </c:pt>
+                <c:pt idx="308">
+                  <c:v>0</c:v>
+                </c:pt>
+                <c:pt idx="309">
+                  <c:v>0</c:v>
+                </c:pt>
+                <c:pt idx="310">
+                  <c:v>0</c:v>
+                </c:pt>
+                <c:pt idx="311">
+                  <c:v>0</c:v>
+                </c:pt>
+                <c:pt idx="312">
+                  <c:v>0</c:v>
+                </c:pt>
+                <c:pt idx="313">
+                  <c:v>0</c:v>
+                </c:pt>
+                <c:pt idx="314">
+                  <c:v>0</c:v>
+                </c:pt>
+                <c:pt idx="315">
+                  <c:v>0</c:v>
+                </c:pt>
+                <c:pt idx="316">
+                  <c:v>0</c:v>
+                </c:pt>
+                <c:pt idx="317">
+                  <c:v>0</c:v>
+                </c:pt>
+                <c:pt idx="318">
+                  <c:v>0</c:v>
+                </c:pt>
+                <c:pt idx="319">
+                  <c:v>0</c:v>
+                </c:pt>
+                <c:pt idx="320">
+                  <c:v>0</c:v>
+                </c:pt>
+                <c:pt idx="321">
+                  <c:v>0</c:v>
+                </c:pt>
+                <c:pt idx="322">
+                  <c:v>0</c:v>
+                </c:pt>
+                <c:pt idx="323">
+                  <c:v>0</c:v>
+                </c:pt>
+                <c:pt idx="324">
+                  <c:v>0</c:v>
+                </c:pt>
+                <c:pt idx="325">
+                  <c:v>0</c:v>
+                </c:pt>
+                <c:pt idx="326">
+                  <c:v>0</c:v>
+                </c:pt>
+                <c:pt idx="327">
+                  <c:v>0</c:v>
+                </c:pt>
+                <c:pt idx="328">
+                  <c:v>0</c:v>
+                </c:pt>
+                <c:pt idx="329">
+                  <c:v>0</c:v>
+                </c:pt>
+                <c:pt idx="330">
+                  <c:v>0</c:v>
+                </c:pt>
+                <c:pt idx="331">
+                  <c:v>0</c:v>
+                </c:pt>
+                <c:pt idx="332">
+                  <c:v>0</c:v>
+                </c:pt>
+                <c:pt idx="333">
+                  <c:v>0</c:v>
+                </c:pt>
+                <c:pt idx="334">
+                  <c:v>0</c:v>
+                </c:pt>
+                <c:pt idx="335">
+                  <c:v>0</c:v>
+                </c:pt>
+                <c:pt idx="336">
+                  <c:v>0</c:v>
+                </c:pt>
+                <c:pt idx="337">
+                  <c:v>0</c:v>
+                </c:pt>
+                <c:pt idx="338">
+                  <c:v>0</c:v>
+                </c:pt>
+                <c:pt idx="339">
+                  <c:v>0</c:v>
+                </c:pt>
+                <c:pt idx="340">
+                  <c:v>0</c:v>
+                </c:pt>
+                <c:pt idx="341">
+                  <c:v>0</c:v>
+                </c:pt>
+                <c:pt idx="342">
+                  <c:v>0</c:v>
+                </c:pt>
+                <c:pt idx="343">
+                  <c:v>0</c:v>
+                </c:pt>
+                <c:pt idx="344">
+                  <c:v>0</c:v>
+                </c:pt>
+                <c:pt idx="345">
+                  <c:v>0</c:v>
+                </c:pt>
+                <c:pt idx="346">
+                  <c:v>0</c:v>
+                </c:pt>
+                <c:pt idx="347">
+                  <c:v>0</c:v>
+                </c:pt>
+                <c:pt idx="348">
+                  <c:v>0</c:v>
+                </c:pt>
+                <c:pt idx="349">
+                  <c:v>0</c:v>
+                </c:pt>
+                <c:pt idx="350">
+                  <c:v>0</c:v>
+                </c:pt>
+                <c:pt idx="351">
+                  <c:v>0</c:v>
+                </c:pt>
+                <c:pt idx="352">
+                  <c:v>0</c:v>
+                </c:pt>
+                <c:pt idx="353">
+                  <c:v>0</c:v>
+                </c:pt>
+                <c:pt idx="354">
+                  <c:v>0</c:v>
+                </c:pt>
+                <c:pt idx="355">
+                  <c:v>0</c:v>
+                </c:pt>
+                <c:pt idx="356">
+                  <c:v>0</c:v>
+                </c:pt>
+                <c:pt idx="357">
+                  <c:v>0</c:v>
+                </c:pt>
+                <c:pt idx="358">
+                  <c:v>0</c:v>
+                </c:pt>
+                <c:pt idx="359">
+                  <c:v>0</c:v>
+                </c:pt>
+                <c:pt idx="360">
+                  <c:v>0</c:v>
+                </c:pt>
+                <c:pt idx="361">
+                  <c:v>0</c:v>
+                </c:pt>
+                <c:pt idx="362">
+                  <c:v>0</c:v>
+                </c:pt>
+                <c:pt idx="363">
+                  <c:v>0</c:v>
+                </c:pt>
+                <c:pt idx="364">
+                  <c:v>0</c:v>
+                </c:pt>
+                <c:pt idx="365">
+                  <c:v>2.1600000000000001E-2</c:v>
+                </c:pt>
+                <c:pt idx="366">
+                  <c:v>4.4200000000000003E-2</c:v>
+                </c:pt>
+                <c:pt idx="367">
+                  <c:v>2.3199999999999998E-2</c:v>
+                </c:pt>
+                <c:pt idx="368">
+                  <c:v>3.1199999999999999E-2</c:v>
+                </c:pt>
+                <c:pt idx="369">
+                  <c:v>3.44E-2</c:v>
+                </c:pt>
+                <c:pt idx="370">
+                  <c:v>2.5600000000000001E-2</c:v>
+                </c:pt>
+                <c:pt idx="371">
+                  <c:v>2.5100000000000001E-2</c:v>
+                </c:pt>
+                <c:pt idx="372">
+                  <c:v>2.18E-2</c:v>
+                </c:pt>
+                <c:pt idx="373">
+                  <c:v>2.3699999999999999E-2</c:v>
+                </c:pt>
+                <c:pt idx="374">
+                  <c:v>2.6100000000000002E-2</c:v>
+                </c:pt>
+                <c:pt idx="375">
+                  <c:v>1.5800000000000002E-2</c:v>
+                </c:pt>
+                <c:pt idx="376">
+                  <c:v>2.3199999999999998E-2</c:v>
+                </c:pt>
+                <c:pt idx="377">
+                  <c:v>1.8599999999999998E-2</c:v>
+                </c:pt>
+                <c:pt idx="378">
+                  <c:v>3.2300000000000002E-2</c:v>
+                </c:pt>
+                <c:pt idx="379">
+                  <c:v>1.7500000000000002E-2</c:v>
+                </c:pt>
+                <c:pt idx="380">
+                  <c:v>2.64E-2</c:v>
+                </c:pt>
+                <c:pt idx="381">
+                  <c:v>2.46E-2</c:v>
+                </c:pt>
+                <c:pt idx="382">
+                  <c:v>2.4E-2</c:v>
+                </c:pt>
+                <c:pt idx="383">
+                  <c:v>2.5000000000000001E-2</c:v>
+                </c:pt>
+                <c:pt idx="384">
+                  <c:v>2.86E-2</c:v>
+                </c:pt>
+                <c:pt idx="385">
+                  <c:v>2.06E-2</c:v>
+                </c:pt>
+                <c:pt idx="386">
+                  <c:v>3.4000000000000002E-2</c:v>
+                </c:pt>
+                <c:pt idx="387">
+                  <c:v>2.63E-2</c:v>
+                </c:pt>
+                <c:pt idx="388">
+                  <c:v>1.7899999999999999E-2</c:v>
+                </c:pt>
+                <c:pt idx="389">
+                  <c:v>0.55189999999999995</c:v>
+                </c:pt>
+                <c:pt idx="390">
+                  <c:v>3.2000000000000001E-2</c:v>
+                </c:pt>
+                <c:pt idx="391">
+                  <c:v>3.56E-2</c:v>
+                </c:pt>
+                <c:pt idx="392">
+                  <c:v>7.5800000000000006E-2</c:v>
+                </c:pt>
+                <c:pt idx="393">
+                  <c:v>3.3599999999999998E-2</c:v>
+                </c:pt>
+                <c:pt idx="394">
+                  <c:v>2.4899999999999999E-2</c:v>
+                </c:pt>
+                <c:pt idx="395">
+                  <c:v>2.5600000000000001E-2</c:v>
+                </c:pt>
+                <c:pt idx="396">
+                  <c:v>3.2899999999999999E-2</c:v>
+                </c:pt>
+                <c:pt idx="397">
+                  <c:v>3.32E-2</c:v>
+                </c:pt>
+                <c:pt idx="398">
+                  <c:v>3.0700000000000002E-2</c:v>
+                </c:pt>
+                <c:pt idx="399">
+                  <c:v>3.0599999999999999E-2</c:v>
+                </c:pt>
+                <c:pt idx="400">
+                  <c:v>2.3E-2</c:v>
+                </c:pt>
+                <c:pt idx="401">
+                  <c:v>1.9099999999999999E-2</c:v>
+                </c:pt>
+                <c:pt idx="402">
+                  <c:v>4.4499999999999998E-2</c:v>
+                </c:pt>
+                <c:pt idx="403">
+                  <c:v>2.9499999999999998E-2</c:v>
+                </c:pt>
+                <c:pt idx="404">
+                  <c:v>2.76E-2</c:v>
+                </c:pt>
+                <c:pt idx="405">
+                  <c:v>2.3800000000000002E-2</c:v>
+                </c:pt>
+                <c:pt idx="406">
+                  <c:v>3.39E-2</c:v>
+                </c:pt>
+                <c:pt idx="407">
+                  <c:v>2.23E-2</c:v>
+                </c:pt>
+                <c:pt idx="408">
+                  <c:v>2.41E-2</c:v>
+                </c:pt>
+                <c:pt idx="409">
+                  <c:v>2.4500000000000001E-2</c:v>
+                </c:pt>
+                <c:pt idx="410">
+                  <c:v>2.3599999999999999E-2</c:v>
+                </c:pt>
+                <c:pt idx="411">
+                  <c:v>4.3400000000000001E-2</c:v>
+                </c:pt>
+                <c:pt idx="412">
+                  <c:v>4.5699999999999998E-2</c:v>
+                </c:pt>
+                <c:pt idx="413">
+                  <c:v>6.5000000000000002E-2</c:v>
+                </c:pt>
+                <c:pt idx="414">
+                  <c:v>5.45E-2</c:v>
+                </c:pt>
+                <c:pt idx="415">
+                  <c:v>2.52E-2</c:v>
+                </c:pt>
+                <c:pt idx="416">
+                  <c:v>3.9100000000000003E-2</c:v>
+                </c:pt>
+                <c:pt idx="417">
+                  <c:v>0.91439999999999999</c:v>
+                </c:pt>
+                <c:pt idx="418">
+                  <c:v>6.9900000000000004E-2</c:v>
+                </c:pt>
+                <c:pt idx="419">
+                  <c:v>0.35289999999999999</c:v>
+                </c:pt>
+                <c:pt idx="420">
+                  <c:v>0.3906</c:v>
+                </c:pt>
+                <c:pt idx="421">
+                  <c:v>0.42220000000000002</c:v>
+                </c:pt>
+                <c:pt idx="422">
+                  <c:v>0.625</c:v>
                 </c:pt>
               </c:numCache>
             </c:numRef>
@@ -2702,11 +6596,11 @@
           <c:showBubbleSize val="0"/>
         </c:dLbls>
         <c:smooth val="0"/>
-        <c:axId val="131402360"/>
-        <c:axId val="131400792"/>
+        <c:axId val="221215000"/>
+        <c:axId val="221214216"/>
       </c:lineChart>
       <c:dateAx>
-        <c:axId val="131402360"/>
+        <c:axId val="221215000"/>
         <c:scaling>
           <c:orientation val="minMax"/>
         </c:scaling>
@@ -2749,14 +6643,14 @@
             <a:endParaRPr lang="ru-RU"/>
           </a:p>
         </c:txPr>
-        <c:crossAx val="131400792"/>
+        <c:crossAx val="221214216"/>
         <c:crosses val="autoZero"/>
         <c:auto val="1"/>
         <c:lblOffset val="100"/>
         <c:baseTimeUnit val="days"/>
       </c:dateAx>
       <c:valAx>
-        <c:axId val="131400792"/>
+        <c:axId val="221214216"/>
         <c:scaling>
           <c:orientation val="minMax"/>
         </c:scaling>
@@ -2807,7 +6701,7 @@
             <a:endParaRPr lang="ru-RU"/>
           </a:p>
         </c:txPr>
-        <c:crossAx val="131402360"/>
+        <c:crossAx val="221215000"/>
         <c:crosses val="autoZero"/>
         <c:crossBetween val="between"/>
       </c:valAx>
@@ -4557,7 +8451,7 @@
           <a:p>
             <a:fld id="{7B8787E8-D10E-40B3-831A-FC45E03B2FB5}" type="datetimeFigureOut">
               <a:rPr lang="ru-RU" smtClean="0"/>
-              <a:t>09.05.2019</a:t>
+              <a:t>16.05.2019</a:t>
             </a:fld>
             <a:endParaRPr lang="ru-RU"/>
           </a:p>
@@ -5040,7 +8934,7 @@
           <a:p>
             <a:fld id="{44A8FFB6-6780-485B-8252-3026A2AE83FC}" type="datetimeFigureOut">
               <a:rPr lang="ru-RU" smtClean="0"/>
-              <a:t>09.05.2019</a:t>
+              <a:t>16.05.2019</a:t>
             </a:fld>
             <a:endParaRPr lang="ru-RU"/>
           </a:p>
@@ -5210,7 +9104,7 @@
           <a:p>
             <a:fld id="{44A8FFB6-6780-485B-8252-3026A2AE83FC}" type="datetimeFigureOut">
               <a:rPr lang="ru-RU" smtClean="0"/>
-              <a:t>09.05.2019</a:t>
+              <a:t>16.05.2019</a:t>
             </a:fld>
             <a:endParaRPr lang="ru-RU"/>
           </a:p>
@@ -5390,7 +9284,7 @@
           <a:p>
             <a:fld id="{44A8FFB6-6780-485B-8252-3026A2AE83FC}" type="datetimeFigureOut">
               <a:rPr lang="ru-RU" smtClean="0"/>
-              <a:t>09.05.2019</a:t>
+              <a:t>16.05.2019</a:t>
             </a:fld>
             <a:endParaRPr lang="ru-RU"/>
           </a:p>
@@ -5560,7 +9454,7 @@
           <a:p>
             <a:fld id="{44A8FFB6-6780-485B-8252-3026A2AE83FC}" type="datetimeFigureOut">
               <a:rPr lang="ru-RU" smtClean="0"/>
-              <a:t>09.05.2019</a:t>
+              <a:t>16.05.2019</a:t>
             </a:fld>
             <a:endParaRPr lang="ru-RU"/>
           </a:p>
@@ -5806,7 +9700,7 @@
           <a:p>
             <a:fld id="{44A8FFB6-6780-485B-8252-3026A2AE83FC}" type="datetimeFigureOut">
               <a:rPr lang="ru-RU" smtClean="0"/>
-              <a:t>09.05.2019</a:t>
+              <a:t>16.05.2019</a:t>
             </a:fld>
             <a:endParaRPr lang="ru-RU"/>
           </a:p>
@@ -6038,7 +9932,7 @@
           <a:p>
             <a:fld id="{44A8FFB6-6780-485B-8252-3026A2AE83FC}" type="datetimeFigureOut">
               <a:rPr lang="ru-RU" smtClean="0"/>
-              <a:t>09.05.2019</a:t>
+              <a:t>16.05.2019</a:t>
             </a:fld>
             <a:endParaRPr lang="ru-RU"/>
           </a:p>
@@ -6405,7 +10299,7 @@
           <a:p>
             <a:fld id="{44A8FFB6-6780-485B-8252-3026A2AE83FC}" type="datetimeFigureOut">
               <a:rPr lang="ru-RU" smtClean="0"/>
-              <a:t>09.05.2019</a:t>
+              <a:t>16.05.2019</a:t>
             </a:fld>
             <a:endParaRPr lang="ru-RU"/>
           </a:p>
@@ -6523,7 +10417,7 @@
           <a:p>
             <a:fld id="{44A8FFB6-6780-485B-8252-3026A2AE83FC}" type="datetimeFigureOut">
               <a:rPr lang="ru-RU" smtClean="0"/>
-              <a:t>09.05.2019</a:t>
+              <a:t>16.05.2019</a:t>
             </a:fld>
             <a:endParaRPr lang="ru-RU"/>
           </a:p>
@@ -6618,7 +10512,7 @@
           <a:p>
             <a:fld id="{44A8FFB6-6780-485B-8252-3026A2AE83FC}" type="datetimeFigureOut">
               <a:rPr lang="ru-RU" smtClean="0"/>
-              <a:t>09.05.2019</a:t>
+              <a:t>16.05.2019</a:t>
             </a:fld>
             <a:endParaRPr lang="ru-RU"/>
           </a:p>
@@ -6895,7 +10789,7 @@
           <a:p>
             <a:fld id="{44A8FFB6-6780-485B-8252-3026A2AE83FC}" type="datetimeFigureOut">
               <a:rPr lang="ru-RU" smtClean="0"/>
-              <a:t>09.05.2019</a:t>
+              <a:t>16.05.2019</a:t>
             </a:fld>
             <a:endParaRPr lang="ru-RU"/>
           </a:p>
@@ -7148,7 +11042,7 @@
           <a:p>
             <a:fld id="{44A8FFB6-6780-485B-8252-3026A2AE83FC}" type="datetimeFigureOut">
               <a:rPr lang="ru-RU" smtClean="0"/>
-              <a:t>09.05.2019</a:t>
+              <a:t>16.05.2019</a:t>
             </a:fld>
             <a:endParaRPr lang="ru-RU"/>
           </a:p>
@@ -7361,7 +11255,7 @@
           <a:p>
             <a:fld id="{44A8FFB6-6780-485B-8252-3026A2AE83FC}" type="datetimeFigureOut">
               <a:rPr lang="ru-RU" smtClean="0"/>
-              <a:t>09.05.2019</a:t>
+              <a:t>16.05.2019</a:t>
             </a:fld>
             <a:endParaRPr lang="ru-RU"/>
           </a:p>
@@ -8218,33 +12112,44 @@
         </p:spPr>
         <p:txBody>
           <a:bodyPr>
-            <a:normAutofit/>
+            <a:normAutofit fontScale="90000"/>
           </a:bodyPr>
           <a:lstStyle/>
           <a:p>
             <a:r>
-              <a:rPr lang="en-US" sz="4800" i="1" dirty="0">
+              <a:rPr lang="en-US" sz="4800" i="1" dirty="0" smtClean="0">
                 <a:latin typeface="Bahnschrift SemiBold SemiConden" panose="020B0502040204020203" pitchFamily="34" charset="0"/>
               </a:rPr>
-              <a:t>P</a:t>
+              <a:t>PPU </a:t>
             </a:r>
             <a:r>
               <a:rPr lang="en-US" sz="4800" i="1" dirty="0" smtClean="0">
                 <a:latin typeface="Bahnschrift SemiBold SemiConden" panose="020B0502040204020203" pitchFamily="34" charset="0"/>
               </a:rPr>
-              <a:t>U – </a:t>
+              <a:t>– </a:t>
+            </a:r>
+            <a:r>
+              <a:rPr lang="en-US" sz="4800" i="1" dirty="0">
+                <a:latin typeface="Bahnschrift SemiBold SemiConden" panose="020B0502040204020203" pitchFamily="34" charset="0"/>
+              </a:rPr>
+              <a:t>Percentage of Paying </a:t>
             </a:r>
             <a:r>
               <a:rPr lang="en-US" sz="4800" i="1" dirty="0" smtClean="0">
                 <a:latin typeface="Bahnschrift SemiBold SemiConden" panose="020B0502040204020203" pitchFamily="34" charset="0"/>
               </a:rPr>
-              <a:t>Paying </a:t>
+              <a:t/>
             </a:r>
+            <a:br>
+              <a:rPr lang="en-US" sz="4800" i="1" dirty="0" smtClean="0">
+                <a:latin typeface="Bahnschrift SemiBold SemiConden" panose="020B0502040204020203" pitchFamily="34" charset="0"/>
+              </a:rPr>
+            </a:br>
             <a:r>
               <a:rPr lang="en-US" sz="4800" i="1" dirty="0" smtClean="0">
                 <a:latin typeface="Bahnschrift SemiBold SemiConden" panose="020B0502040204020203" pitchFamily="34" charset="0"/>
               </a:rPr>
-              <a:t>Users</a:t>
+              <a:t>Users </a:t>
             </a:r>
             <a:endParaRPr lang="ru-RU" sz="4800" i="1" dirty="0">
               <a:latin typeface="Bahnschrift SemiBold SemiConden" panose="020B0502040204020203" pitchFamily="34" charset="0"/>
@@ -8369,7 +12274,7 @@
       </p:cxnSp>
       <p:sp>
         <p:nvSpPr>
-          <p:cNvPr id="9" name="Подзаголовок 2"/>
+          <p:cNvPr id="8" name="Подзаголовок 2"/>
           <p:cNvSpPr txBox="1">
             <a:spLocks/>
           </p:cNvSpPr>
@@ -8584,13 +12489,13 @@
               </a:ext>
             </a:extLst>
           </a:blip>
-          <a:srcRect l="2440" t="3157" r="1" b="49796"/>
+          <a:srcRect l="14222" t="62390" r="28962" b="25786"/>
           <a:stretch/>
         </p:blipFill>
         <p:spPr>
           <a:xfrm>
-            <a:off x="1519744" y="2453639"/>
-            <a:ext cx="9193152" cy="1249681"/>
+            <a:off x="2632493" y="2242869"/>
+            <a:ext cx="6927013" cy="810883"/>
           </a:xfrm>
           <a:prstGeom prst="rect">
             <a:avLst/>
@@ -8606,20 +12511,20 @@
           <p:nvPr/>
         </p:nvPicPr>
         <p:blipFill rotWithShape="1">
-          <a:blip r:embed="rId4">
+          <a:blip r:embed="rId5">
             <a:extLst>
               <a:ext uri="{28A0092B-C50C-407E-A947-70E740481C1C}">
                 <a14:useLocalDpi xmlns:a14="http://schemas.microsoft.com/office/drawing/2010/main" val="0"/>
               </a:ext>
             </a:extLst>
           </a:blip>
-          <a:srcRect l="268" t="59937" r="478" b="7212"/>
+          <a:srcRect l="14009" t="52829" r="37737" b="15723"/>
           <a:stretch/>
         </p:blipFill>
         <p:spPr>
           <a:xfrm>
-            <a:off x="1629990" y="4561841"/>
-            <a:ext cx="8820626" cy="822960"/>
+            <a:off x="2401341" y="3217653"/>
+            <a:ext cx="7389316" cy="2708694"/>
           </a:xfrm>
           <a:prstGeom prst="rect">
             <a:avLst/>
@@ -8629,7 +12534,7 @@
     </p:spTree>
     <p:extLst>
       <p:ext uri="{BB962C8B-B14F-4D97-AF65-F5344CB8AC3E}">
-        <p14:creationId xmlns:p14="http://schemas.microsoft.com/office/powerpoint/2010/main" val="974527689"/>
+        <p14:creationId xmlns:p14="http://schemas.microsoft.com/office/powerpoint/2010/main" val="399736613"/>
       </p:ext>
     </p:extLst>
   </p:cSld>
@@ -8674,7 +12579,7 @@
         </p:spPr>
         <p:txBody>
           <a:bodyPr>
-            <a:normAutofit/>
+            <a:normAutofit fontScale="90000"/>
           </a:bodyPr>
           <a:lstStyle/>
           <a:p>
@@ -8682,13 +12587,18 @@
               <a:rPr lang="en-US" sz="4800" i="1" dirty="0">
                 <a:latin typeface="Bahnschrift SemiBold SemiConden" panose="020B0502040204020203" pitchFamily="34" charset="0"/>
               </a:rPr>
-              <a:t>P</a:t>
+              <a:t>PPU – Percentage of Paying </a:t>
             </a:r>
-            <a:r>
-              <a:rPr lang="en-US" sz="4800" i="1" dirty="0" smtClean="0">
+            <a:br>
+              <a:rPr lang="en-US" sz="4800" i="1" dirty="0">
                 <a:latin typeface="Bahnschrift SemiBold SemiConden" panose="020B0502040204020203" pitchFamily="34" charset="0"/>
               </a:rPr>
-              <a:t>U – Paying Users</a:t>
+            </a:br>
+            <a:r>
+              <a:rPr lang="en-US" sz="4800" i="1" dirty="0">
+                <a:latin typeface="Bahnschrift SemiBold SemiConden" panose="020B0502040204020203" pitchFamily="34" charset="0"/>
+              </a:rPr>
+              <a:t>Users </a:t>
             </a:r>
             <a:endParaRPr lang="ru-RU" sz="4800" i="1" dirty="0">
               <a:latin typeface="Bahnschrift SemiBold SemiConden" panose="020B0502040204020203" pitchFamily="34" charset="0"/>
@@ -8811,30 +12721,6 @@
           </a:fontRef>
         </p:style>
       </p:cxnSp>
-      <p:graphicFrame>
-        <p:nvGraphicFramePr>
-          <p:cNvPr id="10" name="Диаграмма 9"/>
-          <p:cNvGraphicFramePr>
-            <a:graphicFrameLocks/>
-          </p:cNvGraphicFramePr>
-          <p:nvPr>
-            <p:extLst>
-              <p:ext uri="{D42A27DB-BD31-4B8C-83A1-F6EECF244321}">
-                <p14:modId xmlns:p14="http://schemas.microsoft.com/office/powerpoint/2010/main" val="3768954496"/>
-              </p:ext>
-            </p:extLst>
-          </p:nvPr>
-        </p:nvGraphicFramePr>
-        <p:xfrm>
-          <a:off x="1554480" y="1757680"/>
-          <a:ext cx="9083040" cy="4763770"/>
-        </p:xfrm>
-        <a:graphic>
-          <a:graphicData uri="http://schemas.openxmlformats.org/drawingml/2006/chart">
-            <c:chart xmlns:c="http://schemas.openxmlformats.org/drawingml/2006/chart" xmlns:r="http://schemas.openxmlformats.org/officeDocument/2006/relationships" r:id="rId4"/>
-          </a:graphicData>
-        </a:graphic>
-      </p:graphicFrame>
       <p:sp>
         <p:nvSpPr>
           <p:cNvPr id="8" name="Подзаголовок 2"/>
@@ -9036,6 +12922,30 @@
           </a:p>
         </p:txBody>
       </p:sp>
+      <p:graphicFrame>
+        <p:nvGraphicFramePr>
+          <p:cNvPr id="9" name="Диаграмма 8"/>
+          <p:cNvGraphicFramePr>
+            <a:graphicFrameLocks/>
+          </p:cNvGraphicFramePr>
+          <p:nvPr>
+            <p:extLst>
+              <p:ext uri="{D42A27DB-BD31-4B8C-83A1-F6EECF244321}">
+                <p14:modId xmlns:p14="http://schemas.microsoft.com/office/powerpoint/2010/main" val="247826791"/>
+              </p:ext>
+            </p:extLst>
+          </p:nvPr>
+        </p:nvGraphicFramePr>
+        <p:xfrm>
+          <a:off x="1647645" y="1768416"/>
+          <a:ext cx="8896710" cy="4718530"/>
+        </p:xfrm>
+        <a:graphic>
+          <a:graphicData uri="http://schemas.openxmlformats.org/drawingml/2006/chart">
+            <c:chart xmlns:c="http://schemas.openxmlformats.org/drawingml/2006/chart" xmlns:r="http://schemas.openxmlformats.org/officeDocument/2006/relationships" r:id="rId4"/>
+          </a:graphicData>
+        </a:graphic>
+      </p:graphicFrame>
     </p:spTree>
     <p:extLst>
       <p:ext uri="{BB962C8B-B14F-4D97-AF65-F5344CB8AC3E}">
@@ -9927,9 +13837,6 @@
               </a:rPr>
               <a:t>3</a:t>
             </a:r>
-            <a:endParaRPr lang="ru-RU" sz="2600" i="1" dirty="0">
-              <a:latin typeface="Bahnschrift SemiLight SemiConde" panose="020B0502040204020203" pitchFamily="34" charset="0"/>
-            </a:endParaRPr>
           </a:p>
         </p:txBody>
       </p:sp>
@@ -10134,9 +14041,6 @@
               </a:rPr>
               <a:t> продажи билетов на этапы чемпионата мира «Формула 1»</a:t>
             </a:r>
-            <a:endParaRPr lang="ru-RU" sz="4800" i="1" dirty="0">
-              <a:latin typeface="Bahnschrift SemiBold SemiConden" panose="020B0502040204020203" pitchFamily="34" charset="0"/>
-            </a:endParaRPr>
           </a:p>
         </p:txBody>
       </p:sp>
@@ -10613,13 +14517,7 @@
               <a:rPr lang="en-US" sz="3200" i="1" dirty="0" smtClean="0">
                 <a:latin typeface="Bahnschrift SemiLight SemiConde" panose="020B0502040204020203" pitchFamily="34" charset="0"/>
               </a:rPr>
-              <a:t>: </a:t>
-            </a:r>
-            <a:r>
-              <a:rPr lang="en-US" sz="3200" i="1" dirty="0" smtClean="0">
-                <a:latin typeface="Bahnschrift SemiLight SemiConde" panose="020B0502040204020203" pitchFamily="34" charset="0"/>
-              </a:rPr>
-              <a:t>c</a:t>
+              <a:t>: c</a:t>
             </a:r>
             <a:r>
               <a:rPr lang="ru-RU" sz="3200" i="1" dirty="0" err="1" smtClean="0">
@@ -10631,13 +14529,7 @@
               <a:rPr lang="ru-RU" sz="3200" i="1" dirty="0" smtClean="0">
                 <a:latin typeface="Bahnschrift SemiLight SemiConde" panose="020B0502040204020203" pitchFamily="34" charset="0"/>
               </a:rPr>
-              <a:t> </a:t>
-            </a:r>
-            <a:r>
-              <a:rPr lang="ru-RU" sz="3200" i="1" dirty="0" smtClean="0">
-                <a:latin typeface="Bahnschrift SemiLight SemiConde" panose="020B0502040204020203" pitchFamily="34" charset="0"/>
-              </a:rPr>
-              <a:t>продажи билетов</a:t>
+              <a:t> продажи билетов</a:t>
             </a:r>
             <a:endParaRPr lang="ru-RU" sz="3200" i="1" dirty="0">
               <a:latin typeface="Bahnschrift SemiLight SemiConde" panose="020B0502040204020203" pitchFamily="34" charset="0"/>
@@ -11654,25 +15546,13 @@
               <a:rPr lang="ru-RU" sz="3200" i="1" dirty="0" smtClean="0">
                 <a:latin typeface="Bahnschrift SemiLight SemiConde" panose="020B0502040204020203" pitchFamily="34" charset="0"/>
               </a:rPr>
-              <a:t>Что означает поле </a:t>
-            </a:r>
-            <a:r>
-              <a:rPr lang="ru-RU" sz="3200" i="1" dirty="0" err="1" smtClean="0">
-                <a:latin typeface="Bahnschrift SemiLight SemiConde" panose="020B0502040204020203" pitchFamily="34" charset="0"/>
-              </a:rPr>
-              <a:t>parent_id</a:t>
+              <a:t>Можно </a:t>
             </a:r>
             <a:r>
               <a:rPr lang="ru-RU" sz="3200" i="1" dirty="0" smtClean="0">
                 <a:latin typeface="Bahnschrift SemiLight SemiConde" panose="020B0502040204020203" pitchFamily="34" charset="0"/>
               </a:rPr>
-              <a:t> в таблице </a:t>
-            </a:r>
-            <a:r>
-              <a:rPr lang="ru-RU" sz="3200" i="1" dirty="0" err="1" smtClean="0">
-                <a:latin typeface="Bahnschrift SemiLight SemiConde" panose="020B0502040204020203" pitchFamily="34" charset="0"/>
-              </a:rPr>
-              <a:t>visitors</a:t>
+              <a:t>ли одним платежом закрывать несколько билетов</a:t>
             </a:r>
             <a:r>
               <a:rPr lang="ru-RU" sz="3200" i="1" dirty="0" smtClean="0">
@@ -11680,14 +15560,20 @@
               </a:rPr>
               <a:t>?</a:t>
             </a:r>
+            <a:endParaRPr lang="en-US" sz="3200" i="1" dirty="0" smtClean="0">
+              <a:latin typeface="Bahnschrift SemiLight SemiConde" panose="020B0502040204020203" pitchFamily="34" charset="0"/>
+            </a:endParaRPr>
           </a:p>
           <a:p>
             <a:r>
-              <a:rPr lang="ru-RU" sz="3200" i="1" dirty="0" smtClean="0">
+              <a:rPr lang="en-US" sz="3200" i="1" dirty="0" smtClean="0">
                 <a:latin typeface="Bahnschrift SemiLight SemiConde" panose="020B0502040204020203" pitchFamily="34" charset="0"/>
               </a:rPr>
-              <a:t>Можно ли одним платежом закрывать несколько билетов?</a:t>
+              <a:t>Sessions</a:t>
             </a:r>
+            <a:endParaRPr lang="ru-RU" sz="3200" i="1" dirty="0" smtClean="0">
+              <a:latin typeface="Bahnschrift SemiLight SemiConde" panose="020B0502040204020203" pitchFamily="34" charset="0"/>
+            </a:endParaRPr>
           </a:p>
         </p:txBody>
       </p:sp>
@@ -11806,35 +15692,6 @@
           </a:fontRef>
         </p:style>
       </p:cxnSp>
-      <p:pic>
-        <p:nvPicPr>
-          <p:cNvPr id="4" name="Рисунок 3"/>
-          <p:cNvPicPr>
-            <a:picLocks noChangeAspect="1"/>
-          </p:cNvPicPr>
-          <p:nvPr/>
-        </p:nvPicPr>
-        <p:blipFill rotWithShape="1">
-          <a:blip r:embed="rId4">
-            <a:extLst>
-              <a:ext uri="{28A0092B-C50C-407E-A947-70E740481C1C}">
-                <a14:useLocalDpi xmlns:a14="http://schemas.microsoft.com/office/drawing/2010/main" val="0"/>
-              </a:ext>
-            </a:extLst>
-          </a:blip>
-          <a:srcRect t="2652"/>
-          <a:stretch/>
-        </p:blipFill>
-        <p:spPr>
-          <a:xfrm>
-            <a:off x="329934" y="1635760"/>
-            <a:ext cx="5261972" cy="5222240"/>
-          </a:xfrm>
-          <a:prstGeom prst="rect">
-            <a:avLst/>
-          </a:prstGeom>
-        </p:spPr>
-      </p:pic>
       <p:sp>
         <p:nvSpPr>
           <p:cNvPr id="9" name="Подзаголовок 2"/>
@@ -12044,7 +15901,7 @@
         </p:nvSpPr>
         <p:spPr>
           <a:xfrm>
-            <a:off x="11286132" y="3169920"/>
+            <a:off x="11225748" y="3169920"/>
             <a:ext cx="233680" cy="243840"/>
           </a:xfrm>
           <a:prstGeom prst="flowChartConnector">
@@ -12090,53 +15947,7 @@
         </p:nvSpPr>
         <p:spPr>
           <a:xfrm>
-            <a:off x="11822072" y="3725137"/>
-            <a:ext cx="233680" cy="243840"/>
-          </a:xfrm>
-          <a:prstGeom prst="flowChartConnector">
-            <a:avLst/>
-          </a:prstGeom>
-          <a:solidFill>
-            <a:srgbClr val="00B050"/>
-          </a:solidFill>
-          <a:ln>
-            <a:noFill/>
-          </a:ln>
-        </p:spPr>
-        <p:style>
-          <a:lnRef idx="2">
-            <a:schemeClr val="accent1">
-              <a:shade val="50000"/>
-            </a:schemeClr>
-          </a:lnRef>
-          <a:fillRef idx="1">
-            <a:schemeClr val="accent1"/>
-          </a:fillRef>
-          <a:effectRef idx="0">
-            <a:schemeClr val="accent1"/>
-          </a:effectRef>
-          <a:fontRef idx="minor">
-            <a:schemeClr val="lt1"/>
-          </a:fontRef>
-        </p:style>
-        <p:txBody>
-          <a:bodyPr rtlCol="0" anchor="ctr"/>
-          <a:lstStyle/>
-          <a:p>
-            <a:pPr algn="ctr"/>
-            <a:endParaRPr lang="ru-RU"/>
-          </a:p>
-        </p:txBody>
-      </p:sp>
-      <p:sp>
-        <p:nvSpPr>
-          <p:cNvPr id="13" name="Блок-схема: узел 12"/>
-          <p:cNvSpPr/>
-          <p:nvPr/>
-        </p:nvSpPr>
-        <p:spPr>
-          <a:xfrm>
-            <a:off x="8946792" y="4730977"/>
+            <a:off x="11822072" y="3733763"/>
             <a:ext cx="233680" cy="243840"/>
           </a:xfrm>
           <a:prstGeom prst="flowChartConnector">
@@ -12182,7 +15993,7 @@
         </p:nvSpPr>
         <p:spPr>
           <a:xfrm>
-            <a:off x="11177824" y="5737635"/>
+            <a:off x="11169292" y="4733030"/>
             <a:ext cx="233680" cy="243840"/>
           </a:xfrm>
           <a:prstGeom prst="flowChartConnector">
@@ -12224,6 +16035,35 @@
           </a:p>
         </p:txBody>
       </p:sp>
+      <p:pic>
+        <p:nvPicPr>
+          <p:cNvPr id="6" name="Рисунок 5"/>
+          <p:cNvPicPr>
+            <a:picLocks noChangeAspect="1"/>
+          </p:cNvPicPr>
+          <p:nvPr/>
+        </p:nvPicPr>
+        <p:blipFill rotWithShape="1">
+          <a:blip r:embed="rId4">
+            <a:extLst>
+              <a:ext uri="{28A0092B-C50C-407E-A947-70E740481C1C}">
+                <a14:useLocalDpi xmlns:a14="http://schemas.microsoft.com/office/drawing/2010/main" val="0"/>
+              </a:ext>
+            </a:extLst>
+          </a:blip>
+          <a:srcRect l="4644" t="4780" r="5887" b="4905"/>
+          <a:stretch/>
+        </p:blipFill>
+        <p:spPr>
+          <a:xfrm>
+            <a:off x="569336" y="1675912"/>
+            <a:ext cx="4705442" cy="5027540"/>
+          </a:xfrm>
+          <a:prstGeom prst="rect">
+            <a:avLst/>
+          </a:prstGeom>
+        </p:spPr>
+      </p:pic>
     </p:spTree>
     <p:extLst>
       <p:ext uri="{BB962C8B-B14F-4D97-AF65-F5344CB8AC3E}">
@@ -12618,7 +16458,7 @@
       </p:sp>
       <p:pic>
         <p:nvPicPr>
-          <p:cNvPr id="6" name="Рисунок 5"/>
+          <p:cNvPr id="3" name="Рисунок 2"/>
           <p:cNvPicPr>
             <a:picLocks noChangeAspect="1"/>
           </p:cNvPicPr>
@@ -12632,13 +16472,13 @@
               </a:ext>
             </a:extLst>
           </a:blip>
-          <a:srcRect l="889" t="1168" r="1" b="37434"/>
+          <a:srcRect l="14115" t="20503" r="37594" b="41810"/>
           <a:stretch/>
         </p:blipFill>
         <p:spPr>
           <a:xfrm>
-            <a:off x="2062480" y="1849120"/>
-            <a:ext cx="8098426" cy="2926080"/>
+            <a:off x="2145323" y="1849120"/>
+            <a:ext cx="6883657" cy="3021818"/>
           </a:xfrm>
           <a:prstGeom prst="rect">
             <a:avLst/>
@@ -12647,7 +16487,7 @@
       </p:pic>
       <p:pic>
         <p:nvPicPr>
-          <p:cNvPr id="8" name="Рисунок 7"/>
+          <p:cNvPr id="7" name="Рисунок 6"/>
           <p:cNvPicPr>
             <a:picLocks noChangeAspect="1"/>
           </p:cNvPicPr>
@@ -12661,13 +16501,13 @@
               </a:ext>
             </a:extLst>
           </a:blip>
-          <a:srcRect t="65028" b="1331"/>
+          <a:srcRect l="14009" t="62282" r="37806" b="23899"/>
           <a:stretch/>
         </p:blipFill>
         <p:spPr>
           <a:xfrm>
-            <a:off x="2214880" y="4959070"/>
-            <a:ext cx="7762239" cy="1523010"/>
+            <a:off x="1670432" y="5049838"/>
+            <a:ext cx="7833438" cy="1263650"/>
           </a:xfrm>
           <a:prstGeom prst="rect">
             <a:avLst/>
@@ -13066,64 +16906,30 @@
           </a:p>
         </p:txBody>
       </p:sp>
-      <p:pic>
-        <p:nvPicPr>
-          <p:cNvPr id="3" name="Рисунок 2"/>
-          <p:cNvPicPr>
-            <a:picLocks noChangeAspect="1"/>
-          </p:cNvPicPr>
-          <p:nvPr/>
-        </p:nvPicPr>
-        <p:blipFill rotWithShape="1">
-          <a:blip r:embed="rId4">
-            <a:extLst>
-              <a:ext uri="{28A0092B-C50C-407E-A947-70E740481C1C}">
-                <a14:useLocalDpi xmlns:a14="http://schemas.microsoft.com/office/drawing/2010/main" val="0"/>
-              </a:ext>
-            </a:extLst>
-          </a:blip>
-          <a:srcRect l="1629" t="2370" b="62794"/>
-          <a:stretch/>
-        </p:blipFill>
-        <p:spPr>
-          <a:xfrm>
-            <a:off x="1432646" y="2403053"/>
-            <a:ext cx="9326708" cy="1222244"/>
-          </a:xfrm>
-          <a:prstGeom prst="rect">
-            <a:avLst/>
-          </a:prstGeom>
-        </p:spPr>
-      </p:pic>
-      <p:pic>
-        <p:nvPicPr>
-          <p:cNvPr id="4" name="Рисунок 3"/>
-          <p:cNvPicPr>
-            <a:picLocks noChangeAspect="1"/>
-          </p:cNvPicPr>
-          <p:nvPr/>
-        </p:nvPicPr>
-        <p:blipFill rotWithShape="1">
-          <a:blip r:embed="rId5">
-            <a:extLst>
-              <a:ext uri="{28A0092B-C50C-407E-A947-70E740481C1C}">
-                <a14:useLocalDpi xmlns:a14="http://schemas.microsoft.com/office/drawing/2010/main" val="0"/>
-              </a:ext>
-            </a:extLst>
-          </a:blip>
-          <a:srcRect l="1607" t="63825" r="5460" b="15711"/>
-          <a:stretch/>
-        </p:blipFill>
-        <p:spPr>
-          <a:xfrm>
-            <a:off x="1639013" y="4563371"/>
-            <a:ext cx="8807569" cy="810884"/>
-          </a:xfrm>
-          <a:prstGeom prst="rect">
-            <a:avLst/>
-          </a:prstGeom>
-        </p:spPr>
-      </p:pic>
+      <p:graphicFrame>
+        <p:nvGraphicFramePr>
+          <p:cNvPr id="11" name="Диаграмма 10"/>
+          <p:cNvGraphicFramePr>
+            <a:graphicFrameLocks/>
+          </p:cNvGraphicFramePr>
+          <p:nvPr>
+            <p:extLst>
+              <p:ext uri="{D42A27DB-BD31-4B8C-83A1-F6EECF244321}">
+                <p14:modId xmlns:p14="http://schemas.microsoft.com/office/powerpoint/2010/main" val="474313059"/>
+              </p:ext>
+            </p:extLst>
+          </p:nvPr>
+        </p:nvGraphicFramePr>
+        <p:xfrm>
+          <a:off x="2149415" y="1720972"/>
+          <a:ext cx="7893170" cy="4800478"/>
+        </p:xfrm>
+        <a:graphic>
+          <a:graphicData uri="http://schemas.openxmlformats.org/drawingml/2006/chart">
+            <c:chart xmlns:c="http://schemas.openxmlformats.org/drawingml/2006/chart" xmlns:r="http://schemas.openxmlformats.org/officeDocument/2006/relationships" r:id="rId4"/>
+          </a:graphicData>
+        </a:graphic>
+      </p:graphicFrame>
     </p:spTree>
     <p:extLst>
       <p:ext uri="{BB962C8B-B14F-4D97-AF65-F5344CB8AC3E}">
@@ -13180,19 +16986,7 @@
               <a:rPr lang="en-US" sz="4800" i="1" dirty="0" smtClean="0">
                 <a:latin typeface="Bahnschrift SemiBold SemiConden" panose="020B0502040204020203" pitchFamily="34" charset="0"/>
               </a:rPr>
-              <a:t>DAU – Da</a:t>
-            </a:r>
-            <a:r>
-              <a:rPr lang="en-US" sz="4800" i="1" dirty="0">
-                <a:latin typeface="Bahnschrift SemiBold SemiConden" panose="020B0502040204020203" pitchFamily="34" charset="0"/>
-              </a:rPr>
-              <a:t>i</a:t>
-            </a:r>
-            <a:r>
-              <a:rPr lang="en-US" sz="4800" i="1" dirty="0" smtClean="0">
-                <a:latin typeface="Bahnschrift SemiBold SemiConden" panose="020B0502040204020203" pitchFamily="34" charset="0"/>
-              </a:rPr>
-              <a:t>ly Active Users</a:t>
+              <a:t>Revenue</a:t>
             </a:r>
             <a:endParaRPr lang="ru-RU" sz="4800" i="1" dirty="0">
               <a:latin typeface="Bahnschrift SemiBold SemiConden" panose="020B0502040204020203" pitchFamily="34" charset="0"/>
@@ -13317,7 +17111,7 @@
       </p:cxnSp>
       <p:sp>
         <p:nvSpPr>
-          <p:cNvPr id="9" name="Подзаголовок 2"/>
+          <p:cNvPr id="8" name="Подзаголовок 2"/>
           <p:cNvSpPr txBox="1">
             <a:spLocks/>
           </p:cNvSpPr>
@@ -13325,7 +17119,7 @@
         </p:nvSpPr>
         <p:spPr>
           <a:xfrm>
-            <a:off x="11402972" y="6105526"/>
+            <a:off x="11402972" y="6115686"/>
             <a:ext cx="419100" cy="415924"/>
           </a:xfrm>
           <a:prstGeom prst="rect">
@@ -13516,34 +17310,68 @@
           </a:p>
         </p:txBody>
       </p:sp>
-      <p:graphicFrame>
-        <p:nvGraphicFramePr>
-          <p:cNvPr id="8" name="Диаграмма 7"/>
-          <p:cNvGraphicFramePr>
-            <a:graphicFrameLocks/>
-          </p:cNvGraphicFramePr>
-          <p:nvPr>
-            <p:extLst>
-              <p:ext uri="{D42A27DB-BD31-4B8C-83A1-F6EECF244321}">
-                <p14:modId xmlns:p14="http://schemas.microsoft.com/office/powerpoint/2010/main" val="953016148"/>
-              </p:ext>
-            </p:extLst>
-          </p:nvPr>
-        </p:nvGraphicFramePr>
-        <p:xfrm>
-          <a:off x="1538327" y="1764665"/>
-          <a:ext cx="9144000" cy="4756785"/>
-        </p:xfrm>
-        <a:graphic>
-          <a:graphicData uri="http://schemas.openxmlformats.org/drawingml/2006/chart">
-            <c:chart xmlns:c="http://schemas.openxmlformats.org/drawingml/2006/chart" xmlns:r="http://schemas.openxmlformats.org/officeDocument/2006/relationships" r:id="rId4"/>
-          </a:graphicData>
-        </a:graphic>
-      </p:graphicFrame>
+      <p:pic>
+        <p:nvPicPr>
+          <p:cNvPr id="3" name="Рисунок 2"/>
+          <p:cNvPicPr>
+            <a:picLocks noChangeAspect="1"/>
+          </p:cNvPicPr>
+          <p:nvPr/>
+        </p:nvPicPr>
+        <p:blipFill rotWithShape="1">
+          <a:blip r:embed="rId4">
+            <a:extLst>
+              <a:ext uri="{28A0092B-C50C-407E-A947-70E740481C1C}">
+                <a14:useLocalDpi xmlns:a14="http://schemas.microsoft.com/office/drawing/2010/main" val="0"/>
+              </a:ext>
+            </a:extLst>
+          </a:blip>
+          <a:srcRect l="3020" t="3143" r="15566" b="63682"/>
+          <a:stretch/>
+        </p:blipFill>
+        <p:spPr>
+          <a:xfrm>
+            <a:off x="2119453" y="2419788"/>
+            <a:ext cx="7953094" cy="1250827"/>
+          </a:xfrm>
+          <a:prstGeom prst="rect">
+            <a:avLst/>
+          </a:prstGeom>
+        </p:spPr>
+      </p:pic>
+      <p:pic>
+        <p:nvPicPr>
+          <p:cNvPr id="4" name="Рисунок 3"/>
+          <p:cNvPicPr>
+            <a:picLocks noChangeAspect="1"/>
+          </p:cNvPicPr>
+          <p:nvPr/>
+        </p:nvPicPr>
+        <p:blipFill rotWithShape="1">
+          <a:blip r:embed="rId4">
+            <a:extLst>
+              <a:ext uri="{28A0092B-C50C-407E-A947-70E740481C1C}">
+                <a14:useLocalDpi xmlns:a14="http://schemas.microsoft.com/office/drawing/2010/main" val="0"/>
+              </a:ext>
+            </a:extLst>
+          </a:blip>
+          <a:srcRect l="1991" t="78452" r="2583" b="7744"/>
+          <a:stretch/>
+        </p:blipFill>
+        <p:spPr>
+          <a:xfrm>
+            <a:off x="1692215" y="4563363"/>
+            <a:ext cx="8807569" cy="491697"/>
+          </a:xfrm>
+          <a:prstGeom prst="rect">
+            <a:avLst/>
+          </a:prstGeom>
+        </p:spPr>
+      </p:pic>
     </p:spTree>
     <p:extLst>
       <p:ext uri="{BB962C8B-B14F-4D97-AF65-F5344CB8AC3E}">
-        <p14:creationId xmlns:p14="http://schemas.microsoft.com/office/powerpoint/2010/main" val="3349727514"/>
+        <p14:creationId xmlns:p14="http://schemas.microsoft.com/office/powerpoint/2010/main" val="4109705708"/>
       </p:ext>
     </p:extLst>
   </p:cSld>
@@ -13920,68 +17748,34 @@
           </a:p>
         </p:txBody>
       </p:sp>
-      <p:pic>
-        <p:nvPicPr>
-          <p:cNvPr id="3" name="Рисунок 2"/>
-          <p:cNvPicPr>
-            <a:picLocks noChangeAspect="1"/>
-          </p:cNvPicPr>
-          <p:nvPr/>
-        </p:nvPicPr>
-        <p:blipFill rotWithShape="1">
-          <a:blip r:embed="rId4">
-            <a:extLst>
-              <a:ext uri="{28A0092B-C50C-407E-A947-70E740481C1C}">
-                <a14:useLocalDpi xmlns:a14="http://schemas.microsoft.com/office/drawing/2010/main" val="0"/>
-              </a:ext>
-            </a:extLst>
-          </a:blip>
-          <a:srcRect l="3020" t="3143" b="63682"/>
-          <a:stretch/>
-        </p:blipFill>
-        <p:spPr>
-          <a:xfrm>
-            <a:off x="1432446" y="2449902"/>
-            <a:ext cx="9473739" cy="1250827"/>
-          </a:xfrm>
-          <a:prstGeom prst="rect">
-            <a:avLst/>
-          </a:prstGeom>
-        </p:spPr>
-      </p:pic>
-      <p:pic>
-        <p:nvPicPr>
-          <p:cNvPr id="4" name="Рисунок 3"/>
-          <p:cNvPicPr>
-            <a:picLocks noChangeAspect="1"/>
-          </p:cNvPicPr>
-          <p:nvPr/>
-        </p:nvPicPr>
-        <p:blipFill rotWithShape="1">
-          <a:blip r:embed="rId4">
-            <a:extLst>
-              <a:ext uri="{28A0092B-C50C-407E-A947-70E740481C1C}">
-                <a14:useLocalDpi xmlns:a14="http://schemas.microsoft.com/office/drawing/2010/main" val="0"/>
-              </a:ext>
-            </a:extLst>
-          </a:blip>
-          <a:srcRect l="1804" t="69009" r="2583" b="7744"/>
-          <a:stretch/>
-        </p:blipFill>
-        <p:spPr>
-          <a:xfrm>
-            <a:off x="1664897" y="4563364"/>
-            <a:ext cx="8824823" cy="828136"/>
-          </a:xfrm>
-          <a:prstGeom prst="rect">
-            <a:avLst/>
-          </a:prstGeom>
-        </p:spPr>
-      </p:pic>
+      <p:graphicFrame>
+        <p:nvGraphicFramePr>
+          <p:cNvPr id="20" name="Диаграмма 19"/>
+          <p:cNvGraphicFramePr>
+            <a:graphicFrameLocks/>
+          </p:cNvGraphicFramePr>
+          <p:nvPr>
+            <p:extLst>
+              <p:ext uri="{D42A27DB-BD31-4B8C-83A1-F6EECF244321}">
+                <p14:modId xmlns:p14="http://schemas.microsoft.com/office/powerpoint/2010/main" val="2714713544"/>
+              </p:ext>
+            </p:extLst>
+          </p:nvPr>
+        </p:nvGraphicFramePr>
+        <p:xfrm>
+          <a:off x="1431985" y="1777041"/>
+          <a:ext cx="9250342" cy="4754569"/>
+        </p:xfrm>
+        <a:graphic>
+          <a:graphicData uri="http://schemas.openxmlformats.org/drawingml/2006/chart">
+            <c:chart xmlns:c="http://schemas.openxmlformats.org/drawingml/2006/chart" xmlns:r="http://schemas.openxmlformats.org/officeDocument/2006/relationships" r:id="rId4"/>
+          </a:graphicData>
+        </a:graphic>
+      </p:graphicFrame>
     </p:spTree>
     <p:extLst>
       <p:ext uri="{BB962C8B-B14F-4D97-AF65-F5344CB8AC3E}">
-        <p14:creationId xmlns:p14="http://schemas.microsoft.com/office/powerpoint/2010/main" val="4109705708"/>
+        <p14:creationId xmlns:p14="http://schemas.microsoft.com/office/powerpoint/2010/main" val="96680142"/>
       </p:ext>
     </p:extLst>
   </p:cSld>
@@ -14026,7 +17820,7 @@
         </p:spPr>
         <p:txBody>
           <a:bodyPr>
-            <a:normAutofit/>
+            <a:normAutofit fontScale="90000"/>
           </a:bodyPr>
           <a:lstStyle/>
           <a:p>
@@ -14034,7 +17828,36 @@
               <a:rPr lang="en-US" sz="4800" i="1" dirty="0" smtClean="0">
                 <a:latin typeface="Bahnschrift SemiBold SemiConden" panose="020B0502040204020203" pitchFamily="34" charset="0"/>
               </a:rPr>
-              <a:t>Revenue</a:t>
+              <a:t>PPU </a:t>
+            </a:r>
+            <a:r>
+              <a:rPr lang="en-US" sz="4800" i="1" dirty="0" smtClean="0">
+                <a:latin typeface="Bahnschrift SemiBold SemiConden" panose="020B0502040204020203" pitchFamily="34" charset="0"/>
+              </a:rPr>
+              <a:t>– </a:t>
+            </a:r>
+            <a:r>
+              <a:rPr lang="en-US" sz="4800" i="1" dirty="0">
+                <a:latin typeface="Bahnschrift SemiBold SemiConden" panose="020B0502040204020203" pitchFamily="34" charset="0"/>
+              </a:rPr>
+              <a:t>Percentage of Paying </a:t>
+            </a:r>
+            <a:r>
+              <a:rPr lang="en-US" sz="4800" i="1" dirty="0" smtClean="0">
+                <a:latin typeface="Bahnschrift SemiBold SemiConden" panose="020B0502040204020203" pitchFamily="34" charset="0"/>
+              </a:rPr>
+              <a:t/>
+            </a:r>
+            <a:br>
+              <a:rPr lang="en-US" sz="4800" i="1" dirty="0" smtClean="0">
+                <a:latin typeface="Bahnschrift SemiBold SemiConden" panose="020B0502040204020203" pitchFamily="34" charset="0"/>
+              </a:rPr>
+            </a:br>
+            <a:r>
+              <a:rPr lang="en-US" sz="4800" i="1" dirty="0" smtClean="0">
+                <a:latin typeface="Bahnschrift SemiBold SemiConden" panose="020B0502040204020203" pitchFamily="34" charset="0"/>
+              </a:rPr>
+              <a:t>Users </a:t>
             </a:r>
             <a:endParaRPr lang="ru-RU" sz="4800" i="1" dirty="0">
               <a:latin typeface="Bahnschrift SemiBold SemiConden" panose="020B0502040204020203" pitchFamily="34" charset="0"/>
@@ -14159,7 +17982,7 @@
       </p:cxnSp>
       <p:sp>
         <p:nvSpPr>
-          <p:cNvPr id="8" name="Подзаголовок 2"/>
+          <p:cNvPr id="10" name="Подзаголовок 2"/>
           <p:cNvSpPr txBox="1">
             <a:spLocks/>
           </p:cNvSpPr>
@@ -14347,7 +18170,7 @@
               <a:buNone/>
             </a:pPr>
             <a:r>
-              <a:rPr lang="en-US" i="1" dirty="0">
+              <a:rPr lang="en-US" i="1" dirty="0" smtClean="0">
                 <a:latin typeface="Bahnschrift SemiLight SemiConde" panose="020B0502040204020203" pitchFamily="34" charset="0"/>
               </a:rPr>
               <a:t>9</a:t>
@@ -14358,34 +18181,39 @@
           </a:p>
         </p:txBody>
       </p:sp>
-      <p:graphicFrame>
-        <p:nvGraphicFramePr>
-          <p:cNvPr id="20" name="Диаграмма 19"/>
-          <p:cNvGraphicFramePr>
-            <a:graphicFrameLocks/>
-          </p:cNvGraphicFramePr>
-          <p:nvPr>
-            <p:extLst>
-              <p:ext uri="{D42A27DB-BD31-4B8C-83A1-F6EECF244321}">
-                <p14:modId xmlns:p14="http://schemas.microsoft.com/office/powerpoint/2010/main" val="2714713544"/>
-              </p:ext>
-            </p:extLst>
-          </p:nvPr>
-        </p:nvGraphicFramePr>
-        <p:xfrm>
-          <a:off x="1431985" y="1777041"/>
-          <a:ext cx="9250342" cy="4754569"/>
-        </p:xfrm>
-        <a:graphic>
-          <a:graphicData uri="http://schemas.openxmlformats.org/drawingml/2006/chart">
-            <c:chart xmlns:c="http://schemas.openxmlformats.org/drawingml/2006/chart" xmlns:r="http://schemas.openxmlformats.org/officeDocument/2006/relationships" r:id="rId4"/>
-          </a:graphicData>
-        </a:graphic>
-      </p:graphicFrame>
+      <p:pic>
+        <p:nvPicPr>
+          <p:cNvPr id="6" name="Рисунок 5"/>
+          <p:cNvPicPr>
+            <a:picLocks noChangeAspect="1"/>
+          </p:cNvPicPr>
+          <p:nvPr/>
+        </p:nvPicPr>
+        <p:blipFill rotWithShape="1">
+          <a:blip r:embed="rId4">
+            <a:extLst>
+              <a:ext uri="{28A0092B-C50C-407E-A947-70E740481C1C}">
+                <a14:useLocalDpi xmlns:a14="http://schemas.microsoft.com/office/drawing/2010/main" val="0"/>
+              </a:ext>
+            </a:extLst>
+          </a:blip>
+          <a:srcRect l="14576" t="20754" r="39858" b="34717"/>
+          <a:stretch/>
+        </p:blipFill>
+        <p:spPr>
+          <a:xfrm>
+            <a:off x="2298232" y="1794294"/>
+            <a:ext cx="7595536" cy="4175186"/>
+          </a:xfrm>
+          <a:prstGeom prst="rect">
+            <a:avLst/>
+          </a:prstGeom>
+        </p:spPr>
+      </p:pic>
     </p:spTree>
     <p:extLst>
       <p:ext uri="{BB962C8B-B14F-4D97-AF65-F5344CB8AC3E}">
-        <p14:creationId xmlns:p14="http://schemas.microsoft.com/office/powerpoint/2010/main" val="96680142"/>
+        <p14:creationId xmlns:p14="http://schemas.microsoft.com/office/powerpoint/2010/main" val="974527689"/>
       </p:ext>
     </p:extLst>
   </p:cSld>
